--- a/Templates/morgan.pptx
+++ b/Templates/morgan.pptx
@@ -873,7 +873,7 @@
           <a:p>
             <a:fld id="{515CCE07-1711-4DC7-A7D8-7ED312C82FB8}" type="datetimeFigureOut">
               <a:rPr lang="fr-FR" smtClean="0"/>
-              <a:t>02/06/2022</a:t>
+              <a:t>07/06/2022</a:t>
             </a:fld>
             <a:endParaRPr lang="fr-FR"/>
           </a:p>
@@ -4146,19 +4146,7 @@
             </a:r>
             <a:r>
               <a:rPr lang="fr-FR" sz="800" dirty="0"/>
-              <a:t>, &lt;SJR1&gt; clôture à un &lt;SJR3&gt; strictement inférieur à </a:t>
-            </a:r>
-            <a:r>
-              <a:rPr lang="fr-FR" sz="800" dirty="0">
-                <a:highlight>
-                  <a:srgbClr val="FF00FF"/>
-                </a:highlight>
-              </a:rPr>
-              <a:t>&lt;ABAC2&gt;. </a:t>
-            </a:r>
-            <a:r>
-              <a:rPr lang="fr-FR" sz="800" dirty="0"/>
-              <a:t>Le mécanisme de remboursement anticipé automatique n’est donc pas activé et le produit ne verse aucun coupon&lt;Mémoire4&gt;.</a:t>
+              <a:t>, &lt;SJR1&gt; clôture à un &lt;SJR3&gt; strictement inférieur à &lt;ABAC2&gt;. Le mécanisme de remboursement anticipé automatique n’est donc pas activé et le produit ne verse aucun coupon&lt;Mémoire4&gt;.</a:t>
             </a:r>
           </a:p>
           <a:p>
@@ -7041,7 +7029,7 @@
           <p:nvPr>
             <p:extLst>
               <p:ext uri="{D42A27DB-BD31-4B8C-83A1-F6EECF244321}">
-                <p14:modId xmlns:p14="http://schemas.microsoft.com/office/powerpoint/2010/main" val="754839707"/>
+                <p14:modId xmlns:p14="http://schemas.microsoft.com/office/powerpoint/2010/main" val="4023412434"/>
               </p:ext>
             </p:extLst>
           </p:nvPr>
@@ -11805,17 +11793,14 @@
                         <a:buNone/>
                         <a:tabLst/>
                       </a:pPr>
-                      <a:r>
-                        <a:rPr lang="fr-FR" sz="700" b="0" i="0" kern="1200" dirty="0">
-                          <a:solidFill>
-                            <a:schemeClr val="tx1"/>
-                          </a:solidFill>
-                          <a:latin typeface="+mn-lt"/>
-                          <a:ea typeface="+mn-ea"/>
-                          <a:cs typeface="+mn-cs"/>
-                        </a:rPr>
-                        <a:t>&lt;OUI SI APE/ NON SINON&gt;</a:t>
-                      </a:r>
+                      <a:endParaRPr lang="fr-FR" sz="700" b="0" i="0" kern="1200" dirty="0">
+                        <a:solidFill>
+                          <a:schemeClr val="tx1"/>
+                        </a:solidFill>
+                        <a:latin typeface="+mn-lt"/>
+                        <a:ea typeface="+mn-ea"/>
+                        <a:cs typeface="+mn-cs"/>
+                      </a:endParaRPr>
                     </a:p>
                   </a:txBody>
                   <a:tcPr marT="46800" marB="46800" anchor="ctr" horzOverflow="overflow">
@@ -13882,7 +13867,7 @@
           <p:nvPr>
             <p:extLst>
               <p:ext uri="{D42A27DB-BD31-4B8C-83A1-F6EECF244321}">
-                <p14:modId xmlns:p14="http://schemas.microsoft.com/office/powerpoint/2010/main" val="3268415409"/>
+                <p14:modId xmlns:p14="http://schemas.microsoft.com/office/powerpoint/2010/main" val="1307485564"/>
               </p:ext>
             </p:extLst>
           </p:nvPr>
@@ -18784,17 +18769,14 @@
                         <a:buNone/>
                         <a:tabLst/>
                       </a:pPr>
-                      <a:r>
-                        <a:rPr lang="fr-FR" sz="700" b="0" i="0" kern="1200" dirty="0">
-                          <a:solidFill>
-                            <a:schemeClr val="tx1"/>
-                          </a:solidFill>
-                          <a:latin typeface="+mn-lt"/>
-                          <a:ea typeface="+mn-ea"/>
-                          <a:cs typeface="+mn-cs"/>
-                        </a:rPr>
-                        <a:t>&lt;OUI SI APE/ NON SINON&gt;</a:t>
-                      </a:r>
+                      <a:endParaRPr lang="fr-FR" sz="700" b="0" i="0" kern="1200" dirty="0">
+                        <a:solidFill>
+                          <a:schemeClr val="tx1"/>
+                        </a:solidFill>
+                        <a:latin typeface="+mn-lt"/>
+                        <a:ea typeface="+mn-ea"/>
+                        <a:cs typeface="+mn-cs"/>
+                      </a:endParaRPr>
                     </a:p>
                   </a:txBody>
                   <a:tcPr marT="46800" marB="46800" anchor="ctr" horzOverflow="overflow">
@@ -27054,19 +27036,7 @@
           <a:p>
             <a:r>
               <a:rPr lang="fr-FR" sz="800" dirty="0"/>
-              <a:t>&lt;balisedeg2&gt; </a:t>
-            </a:r>
-            <a:r>
-              <a:rPr lang="fr-FR" sz="800" dirty="0">
-                <a:highlight>
-                  <a:srgbClr val="FF00FF"/>
-                </a:highlight>
-              </a:rPr>
-              <a:t>&lt;balisedeg3</a:t>
-            </a:r>
-            <a:r>
-              <a:rPr lang="fr-FR" sz="800" dirty="0"/>
-              <a:t>&gt;</a:t>
+              <a:t>&lt;balisedeg2&gt; &lt;balisedeg3&gt;</a:t>
             </a:r>
             <a:endParaRPr lang="en-US" sz="800" dirty="0"/>
           </a:p>
@@ -31859,26 +31829,7 @@
                   <a:srgbClr val="000000"/>
                 </a:solidFill>
               </a:rPr>
-              <a:t>et l’investisseur récupère alors l’intégralité de son capital initial, majorée d’un &lt;</a:t>
-            </a:r>
-            <a:r>
-              <a:rPr lang="fr-FR" sz="800" dirty="0">
-                <a:solidFill>
-                  <a:srgbClr val="000000"/>
-                </a:solidFill>
-                <a:highlight>
-                  <a:srgbClr val="FF00FF"/>
-                </a:highlight>
-              </a:rPr>
-              <a:t>GC</a:t>
-            </a:r>
-            <a:r>
-              <a:rPr lang="fr-FR" sz="800" dirty="0">
-                <a:solidFill>
-                  <a:srgbClr val="000000"/>
-                </a:solidFill>
-              </a:rPr>
-              <a:t>&gt; de &lt;CPN&gt; par &lt;F0&gt; &lt;F2&gt; depuis le &lt;DDCI&gt; (soit &lt;GCA&gt;</a:t>
+              <a:t>et l’investisseur récupère alors l’intégralité de son capital initial, majorée d’un  &lt;CG&gt; de &lt;CPN&gt; par &lt;F0&gt; &lt;F2&gt; depuis le &lt;DDCI&gt; (soit &lt;GCA&gt;</a:t>
             </a:r>
             <a:r>
               <a:rPr lang="fr-FR" sz="800" i="1" dirty="0">
@@ -36603,6 +36554,27 @@
 </file>
 
 <file path=customXml/item1.xml><?xml version="1.0" encoding="utf-8"?>
+<p:properties xmlns:p="http://schemas.microsoft.com/office/2006/metadata/properties" xmlns:xsi="http://www.w3.org/2001/XMLSchema-instance" xmlns:pc="http://schemas.microsoft.com/office/infopath/2007/PartnerControls">
+  <documentManagement>
+    <_Flow_SignoffStatus xmlns="ef624bc2-1644-4d69-8362-5c28ca496374" xsi:nil="true"/>
+    <TaxCatchAll xmlns="514a554b-82b0-4359-b247-fc84018a95f0" xsi:nil="true"/>
+    <lcf76f155ced4ddcb4097134ff3c332f xmlns="ef624bc2-1644-4d69-8362-5c28ca496374">
+      <Terms xmlns="http://schemas.microsoft.com/office/infopath/2007/PartnerControls"/>
+    </lcf76f155ced4ddcb4097134ff3c332f>
+  </documentManagement>
+</p:properties>
+</file>
+
+<file path=customXml/item2.xml><?xml version="1.0" encoding="utf-8"?>
+<?mso-contentType ?>
+<FormTemplates xmlns="http://schemas.microsoft.com/sharepoint/v3/contenttype/forms">
+  <Display>DocumentLibraryForm</Display>
+  <Edit>DocumentLibraryForm</Edit>
+  <New>DocumentLibraryForm</New>
+</FormTemplates>
+</file>
+
+<file path=customXml/item3.xml><?xml version="1.0" encoding="utf-8"?>
 <ct:contentTypeSchema xmlns:ct="http://schemas.microsoft.com/office/2006/metadata/contentType" xmlns:ma="http://schemas.microsoft.com/office/2006/metadata/properties/metaAttributes" ct:_="" ma:_="" ma:contentTypeName="Document" ma:contentTypeID="0x0101005DDE610BC516E448BB8152259F39635A" ma:contentTypeVersion="16" ma:contentTypeDescription="Crée un document." ma:contentTypeScope="" ma:versionID="83520913e4fb50886b69c5d2b42e4a4a">
   <xsd:schema xmlns:xsd="http://www.w3.org/2001/XMLSchema" xmlns:xs="http://www.w3.org/2001/XMLSchema" xmlns:p="http://schemas.microsoft.com/office/2006/metadata/properties" xmlns:ns2="ef624bc2-1644-4d69-8362-5c28ca496374" xmlns:ns3="514a554b-82b0-4359-b247-fc84018a95f0" targetNamespace="http://schemas.microsoft.com/office/2006/metadata/properties" ma:root="true" ma:fieldsID="cc61d48d89f522401cef424d48066f4d" ns2:_="" ns3:_="">
     <xsd:import namespace="ef624bc2-1644-4d69-8362-5c28ca496374"/>
@@ -36845,28 +36817,32 @@
 </ct:contentTypeSchema>
 </file>
 
-<file path=customXml/item2.xml><?xml version="1.0" encoding="utf-8"?>
-<?mso-contentType ?>
-<FormTemplates xmlns="http://schemas.microsoft.com/sharepoint/v3/contenttype/forms">
-  <Display>DocumentLibraryForm</Display>
-  <Edit>DocumentLibraryForm</Edit>
-  <New>DocumentLibraryForm</New>
-</FormTemplates>
+<file path=customXml/itemProps1.xml><?xml version="1.0" encoding="utf-8"?>
+<ds:datastoreItem xmlns:ds="http://schemas.openxmlformats.org/officeDocument/2006/customXml" ds:itemID="{25DE574B-2CD2-4078-9BEA-2A14717D9698}">
+  <ds:schemaRefs>
+    <ds:schemaRef ds:uri="514a554b-82b0-4359-b247-fc84018a95f0"/>
+    <ds:schemaRef ds:uri="ef624bc2-1644-4d69-8362-5c28ca496374"/>
+    <ds:schemaRef ds:uri="http://purl.org/dc/dcmitype/"/>
+    <ds:schemaRef ds:uri="http://purl.org/dc/elements/1.1/"/>
+    <ds:schemaRef ds:uri="http://purl.org/dc/terms/"/>
+    <ds:schemaRef ds:uri="http://schemas.microsoft.com/office/2006/documentManagement/types"/>
+    <ds:schemaRef ds:uri="http://schemas.microsoft.com/office/2006/metadata/properties"/>
+    <ds:schemaRef ds:uri="http://schemas.microsoft.com/office/infopath/2007/PartnerControls"/>
+    <ds:schemaRef ds:uri="http://schemas.openxmlformats.org/package/2006/metadata/core-properties"/>
+    <ds:schemaRef ds:uri="http://www.w3.org/XML/1998/namespace"/>
+  </ds:schemaRefs>
+</ds:datastoreItem>
 </file>
 
-<file path=customXml/item3.xml><?xml version="1.0" encoding="utf-8"?>
-<p:properties xmlns:p="http://schemas.microsoft.com/office/2006/metadata/properties" xmlns:xsi="http://www.w3.org/2001/XMLSchema-instance" xmlns:pc="http://schemas.microsoft.com/office/infopath/2007/PartnerControls">
-  <documentManagement>
-    <_Flow_SignoffStatus xmlns="ef624bc2-1644-4d69-8362-5c28ca496374" xsi:nil="true"/>
-    <TaxCatchAll xmlns="514a554b-82b0-4359-b247-fc84018a95f0" xsi:nil="true"/>
-    <lcf76f155ced4ddcb4097134ff3c332f xmlns="ef624bc2-1644-4d69-8362-5c28ca496374">
-      <Terms xmlns="http://schemas.microsoft.com/office/infopath/2007/PartnerControls"/>
-    </lcf76f155ced4ddcb4097134ff3c332f>
-  </documentManagement>
-</p:properties>
+<file path=customXml/itemProps2.xml><?xml version="1.0" encoding="utf-8"?>
+<ds:datastoreItem xmlns:ds="http://schemas.openxmlformats.org/officeDocument/2006/customXml" ds:itemID="{B00FC41E-FBDE-42E2-B58A-20EBD240A376}">
+  <ds:schemaRefs>
+    <ds:schemaRef ds:uri="http://schemas.microsoft.com/sharepoint/v3/contenttype/forms"/>
+  </ds:schemaRefs>
+</ds:datastoreItem>
 </file>
 
-<file path=customXml/itemProps1.xml><?xml version="1.0" encoding="utf-8"?>
+<file path=customXml/itemProps3.xml><?xml version="1.0" encoding="utf-8"?>
 <ds:datastoreItem xmlns:ds="http://schemas.openxmlformats.org/officeDocument/2006/customXml" ds:itemID="{2E6CBD22-185E-404D-8887-B434F41BA06D}">
   <ds:schemaRefs>
     <ds:schemaRef ds:uri="http://schemas.microsoft.com/office/2006/metadata/contentType"/>
@@ -36883,29 +36859,4 @@
     <ds:schemaRef ds:uri="http://schemas.microsoft.com/internal/obd"/>
   </ds:schemaRefs>
 </ds:datastoreItem>
-</file>
-
-<file path=customXml/itemProps2.xml><?xml version="1.0" encoding="utf-8"?>
-<ds:datastoreItem xmlns:ds="http://schemas.openxmlformats.org/officeDocument/2006/customXml" ds:itemID="{B00FC41E-FBDE-42E2-B58A-20EBD240A376}">
-  <ds:schemaRefs>
-    <ds:schemaRef ds:uri="http://schemas.microsoft.com/sharepoint/v3/contenttype/forms"/>
-  </ds:schemaRefs>
-</ds:datastoreItem>
-</file>
-
-<file path=customXml/itemProps3.xml><?xml version="1.0" encoding="utf-8"?>
-<ds:datastoreItem xmlns:ds="http://schemas.openxmlformats.org/officeDocument/2006/customXml" ds:itemID="{25DE574B-2CD2-4078-9BEA-2A14717D9698}">
-  <ds:schemaRefs>
-    <ds:schemaRef ds:uri="514a554b-82b0-4359-b247-fc84018a95f0"/>
-    <ds:schemaRef ds:uri="ef624bc2-1644-4d69-8362-5c28ca496374"/>
-    <ds:schemaRef ds:uri="http://purl.org/dc/dcmitype/"/>
-    <ds:schemaRef ds:uri="http://purl.org/dc/elements/1.1/"/>
-    <ds:schemaRef ds:uri="http://purl.org/dc/terms/"/>
-    <ds:schemaRef ds:uri="http://schemas.microsoft.com/office/2006/documentManagement/types"/>
-    <ds:schemaRef ds:uri="http://schemas.microsoft.com/office/2006/metadata/properties"/>
-    <ds:schemaRef ds:uri="http://schemas.microsoft.com/office/infopath/2007/PartnerControls"/>
-    <ds:schemaRef ds:uri="http://schemas.openxmlformats.org/package/2006/metadata/core-properties"/>
-    <ds:schemaRef ds:uri="http://www.w3.org/XML/1998/namespace"/>
-  </ds:schemaRefs>
-</ds:datastoreItem>
 </file>
--- a/Templates/morgan.pptx
+++ b/Templates/morgan.pptx
@@ -873,7 +873,7 @@
           <a:p>
             <a:fld id="{515CCE07-1711-4DC7-A7D8-7ED312C82FB8}" type="datetimeFigureOut">
               <a:rPr lang="fr-FR" smtClean="0"/>
-              <a:t>07/06/2022</a:t>
+              <a:t>13/06/2022</a:t>
             </a:fld>
             <a:endParaRPr lang="fr-FR"/>
           </a:p>
@@ -4146,7 +4146,19 @@
             </a:r>
             <a:r>
               <a:rPr lang="fr-FR" sz="800" dirty="0"/>
-              <a:t>, &lt;SJR1&gt; clôture à un &lt;SJR3&gt; strictement inférieur à &lt;ABAC2&gt;. Le mécanisme de remboursement anticipé automatique n’est donc pas activé et le produit ne verse aucun coupon&lt;Mémoire4&gt;.</a:t>
+              <a:t>, &lt;SJR1&gt; clôture à un &lt;SJR3&gt; strictement inférieur à </a:t>
+            </a:r>
+            <a:r>
+              <a:rPr lang="fr-FR" sz="800" dirty="0">
+                <a:highlight>
+                  <a:srgbClr val="FF00FF"/>
+                </a:highlight>
+              </a:rPr>
+              <a:t>&lt;ABAC2&gt;. </a:t>
+            </a:r>
+            <a:r>
+              <a:rPr lang="fr-FR" sz="800" dirty="0"/>
+              <a:t>Le mécanisme de remboursement anticipé automatique n’est donc pas activé et le produit ne verse aucun coupon&lt;Mémoire4&gt;.</a:t>
             </a:r>
           </a:p>
           <a:p>
@@ -6707,7 +6719,7 @@
         <p:spPr>
           <a:xfrm>
             <a:off x="5417820" y="9174546"/>
-            <a:ext cx="1913222" cy="215444"/>
+            <a:ext cx="1913222" cy="338554"/>
           </a:xfrm>
           <a:prstGeom prst="rect">
             <a:avLst/>
@@ -6721,7 +6733,7 @@
           <a:lstStyle/>
           <a:p>
             <a:r>
-              <a:rPr lang="fr-FR" sz="800" u="sng">
+              <a:rPr lang="fr-FR" sz="800" u="sng" dirty="0">
                 <a:highlight>
                   <a:srgbClr val="FF00FF"/>
                 </a:highlight>
@@ -6729,7 +6741,7 @@
               <a:t>Source :</a:t>
             </a:r>
             <a:r>
-              <a:rPr lang="fr-FR" sz="800">
+              <a:rPr lang="fr-FR" sz="800" dirty="0">
                 <a:highlight>
                   <a:srgbClr val="FF00FF"/>
                 </a:highlight>
@@ -6737,7 +6749,7 @@
               <a:t> Bloomberg, le </a:t>
             </a:r>
             <a:r>
-              <a:rPr lang="fr-FR" sz="800">
+              <a:rPr lang="fr-FR" sz="800" dirty="0">
                 <a:solidFill>
                   <a:schemeClr val="tx2"/>
                 </a:solidFill>
@@ -6745,9 +6757,9 @@
                   <a:srgbClr val="FF00FF"/>
                 </a:highlight>
               </a:rPr>
-              <a:t>&lt;DDR1_MAJ&gt;</a:t>
-            </a:r>
-            <a:endParaRPr lang="fr-FR" sz="800">
+              <a:t>&lt;DDR1_MAJ_MIN&gt;</a:t>
+            </a:r>
+            <a:endParaRPr lang="fr-FR" sz="800" dirty="0">
               <a:highlight>
                 <a:srgbClr val="FF00FF"/>
               </a:highlight>
@@ -6784,7 +6796,7 @@
           <a:lstStyle/>
           <a:p>
             <a:r>
-              <a:rPr lang="fr-FR" sz="800" u="sng">
+              <a:rPr lang="fr-FR" sz="800" u="sng" dirty="0">
                 <a:highlight>
                   <a:srgbClr val="FF00FF"/>
                 </a:highlight>
@@ -6792,7 +6804,7 @@
               <a:t>Source :</a:t>
             </a:r>
             <a:r>
-              <a:rPr lang="fr-FR" sz="800">
+              <a:rPr lang="fr-FR" sz="800" dirty="0">
                 <a:highlight>
                   <a:srgbClr val="FF00FF"/>
                 </a:highlight>
@@ -6800,7 +6812,7 @@
               <a:t> Bloomberg, le </a:t>
             </a:r>
             <a:r>
-              <a:rPr lang="fr-FR" sz="800">
+              <a:rPr lang="fr-FR" sz="800" dirty="0">
                 <a:solidFill>
                   <a:schemeClr val="tx2"/>
                 </a:solidFill>
@@ -6810,7 +6822,7 @@
               </a:rPr>
               <a:t>&lt;DDR1_MAJ&gt;</a:t>
             </a:r>
-            <a:endParaRPr lang="fr-FR" sz="800">
+            <a:endParaRPr lang="fr-FR" sz="800" dirty="0">
               <a:highlight>
                 <a:srgbClr val="FF00FF"/>
               </a:highlight>
@@ -7029,7 +7041,7 @@
           <p:nvPr>
             <p:extLst>
               <p:ext uri="{D42A27DB-BD31-4B8C-83A1-F6EECF244321}">
-                <p14:modId xmlns:p14="http://schemas.microsoft.com/office/powerpoint/2010/main" val="4023412434"/>
+                <p14:modId xmlns:p14="http://schemas.microsoft.com/office/powerpoint/2010/main" val="754839707"/>
               </p:ext>
             </p:extLst>
           </p:nvPr>
@@ -11793,14 +11805,17 @@
                         <a:buNone/>
                         <a:tabLst/>
                       </a:pPr>
-                      <a:endParaRPr lang="fr-FR" sz="700" b="0" i="0" kern="1200" dirty="0">
-                        <a:solidFill>
-                          <a:schemeClr val="tx1"/>
-                        </a:solidFill>
-                        <a:latin typeface="+mn-lt"/>
-                        <a:ea typeface="+mn-ea"/>
-                        <a:cs typeface="+mn-cs"/>
-                      </a:endParaRPr>
+                      <a:r>
+                        <a:rPr lang="fr-FR" sz="700" b="0" i="0" kern="1200" dirty="0">
+                          <a:solidFill>
+                            <a:schemeClr val="tx1"/>
+                          </a:solidFill>
+                          <a:latin typeface="+mn-lt"/>
+                          <a:ea typeface="+mn-ea"/>
+                          <a:cs typeface="+mn-cs"/>
+                        </a:rPr>
+                        <a:t>&lt;OUI SI APE/ NON SINON&gt;</a:t>
+                      </a:r>
                     </a:p>
                   </a:txBody>
                   <a:tcPr marT="46800" marB="46800" anchor="ctr" horzOverflow="overflow">
@@ -13867,7 +13882,7 @@
           <p:nvPr>
             <p:extLst>
               <p:ext uri="{D42A27DB-BD31-4B8C-83A1-F6EECF244321}">
-                <p14:modId xmlns:p14="http://schemas.microsoft.com/office/powerpoint/2010/main" val="1307485564"/>
+                <p14:modId xmlns:p14="http://schemas.microsoft.com/office/powerpoint/2010/main" val="3268415409"/>
               </p:ext>
             </p:extLst>
           </p:nvPr>
@@ -18769,14 +18784,17 @@
                         <a:buNone/>
                         <a:tabLst/>
                       </a:pPr>
-                      <a:endParaRPr lang="fr-FR" sz="700" b="0" i="0" kern="1200" dirty="0">
-                        <a:solidFill>
-                          <a:schemeClr val="tx1"/>
-                        </a:solidFill>
-                        <a:latin typeface="+mn-lt"/>
-                        <a:ea typeface="+mn-ea"/>
-                        <a:cs typeface="+mn-cs"/>
-                      </a:endParaRPr>
+                      <a:r>
+                        <a:rPr lang="fr-FR" sz="700" b="0" i="0" kern="1200" dirty="0">
+                          <a:solidFill>
+                            <a:schemeClr val="tx1"/>
+                          </a:solidFill>
+                          <a:latin typeface="+mn-lt"/>
+                          <a:ea typeface="+mn-ea"/>
+                          <a:cs typeface="+mn-cs"/>
+                        </a:rPr>
+                        <a:t>&lt;OUI SI APE/ NON SINON&gt;</a:t>
+                      </a:r>
                     </a:p>
                   </a:txBody>
                   <a:tcPr marT="46800" marB="46800" anchor="ctr" horzOverflow="overflow">
@@ -27036,7 +27054,19 @@
           <a:p>
             <a:r>
               <a:rPr lang="fr-FR" sz="800" dirty="0"/>
-              <a:t>&lt;balisedeg2&gt; &lt;balisedeg3&gt;</a:t>
+              <a:t>&lt;balisedeg2&gt; </a:t>
+            </a:r>
+            <a:r>
+              <a:rPr lang="fr-FR" sz="800" dirty="0">
+                <a:highlight>
+                  <a:srgbClr val="FF00FF"/>
+                </a:highlight>
+              </a:rPr>
+              <a:t>&lt;balisedeg3</a:t>
+            </a:r>
+            <a:r>
+              <a:rPr lang="fr-FR" sz="800" dirty="0"/>
+              <a:t>&gt;</a:t>
             </a:r>
             <a:endParaRPr lang="en-US" sz="800" dirty="0"/>
           </a:p>
@@ -31829,7 +31859,26 @@
                   <a:srgbClr val="000000"/>
                 </a:solidFill>
               </a:rPr>
-              <a:t>et l’investisseur récupère alors l’intégralité de son capital initial, majorée d’un  &lt;CG&gt; de &lt;CPN&gt; par &lt;F0&gt; &lt;F2&gt; depuis le &lt;DDCI&gt; (soit &lt;GCA&gt;</a:t>
+              <a:t>et l’investisseur récupère alors l’intégralité de son capital initial, majorée d’un &lt;</a:t>
+            </a:r>
+            <a:r>
+              <a:rPr lang="fr-FR" sz="800" dirty="0">
+                <a:solidFill>
+                  <a:srgbClr val="000000"/>
+                </a:solidFill>
+                <a:highlight>
+                  <a:srgbClr val="FF00FF"/>
+                </a:highlight>
+              </a:rPr>
+              <a:t>GC</a:t>
+            </a:r>
+            <a:r>
+              <a:rPr lang="fr-FR" sz="800" dirty="0">
+                <a:solidFill>
+                  <a:srgbClr val="000000"/>
+                </a:solidFill>
+              </a:rPr>
+              <a:t>&gt; de &lt;CPN&gt; par &lt;F0&gt; &lt;F2&gt; depuis le &lt;DDCI&gt; (soit &lt;GCA&gt;</a:t>
             </a:r>
             <a:r>
               <a:rPr lang="fr-FR" sz="800" i="1" dirty="0">

--- a/Templates/morgan.pptx
+++ b/Templates/morgan.pptx
@@ -151,7 +151,7 @@
 <file path=ppt/revisionInfo.xml><?xml version="1.0" encoding="utf-8"?>
 <p1510:revInfo xmlns:a="http://schemas.openxmlformats.org/drawingml/2006/main" xmlns:r="http://schemas.openxmlformats.org/officeDocument/2006/relationships" xmlns:p1510="http://schemas.microsoft.com/office/powerpoint/2015/10/main">
   <p1510:revLst>
-    <p1510:client id="{A5289BD9-B288-479C-9C53-1CB8B081C19E}" v="554" dt="2022-05-25T07:55:00.233"/>
+    <p1510:client id="{1AF5CBAA-8B19-4E30-AE3F-FD654036B3A2}" v="14" dt="2022-06-13T14:39:49.257"/>
   </p1510:revLst>
 </p1510:revInfo>
 </file>
@@ -160,19 +160,27 @@
 <pc:chgInfo xmlns:a="http://schemas.openxmlformats.org/drawingml/2006/main" xmlns:r="http://schemas.openxmlformats.org/officeDocument/2006/relationships" xmlns:ac="http://schemas.microsoft.com/office/drawing/2013/main/command" xmlns:pc="http://schemas.microsoft.com/office/powerpoint/2013/main/command">
   <pc:docChgLst>
     <pc:chgData name="Milan Cosson" userId="1b722937-9737-476f-bc2f-00e7be64c106" providerId="ADAL" clId="{1AF5CBAA-8B19-4E30-AE3F-FD654036B3A2}"/>
-    <pc:docChg chg="undo custSel modSld">
-      <pc:chgData name="Milan Cosson" userId="1b722937-9737-476f-bc2f-00e7be64c106" providerId="ADAL" clId="{1AF5CBAA-8B19-4E30-AE3F-FD654036B3A2}" dt="2022-05-24T14:12:13.392" v="8420" actId="255"/>
+    <pc:docChg chg="undo custSel modSld modMainMaster">
+      <pc:chgData name="Milan Cosson" userId="1b722937-9737-476f-bc2f-00e7be64c106" providerId="ADAL" clId="{1AF5CBAA-8B19-4E30-AE3F-FD654036B3A2}" dt="2022-06-13T14:48:59.541" v="10228" actId="1076"/>
       <pc:docMkLst>
         <pc:docMk/>
       </pc:docMkLst>
-      <pc:sldChg chg="modSp mod">
-        <pc:chgData name="Milan Cosson" userId="1b722937-9737-476f-bc2f-00e7be64c106" providerId="ADAL" clId="{1AF5CBAA-8B19-4E30-AE3F-FD654036B3A2}" dt="2022-05-24T09:10:51.433" v="10" actId="113"/>
+      <pc:sldChg chg="addSp modSp mod">
+        <pc:chgData name="Milan Cosson" userId="1b722937-9737-476f-bc2f-00e7be64c106" providerId="ADAL" clId="{1AF5CBAA-8B19-4E30-AE3F-FD654036B3A2}" dt="2022-06-13T14:39:49.257" v="10060"/>
         <pc:sldMkLst>
           <pc:docMk/>
           <pc:sldMk cId="279835308" sldId="283"/>
         </pc:sldMkLst>
+        <pc:spChg chg="add mod">
+          <ac:chgData name="Milan Cosson" userId="1b722937-9737-476f-bc2f-00e7be64c106" providerId="ADAL" clId="{1AF5CBAA-8B19-4E30-AE3F-FD654036B3A2}" dt="2022-06-13T14:35:33.042" v="9998" actId="1076"/>
+          <ac:spMkLst>
+            <pc:docMk/>
+            <pc:sldMk cId="279835308" sldId="283"/>
+            <ac:spMk id="10" creationId="{6AB66FB1-4D6F-30FB-00E3-544C3BFCAA95}"/>
+          </ac:spMkLst>
+        </pc:spChg>
         <pc:spChg chg="mod">
-          <ac:chgData name="Milan Cosson" userId="1b722937-9737-476f-bc2f-00e7be64c106" providerId="ADAL" clId="{1AF5CBAA-8B19-4E30-AE3F-FD654036B3A2}" dt="2022-05-24T09:10:51.433" v="10" actId="113"/>
+          <ac:chgData name="Milan Cosson" userId="1b722937-9737-476f-bc2f-00e7be64c106" providerId="ADAL" clId="{1AF5CBAA-8B19-4E30-AE3F-FD654036B3A2}" dt="2022-06-13T14:39:49.257" v="10060"/>
           <ac:spMkLst>
             <pc:docMk/>
             <pc:sldMk cId="279835308" sldId="283"/>
@@ -180,8 +188,8 @@
           </ac:spMkLst>
         </pc:spChg>
       </pc:sldChg>
-      <pc:sldChg chg="modSp mod">
-        <pc:chgData name="Milan Cosson" userId="1b722937-9737-476f-bc2f-00e7be64c106" providerId="ADAL" clId="{1AF5CBAA-8B19-4E30-AE3F-FD654036B3A2}" dt="2022-05-24T10:10:42.402" v="5932" actId="13926"/>
+      <pc:sldChg chg="addSp modSp mod">
+        <pc:chgData name="Milan Cosson" userId="1b722937-9737-476f-bc2f-00e7be64c106" providerId="ADAL" clId="{1AF5CBAA-8B19-4E30-AE3F-FD654036B3A2}" dt="2022-06-13T14:35:30.194" v="9996" actId="1076"/>
         <pc:sldMkLst>
           <pc:docMk/>
           <pc:sldMk cId="4283008219" sldId="284"/>
@@ -194,6 +202,14 @@
             <ac:spMk id="8" creationId="{38611E08-F7D1-4B39-8F74-B0ABAC8875AC}"/>
           </ac:spMkLst>
         </pc:spChg>
+        <pc:spChg chg="add mod">
+          <ac:chgData name="Milan Cosson" userId="1b722937-9737-476f-bc2f-00e7be64c106" providerId="ADAL" clId="{1AF5CBAA-8B19-4E30-AE3F-FD654036B3A2}" dt="2022-06-13T14:35:30.194" v="9996" actId="1076"/>
+          <ac:spMkLst>
+            <pc:docMk/>
+            <pc:sldMk cId="4283008219" sldId="284"/>
+            <ac:spMk id="13" creationId="{BE2900B0-346F-9C03-3B28-C7107EF48128}"/>
+          </ac:spMkLst>
+        </pc:spChg>
         <pc:spChg chg="mod">
           <ac:chgData name="Milan Cosson" userId="1b722937-9737-476f-bc2f-00e7be64c106" providerId="ADAL" clId="{1AF5CBAA-8B19-4E30-AE3F-FD654036B3A2}" dt="2022-05-24T09:47:50.743" v="2263" actId="20577"/>
           <ac:spMkLst>
@@ -204,13 +220,58 @@
         </pc:spChg>
       </pc:sldChg>
       <pc:sldChg chg="addSp modSp mod">
-        <pc:chgData name="Milan Cosson" userId="1b722937-9737-476f-bc2f-00e7be64c106" providerId="ADAL" clId="{1AF5CBAA-8B19-4E30-AE3F-FD654036B3A2}" dt="2022-05-24T13:52:43.785" v="8417" actId="20577"/>
+        <pc:chgData name="Milan Cosson" userId="1b722937-9737-476f-bc2f-00e7be64c106" providerId="ADAL" clId="{1AF5CBAA-8B19-4E30-AE3F-FD654036B3A2}" dt="2022-06-13T14:35:39.256" v="10000" actId="1076"/>
+        <pc:sldMkLst>
+          <pc:docMk/>
+          <pc:sldMk cId="1251430996" sldId="285"/>
+        </pc:sldMkLst>
+        <pc:spChg chg="add mod">
+          <ac:chgData name="Milan Cosson" userId="1b722937-9737-476f-bc2f-00e7be64c106" providerId="ADAL" clId="{1AF5CBAA-8B19-4E30-AE3F-FD654036B3A2}" dt="2022-06-13T14:35:39.256" v="10000" actId="1076"/>
+          <ac:spMkLst>
+            <pc:docMk/>
+            <pc:sldMk cId="1251430996" sldId="285"/>
+            <ac:spMk id="22" creationId="{6B9B65C2-6288-5A83-9D8D-B46A62946578}"/>
+          </ac:spMkLst>
+        </pc:spChg>
+      </pc:sldChg>
+      <pc:sldChg chg="modSp mod">
+        <pc:chgData name="Milan Cosson" userId="1b722937-9737-476f-bc2f-00e7be64c106" providerId="ADAL" clId="{1AF5CBAA-8B19-4E30-AE3F-FD654036B3A2}" dt="2022-06-13T14:35:49.276" v="10005" actId="1076"/>
+        <pc:sldMkLst>
+          <pc:docMk/>
+          <pc:sldMk cId="2335663946" sldId="286"/>
+        </pc:sldMkLst>
+        <pc:spChg chg="mod">
+          <ac:chgData name="Milan Cosson" userId="1b722937-9737-476f-bc2f-00e7be64c106" providerId="ADAL" clId="{1AF5CBAA-8B19-4E30-AE3F-FD654036B3A2}" dt="2022-06-13T14:35:49.276" v="10005" actId="1076"/>
+          <ac:spMkLst>
+            <pc:docMk/>
+            <pc:sldMk cId="2335663946" sldId="286"/>
+            <ac:spMk id="7" creationId="{11CD4052-900D-4194-A69C-0AF1ADBF03E1}"/>
+          </ac:spMkLst>
+        </pc:spChg>
+      </pc:sldChg>
+      <pc:sldChg chg="addSp modSp mod">
+        <pc:chgData name="Milan Cosson" userId="1b722937-9737-476f-bc2f-00e7be64c106" providerId="ADAL" clId="{1AF5CBAA-8B19-4E30-AE3F-FD654036B3A2}" dt="2022-06-13T14:35:57.472" v="10009" actId="1076"/>
+        <pc:sldMkLst>
+          <pc:docMk/>
+          <pc:sldMk cId="131778213" sldId="287"/>
+        </pc:sldMkLst>
+        <pc:spChg chg="add mod">
+          <ac:chgData name="Milan Cosson" userId="1b722937-9737-476f-bc2f-00e7be64c106" providerId="ADAL" clId="{1AF5CBAA-8B19-4E30-AE3F-FD654036B3A2}" dt="2022-06-13T14:35:57.472" v="10009" actId="1076"/>
+          <ac:spMkLst>
+            <pc:docMk/>
+            <pc:sldMk cId="131778213" sldId="287"/>
+            <ac:spMk id="17" creationId="{BEDC322A-047C-AD25-3052-3FBCB8664A82}"/>
+          </ac:spMkLst>
+        </pc:spChg>
+      </pc:sldChg>
+      <pc:sldChg chg="addSp modSp mod">
+        <pc:chgData name="Milan Cosson" userId="1b722937-9737-476f-bc2f-00e7be64c106" providerId="ADAL" clId="{1AF5CBAA-8B19-4E30-AE3F-FD654036B3A2}" dt="2022-06-13T14:39:25.818" v="10055" actId="20577"/>
         <pc:sldMkLst>
           <pc:docMk/>
           <pc:sldMk cId="3725312375" sldId="288"/>
         </pc:sldMkLst>
         <pc:spChg chg="add mod">
-          <ac:chgData name="Milan Cosson" userId="1b722937-9737-476f-bc2f-00e7be64c106" providerId="ADAL" clId="{1AF5CBAA-8B19-4E30-AE3F-FD654036B3A2}" dt="2022-05-24T13:52:43.785" v="8417" actId="20577"/>
+          <ac:chgData name="Milan Cosson" userId="1b722937-9737-476f-bc2f-00e7be64c106" providerId="ADAL" clId="{1AF5CBAA-8B19-4E30-AE3F-FD654036B3A2}" dt="2022-06-13T14:39:25.818" v="10055" actId="20577"/>
           <ac:spMkLst>
             <pc:docMk/>
             <pc:sldMk cId="3725312375" sldId="288"/>
@@ -225,13 +286,37 @@
             <ac:spMk id="19" creationId="{F430BCC1-AFEA-9CD5-2109-F2802CCF6A55}"/>
           </ac:spMkLst>
         </pc:spChg>
+        <pc:spChg chg="add mod">
+          <ac:chgData name="Milan Cosson" userId="1b722937-9737-476f-bc2f-00e7be64c106" providerId="ADAL" clId="{1AF5CBAA-8B19-4E30-AE3F-FD654036B3A2}" dt="2022-06-13T14:36:06.368" v="10013" actId="1076"/>
+          <ac:spMkLst>
+            <pc:docMk/>
+            <pc:sldMk cId="3725312375" sldId="288"/>
+            <ac:spMk id="21" creationId="{73FE95BF-5478-6A01-9726-C38CE9FEAAF1}"/>
+          </ac:spMkLst>
+        </pc:spChg>
+        <pc:graphicFrameChg chg="modGraphic">
+          <ac:chgData name="Milan Cosson" userId="1b722937-9737-476f-bc2f-00e7be64c106" providerId="ADAL" clId="{1AF5CBAA-8B19-4E30-AE3F-FD654036B3A2}" dt="2022-06-13T14:38:13.748" v="10049" actId="20577"/>
+          <ac:graphicFrameMkLst>
+            <pc:docMk/>
+            <pc:sldMk cId="3725312375" sldId="288"/>
+            <ac:graphicFrameMk id="12" creationId="{9C2661B6-D3C8-47C4-B00C-101FBDFE6745}"/>
+          </ac:graphicFrameMkLst>
+        </pc:graphicFrameChg>
       </pc:sldChg>
-      <pc:sldChg chg="modSp mod">
-        <pc:chgData name="Milan Cosson" userId="1b722937-9737-476f-bc2f-00e7be64c106" providerId="ADAL" clId="{1AF5CBAA-8B19-4E30-AE3F-FD654036B3A2}" dt="2022-05-24T10:17:38.597" v="6166" actId="20577"/>
+      <pc:sldChg chg="addSp modSp mod">
+        <pc:chgData name="Milan Cosson" userId="1b722937-9737-476f-bc2f-00e7be64c106" providerId="ADAL" clId="{1AF5CBAA-8B19-4E30-AE3F-FD654036B3A2}" dt="2022-06-13T14:36:15.211" v="10015" actId="1076"/>
         <pc:sldMkLst>
           <pc:docMk/>
           <pc:sldMk cId="713649784" sldId="289"/>
         </pc:sldMkLst>
+        <pc:spChg chg="add mod">
+          <ac:chgData name="Milan Cosson" userId="1b722937-9737-476f-bc2f-00e7be64c106" providerId="ADAL" clId="{1AF5CBAA-8B19-4E30-AE3F-FD654036B3A2}" dt="2022-06-13T14:36:15.211" v="10015" actId="1076"/>
+          <ac:spMkLst>
+            <pc:docMk/>
+            <pc:sldMk cId="713649784" sldId="289"/>
+            <ac:spMk id="8" creationId="{6900565A-F48B-5B06-F008-39BAB3A261F0}"/>
+          </ac:spMkLst>
+        </pc:spChg>
         <pc:graphicFrameChg chg="modGraphic">
           <ac:chgData name="Milan Cosson" userId="1b722937-9737-476f-bc2f-00e7be64c106" providerId="ADAL" clId="{1AF5CBAA-8B19-4E30-AE3F-FD654036B3A2}" dt="2022-05-24T10:17:38.597" v="6166" actId="20577"/>
           <ac:graphicFrameMkLst>
@@ -241,14 +326,29 @@
           </ac:graphicFrameMkLst>
         </pc:graphicFrameChg>
       </pc:sldChg>
-      <pc:sldChg chg="modSp mod">
-        <pc:chgData name="Milan Cosson" userId="1b722937-9737-476f-bc2f-00e7be64c106" providerId="ADAL" clId="{1AF5CBAA-8B19-4E30-AE3F-FD654036B3A2}" dt="2022-05-24T10:10:25.409" v="5922" actId="13926"/>
+      <pc:sldChg chg="addSp modSp mod">
+        <pc:chgData name="Milan Cosson" userId="1b722937-9737-476f-bc2f-00e7be64c106" providerId="ADAL" clId="{1AF5CBAA-8B19-4E30-AE3F-FD654036B3A2}" dt="2022-06-13T14:36:21.036" v="10019" actId="1076"/>
+        <pc:sldMkLst>
+          <pc:docMk/>
+          <pc:sldMk cId="441078789" sldId="290"/>
+        </pc:sldMkLst>
+        <pc:spChg chg="add mod">
+          <ac:chgData name="Milan Cosson" userId="1b722937-9737-476f-bc2f-00e7be64c106" providerId="ADAL" clId="{1AF5CBAA-8B19-4E30-AE3F-FD654036B3A2}" dt="2022-06-13T14:36:21.036" v="10019" actId="1076"/>
+          <ac:spMkLst>
+            <pc:docMk/>
+            <pc:sldMk cId="441078789" sldId="290"/>
+            <ac:spMk id="4" creationId="{520466E7-91C4-9A40-89AB-1AD05A0F35F6}"/>
+          </ac:spMkLst>
+        </pc:spChg>
+      </pc:sldChg>
+      <pc:sldChg chg="addSp modSp mod">
+        <pc:chgData name="Milan Cosson" userId="1b722937-9737-476f-bc2f-00e7be64c106" providerId="ADAL" clId="{1AF5CBAA-8B19-4E30-AE3F-FD654036B3A2}" dt="2022-06-13T14:35:26.322" v="9994" actId="1076"/>
         <pc:sldMkLst>
           <pc:docMk/>
           <pc:sldMk cId="1502825947" sldId="291"/>
         </pc:sldMkLst>
         <pc:spChg chg="mod">
-          <ac:chgData name="Milan Cosson" userId="1b722937-9737-476f-bc2f-00e7be64c106" providerId="ADAL" clId="{1AF5CBAA-8B19-4E30-AE3F-FD654036B3A2}" dt="2022-05-24T10:10:25.409" v="5922" actId="13926"/>
+          <ac:chgData name="Milan Cosson" userId="1b722937-9737-476f-bc2f-00e7be64c106" providerId="ADAL" clId="{1AF5CBAA-8B19-4E30-AE3F-FD654036B3A2}" dt="2022-06-13T14:34:28.635" v="9991" actId="1076"/>
           <ac:spMkLst>
             <pc:docMk/>
             <pc:sldMk cId="1502825947" sldId="291"/>
@@ -256,7 +356,39 @@
           </ac:spMkLst>
         </pc:spChg>
         <pc:spChg chg="mod">
-          <ac:chgData name="Milan Cosson" userId="1b722937-9737-476f-bc2f-00e7be64c106" providerId="ADAL" clId="{1AF5CBAA-8B19-4E30-AE3F-FD654036B3A2}" dt="2022-05-24T10:08:37.833" v="5620" actId="13926"/>
+          <ac:chgData name="Milan Cosson" userId="1b722937-9737-476f-bc2f-00e7be64c106" providerId="ADAL" clId="{1AF5CBAA-8B19-4E30-AE3F-FD654036B3A2}" dt="2022-06-13T14:23:15.538" v="9922" actId="1076"/>
+          <ac:spMkLst>
+            <pc:docMk/>
+            <pc:sldMk cId="1502825947" sldId="291"/>
+            <ac:spMk id="10" creationId="{31CAF7AC-73A1-4EA4-8819-54E6AE4D0F39}"/>
+          </ac:spMkLst>
+        </pc:spChg>
+        <pc:spChg chg="mod">
+          <ac:chgData name="Milan Cosson" userId="1b722937-9737-476f-bc2f-00e7be64c106" providerId="ADAL" clId="{1AF5CBAA-8B19-4E30-AE3F-FD654036B3A2}" dt="2022-06-13T14:23:12.249" v="9921" actId="1035"/>
+          <ac:spMkLst>
+            <pc:docMk/>
+            <pc:sldMk cId="1502825947" sldId="291"/>
+            <ac:spMk id="12" creationId="{5DA83454-519B-4E6A-812F-048CD0F99996}"/>
+          </ac:spMkLst>
+        </pc:spChg>
+        <pc:spChg chg="add mod">
+          <ac:chgData name="Milan Cosson" userId="1b722937-9737-476f-bc2f-00e7be64c106" providerId="ADAL" clId="{1AF5CBAA-8B19-4E30-AE3F-FD654036B3A2}" dt="2022-06-13T14:35:26.322" v="9994" actId="1076"/>
+          <ac:spMkLst>
+            <pc:docMk/>
+            <pc:sldMk cId="1502825947" sldId="291"/>
+            <ac:spMk id="13" creationId="{7B447C33-5D6C-5BE1-7641-1A8296241FED}"/>
+          </ac:spMkLst>
+        </pc:spChg>
+        <pc:spChg chg="mod">
+          <ac:chgData name="Milan Cosson" userId="1b722937-9737-476f-bc2f-00e7be64c106" providerId="ADAL" clId="{1AF5CBAA-8B19-4E30-AE3F-FD654036B3A2}" dt="2022-06-13T14:23:12.249" v="9921" actId="1035"/>
+          <ac:spMkLst>
+            <pc:docMk/>
+            <pc:sldMk cId="1502825947" sldId="291"/>
+            <ac:spMk id="14" creationId="{D6BE63DD-C030-4686-859D-855377F73DE2}"/>
+          </ac:spMkLst>
+        </pc:spChg>
+        <pc:spChg chg="mod">
+          <ac:chgData name="Milan Cosson" userId="1b722937-9737-476f-bc2f-00e7be64c106" providerId="ADAL" clId="{1AF5CBAA-8B19-4E30-AE3F-FD654036B3A2}" dt="2022-06-13T14:18:45.366" v="8649" actId="20577"/>
           <ac:spMkLst>
             <pc:docMk/>
             <pc:sldMk cId="1502825947" sldId="291"/>
@@ -264,12 +396,20 @@
           </ac:spMkLst>
         </pc:spChg>
       </pc:sldChg>
-      <pc:sldChg chg="modSp mod">
-        <pc:chgData name="Milan Cosson" userId="1b722937-9737-476f-bc2f-00e7be64c106" providerId="ADAL" clId="{1AF5CBAA-8B19-4E30-AE3F-FD654036B3A2}" dt="2022-05-24T09:37:55.751" v="2063" actId="20577"/>
+      <pc:sldChg chg="addSp modSp mod">
+        <pc:chgData name="Milan Cosson" userId="1b722937-9737-476f-bc2f-00e7be64c106" providerId="ADAL" clId="{1AF5CBAA-8B19-4E30-AE3F-FD654036B3A2}" dt="2022-06-13T14:35:42.129" v="10002" actId="1076"/>
         <pc:sldMkLst>
           <pc:docMk/>
           <pc:sldMk cId="3215453978" sldId="292"/>
         </pc:sldMkLst>
+        <pc:spChg chg="add mod">
+          <ac:chgData name="Milan Cosson" userId="1b722937-9737-476f-bc2f-00e7be64c106" providerId="ADAL" clId="{1AF5CBAA-8B19-4E30-AE3F-FD654036B3A2}" dt="2022-06-13T14:35:42.129" v="10002" actId="1076"/>
+          <ac:spMkLst>
+            <pc:docMk/>
+            <pc:sldMk cId="3215453978" sldId="292"/>
+            <ac:spMk id="15" creationId="{33410FBD-4079-CE26-C6AA-880C6F049567}"/>
+          </ac:spMkLst>
+        </pc:spChg>
         <pc:spChg chg="mod">
           <ac:chgData name="Milan Cosson" userId="1b722937-9737-476f-bc2f-00e7be64c106" providerId="ADAL" clId="{1AF5CBAA-8B19-4E30-AE3F-FD654036B3A2}" dt="2022-05-24T09:37:55.751" v="2063" actId="20577"/>
           <ac:spMkLst>
@@ -279,8 +419,23 @@
           </ac:spMkLst>
         </pc:spChg>
       </pc:sldChg>
-      <pc:sldChg chg="delSp modSp mod">
-        <pc:chgData name="Milan Cosson" userId="1b722937-9737-476f-bc2f-00e7be64c106" providerId="ADAL" clId="{1AF5CBAA-8B19-4E30-AE3F-FD654036B3A2}" dt="2022-05-24T13:50:24.889" v="8408" actId="20577"/>
+      <pc:sldChg chg="addSp modSp mod">
+        <pc:chgData name="Milan Cosson" userId="1b722937-9737-476f-bc2f-00e7be64c106" providerId="ADAL" clId="{1AF5CBAA-8B19-4E30-AE3F-FD654036B3A2}" dt="2022-06-13T14:35:45.885" v="10004" actId="1076"/>
+        <pc:sldMkLst>
+          <pc:docMk/>
+          <pc:sldMk cId="3692740643" sldId="293"/>
+        </pc:sldMkLst>
+        <pc:spChg chg="add mod">
+          <ac:chgData name="Milan Cosson" userId="1b722937-9737-476f-bc2f-00e7be64c106" providerId="ADAL" clId="{1AF5CBAA-8B19-4E30-AE3F-FD654036B3A2}" dt="2022-06-13T14:35:45.885" v="10004" actId="1076"/>
+          <ac:spMkLst>
+            <pc:docMk/>
+            <pc:sldMk cId="3692740643" sldId="293"/>
+            <ac:spMk id="18" creationId="{3F9E4DAC-04CA-0D36-7449-B93C5C5782EC}"/>
+          </ac:spMkLst>
+        </pc:spChg>
+      </pc:sldChg>
+      <pc:sldChg chg="addSp delSp modSp mod">
+        <pc:chgData name="Milan Cosson" userId="1b722937-9737-476f-bc2f-00e7be64c106" providerId="ADAL" clId="{1AF5CBAA-8B19-4E30-AE3F-FD654036B3A2}" dt="2022-06-13T14:37:26.070" v="10020" actId="6549"/>
         <pc:sldMkLst>
           <pc:docMk/>
           <pc:sldMk cId="2416999927" sldId="294"/>
@@ -291,6 +446,14 @@
             <pc:docMk/>
             <pc:sldMk cId="2416999927" sldId="294"/>
             <ac:spMk id="7" creationId="{11CD4052-900D-4194-A69C-0AF1ADBF03E1}"/>
+          </ac:spMkLst>
+        </pc:spChg>
+        <pc:spChg chg="add mod">
+          <ac:chgData name="Milan Cosson" userId="1b722937-9737-476f-bc2f-00e7be64c106" providerId="ADAL" clId="{1AF5CBAA-8B19-4E30-AE3F-FD654036B3A2}" dt="2022-06-13T14:35:53.078" v="10007" actId="1076"/>
+          <ac:spMkLst>
+            <pc:docMk/>
+            <pc:sldMk cId="2416999927" sldId="294"/>
+            <ac:spMk id="7" creationId="{F0795451-C16B-D644-7B08-7FB47F4A915C}"/>
           </ac:spMkLst>
         </pc:spChg>
         <pc:spChg chg="del">
@@ -310,7 +473,7 @@
           </ac:spMkLst>
         </pc:spChg>
         <pc:spChg chg="mod">
-          <ac:chgData name="Milan Cosson" userId="1b722937-9737-476f-bc2f-00e7be64c106" providerId="ADAL" clId="{1AF5CBAA-8B19-4E30-AE3F-FD654036B3A2}" dt="2022-05-24T13:50:24.889" v="8408" actId="20577"/>
+          <ac:chgData name="Milan Cosson" userId="1b722937-9737-476f-bc2f-00e7be64c106" providerId="ADAL" clId="{1AF5CBAA-8B19-4E30-AE3F-FD654036B3A2}" dt="2022-06-13T14:37:26.070" v="10020" actId="6549"/>
           <ac:spMkLst>
             <pc:docMk/>
             <pc:sldMk cId="2416999927" sldId="294"/>
@@ -319,7 +482,7 @@
         </pc:spChg>
       </pc:sldChg>
       <pc:sldChg chg="addSp modSp mod">
-        <pc:chgData name="Milan Cosson" userId="1b722937-9737-476f-bc2f-00e7be64c106" providerId="ADAL" clId="{1AF5CBAA-8B19-4E30-AE3F-FD654036B3A2}" dt="2022-05-24T13:51:49.048" v="8411" actId="20577"/>
+        <pc:chgData name="Milan Cosson" userId="1b722937-9737-476f-bc2f-00e7be64c106" providerId="ADAL" clId="{1AF5CBAA-8B19-4E30-AE3F-FD654036B3A2}" dt="2022-06-13T14:36:02.560" v="10011" actId="1076"/>
         <pc:sldMkLst>
           <pc:docMk/>
           <pc:sldMk cId="1551785400" sldId="295"/>
@@ -340,23 +503,39 @@
             <ac:spMk id="11" creationId="{62E64A7A-B241-457F-85AF-644F9663089B}"/>
           </ac:spMkLst>
         </pc:spChg>
+        <pc:spChg chg="add mod">
+          <ac:chgData name="Milan Cosson" userId="1b722937-9737-476f-bc2f-00e7be64c106" providerId="ADAL" clId="{1AF5CBAA-8B19-4E30-AE3F-FD654036B3A2}" dt="2022-06-13T14:36:02.560" v="10011" actId="1076"/>
+          <ac:spMkLst>
+            <pc:docMk/>
+            <pc:sldMk cId="1551785400" sldId="295"/>
+            <ac:spMk id="19" creationId="{19EE1CDE-3347-6DCC-BCF5-5A246EA88D66}"/>
+          </ac:spMkLst>
+        </pc:spChg>
       </pc:sldChg>
-      <pc:sldChg chg="modSp mod">
-        <pc:chgData name="Milan Cosson" userId="1b722937-9737-476f-bc2f-00e7be64c106" providerId="ADAL" clId="{1AF5CBAA-8B19-4E30-AE3F-FD654036B3A2}" dt="2022-05-24T14:12:13.392" v="8420" actId="255"/>
+      <pc:sldChg chg="addSp modSp mod">
+        <pc:chgData name="Milan Cosson" userId="1b722937-9737-476f-bc2f-00e7be64c106" providerId="ADAL" clId="{1AF5CBAA-8B19-4E30-AE3F-FD654036B3A2}" dt="2022-06-13T14:48:59.541" v="10228" actId="1076"/>
         <pc:sldMkLst>
           <pc:docMk/>
           <pc:sldMk cId="3358940979" sldId="296"/>
         </pc:sldMkLst>
         <pc:spChg chg="mod">
-          <ac:chgData name="Milan Cosson" userId="1b722937-9737-476f-bc2f-00e7be64c106" providerId="ADAL" clId="{1AF5CBAA-8B19-4E30-AE3F-FD654036B3A2}" dt="2022-05-24T11:56:11.792" v="8404" actId="403"/>
+          <ac:chgData name="Milan Cosson" userId="1b722937-9737-476f-bc2f-00e7be64c106" providerId="ADAL" clId="{1AF5CBAA-8B19-4E30-AE3F-FD654036B3A2}" dt="2022-06-13T14:48:57.503" v="10227" actId="1076"/>
           <ac:spMkLst>
             <pc:docMk/>
             <pc:sldMk cId="3358940979" sldId="296"/>
             <ac:spMk id="5" creationId="{45E1DCC2-11CD-41F7-969A-E4566F5B1573}"/>
           </ac:spMkLst>
         </pc:spChg>
+        <pc:spChg chg="add mod">
+          <ac:chgData name="Milan Cosson" userId="1b722937-9737-476f-bc2f-00e7be64c106" providerId="ADAL" clId="{1AF5CBAA-8B19-4E30-AE3F-FD654036B3A2}" dt="2022-06-13T14:48:59.541" v="10228" actId="1076"/>
+          <ac:spMkLst>
+            <pc:docMk/>
+            <pc:sldMk cId="3358940979" sldId="296"/>
+            <ac:spMk id="8" creationId="{1A940C7D-0EEA-A326-72C1-98B4C2BA3302}"/>
+          </ac:spMkLst>
+        </pc:spChg>
         <pc:graphicFrameChg chg="mod modGraphic">
-          <ac:chgData name="Milan Cosson" userId="1b722937-9737-476f-bc2f-00e7be64c106" providerId="ADAL" clId="{1AF5CBAA-8B19-4E30-AE3F-FD654036B3A2}" dt="2022-05-24T14:12:13.392" v="8420" actId="255"/>
+          <ac:chgData name="Milan Cosson" userId="1b722937-9737-476f-bc2f-00e7be64c106" providerId="ADAL" clId="{1AF5CBAA-8B19-4E30-AE3F-FD654036B3A2}" dt="2022-06-13T14:48:46.252" v="10226" actId="20577"/>
           <ac:graphicFrameMkLst>
             <pc:docMk/>
             <pc:sldMk cId="3358940979" sldId="296"/>
@@ -364,12 +543,36 @@
           </ac:graphicFrameMkLst>
         </pc:graphicFrameChg>
       </pc:sldChg>
+      <pc:sldMasterChg chg="modSldLayout">
+        <pc:chgData name="Milan Cosson" userId="1b722937-9737-476f-bc2f-00e7be64c106" providerId="ADAL" clId="{1AF5CBAA-8B19-4E30-AE3F-FD654036B3A2}" dt="2022-06-13T14:35:21.722" v="9992" actId="478"/>
+        <pc:sldMasterMkLst>
+          <pc:docMk/>
+          <pc:sldMasterMk cId="3591108463" sldId="2147483660"/>
+        </pc:sldMasterMkLst>
+        <pc:sldLayoutChg chg="delSp modSp mod">
+          <pc:chgData name="Milan Cosson" userId="1b722937-9737-476f-bc2f-00e7be64c106" providerId="ADAL" clId="{1AF5CBAA-8B19-4E30-AE3F-FD654036B3A2}" dt="2022-06-13T14:35:21.722" v="9992" actId="478"/>
+          <pc:sldLayoutMkLst>
+            <pc:docMk/>
+            <pc:sldMasterMk cId="3591108463" sldId="2147483660"/>
+            <pc:sldLayoutMk cId="1071623652" sldId="2147483677"/>
+          </pc:sldLayoutMkLst>
+          <pc:spChg chg="del mod">
+            <ac:chgData name="Milan Cosson" userId="1b722937-9737-476f-bc2f-00e7be64c106" providerId="ADAL" clId="{1AF5CBAA-8B19-4E30-AE3F-FD654036B3A2}" dt="2022-06-13T14:35:21.722" v="9992" actId="478"/>
+            <ac:spMkLst>
+              <pc:docMk/>
+              <pc:sldMasterMk cId="3591108463" sldId="2147483660"/>
+              <pc:sldLayoutMk cId="1071623652" sldId="2147483677"/>
+              <ac:spMk id="22" creationId="{0C591005-A978-4017-82AC-F4C5CD330576}"/>
+            </ac:spMkLst>
+          </pc:spChg>
+        </pc:sldLayoutChg>
+      </pc:sldMasterChg>
     </pc:docChg>
   </pc:docChgLst>
   <pc:docChgLst>
     <pc:chgData name="Wally PILLER" userId="e1c1cba4-6299-482b-91e7-ffd34a654594" providerId="ADAL" clId="{A5289BD9-B288-479C-9C53-1CB8B081C19E}"/>
     <pc:docChg chg="undo redo custSel modSld modMainMaster modNotesMaster">
-      <pc:chgData name="Wally PILLER" userId="e1c1cba4-6299-482b-91e7-ffd34a654594" providerId="ADAL" clId="{A5289BD9-B288-479C-9C53-1CB8B081C19E}" dt="2022-06-02T13:02:37.273" v="1251" actId="255"/>
+      <pc:chgData name="Wally PILLER" userId="e1c1cba4-6299-482b-91e7-ffd34a654594" providerId="ADAL" clId="{A5289BD9-B288-479C-9C53-1CB8B081C19E}" dt="2022-06-14T12:13:11.757" v="1303" actId="20577"/>
       <pc:docMkLst>
         <pc:docMk/>
       </pc:docMkLst>
@@ -405,13 +608,13 @@
         </pc:spChg>
       </pc:sldChg>
       <pc:sldChg chg="modSp mod">
-        <pc:chgData name="Wally PILLER" userId="e1c1cba4-6299-482b-91e7-ffd34a654594" providerId="ADAL" clId="{A5289BD9-B288-479C-9C53-1CB8B081C19E}" dt="2022-06-02T12:40:11.639" v="1124" actId="20577"/>
+        <pc:chgData name="Wally PILLER" userId="e1c1cba4-6299-482b-91e7-ffd34a654594" providerId="ADAL" clId="{A5289BD9-B288-479C-9C53-1CB8B081C19E}" dt="2022-06-14T11:57:24.813" v="1256" actId="20577"/>
         <pc:sldMkLst>
           <pc:docMk/>
           <pc:sldMk cId="4283008219" sldId="284"/>
         </pc:sldMkLst>
         <pc:spChg chg="mod">
-          <ac:chgData name="Wally PILLER" userId="e1c1cba4-6299-482b-91e7-ffd34a654594" providerId="ADAL" clId="{A5289BD9-B288-479C-9C53-1CB8B081C19E}" dt="2022-06-02T12:40:11.639" v="1124" actId="20577"/>
+          <ac:chgData name="Wally PILLER" userId="e1c1cba4-6299-482b-91e7-ffd34a654594" providerId="ADAL" clId="{A5289BD9-B288-479C-9C53-1CB8B081C19E}" dt="2022-06-14T11:57:24.813" v="1256" actId="20577"/>
           <ac:spMkLst>
             <pc:docMk/>
             <pc:sldMk cId="4283008219" sldId="284"/>
@@ -459,7 +662,7 @@
         </pc:spChg>
       </pc:sldChg>
       <pc:sldChg chg="delSp modSp mod">
-        <pc:chgData name="Wally PILLER" userId="e1c1cba4-6299-482b-91e7-ffd34a654594" providerId="ADAL" clId="{A5289BD9-B288-479C-9C53-1CB8B081C19E}" dt="2022-06-02T12:23:29.937" v="1107" actId="478"/>
+        <pc:chgData name="Wally PILLER" userId="e1c1cba4-6299-482b-91e7-ffd34a654594" providerId="ADAL" clId="{A5289BD9-B288-479C-9C53-1CB8B081C19E}" dt="2022-06-14T12:12:49.709" v="1295" actId="20577"/>
         <pc:sldMkLst>
           <pc:docMk/>
           <pc:sldMk cId="2335663946" sldId="286"/>
@@ -481,7 +684,7 @@
           </ac:spMkLst>
         </pc:spChg>
         <pc:spChg chg="mod">
-          <ac:chgData name="Wally PILLER" userId="e1c1cba4-6299-482b-91e7-ffd34a654594" providerId="ADAL" clId="{A5289BD9-B288-479C-9C53-1CB8B081C19E}" dt="2022-05-24T16:10:29.857" v="609"/>
+          <ac:chgData name="Wally PILLER" userId="e1c1cba4-6299-482b-91e7-ffd34a654594" providerId="ADAL" clId="{A5289BD9-B288-479C-9C53-1CB8B081C19E}" dt="2022-06-14T12:12:49.709" v="1295" actId="20577"/>
           <ac:spMkLst>
             <pc:docMk/>
             <pc:sldMk cId="2335663946" sldId="286"/>
@@ -575,7 +778,7 @@
         </pc:graphicFrameChg>
       </pc:sldChg>
       <pc:sldChg chg="modSp mod">
-        <pc:chgData name="Wally PILLER" userId="e1c1cba4-6299-482b-91e7-ffd34a654594" providerId="ADAL" clId="{A5289BD9-B288-479C-9C53-1CB8B081C19E}" dt="2022-06-02T12:39:54.902" v="1121" actId="1076"/>
+        <pc:chgData name="Wally PILLER" userId="e1c1cba4-6299-482b-91e7-ffd34a654594" providerId="ADAL" clId="{A5289BD9-B288-479C-9C53-1CB8B081C19E}" dt="2022-06-14T12:00:07.425" v="1267" actId="1036"/>
         <pc:sldMkLst>
           <pc:docMk/>
           <pc:sldMk cId="1502825947" sldId="291"/>
@@ -589,7 +792,23 @@
           </ac:spMkLst>
         </pc:spChg>
         <pc:spChg chg="mod">
-          <ac:chgData name="Wally PILLER" userId="e1c1cba4-6299-482b-91e7-ffd34a654594" providerId="ADAL" clId="{A5289BD9-B288-479C-9C53-1CB8B081C19E}" dt="2022-06-02T12:39:24.750" v="1117" actId="20577"/>
+          <ac:chgData name="Wally PILLER" userId="e1c1cba4-6299-482b-91e7-ffd34a654594" providerId="ADAL" clId="{A5289BD9-B288-479C-9C53-1CB8B081C19E}" dt="2022-06-14T12:00:06.385" v="1264" actId="1036"/>
+          <ac:spMkLst>
+            <pc:docMk/>
+            <pc:sldMk cId="1502825947" sldId="291"/>
+            <ac:spMk id="9" creationId="{BABA6F2C-8A6E-407C-B54F-E6563E0166F3}"/>
+          </ac:spMkLst>
+        </pc:spChg>
+        <pc:spChg chg="mod">
+          <ac:chgData name="Wally PILLER" userId="e1c1cba4-6299-482b-91e7-ffd34a654594" providerId="ADAL" clId="{A5289BD9-B288-479C-9C53-1CB8B081C19E}" dt="2022-06-14T12:00:07.425" v="1267" actId="1036"/>
+          <ac:spMkLst>
+            <pc:docMk/>
+            <pc:sldMk cId="1502825947" sldId="291"/>
+            <ac:spMk id="11" creationId="{53E1E26E-6DAD-4328-A3B2-AD4C9876CED8}"/>
+          </ac:spMkLst>
+        </pc:spChg>
+        <pc:spChg chg="mod">
+          <ac:chgData name="Wally PILLER" userId="e1c1cba4-6299-482b-91e7-ffd34a654594" providerId="ADAL" clId="{A5289BD9-B288-479C-9C53-1CB8B081C19E}" dt="2022-06-14T12:00:04.385" v="1260" actId="1036"/>
           <ac:spMkLst>
             <pc:docMk/>
             <pc:sldMk cId="1502825947" sldId="291"/>
@@ -672,6 +891,29 @@
             <pc:docMk/>
             <pc:sldMk cId="3692740643" sldId="293"/>
             <ac:spMk id="28" creationId="{9C5364A0-87B1-4E7B-8AC3-C65529C5A56E}"/>
+          </ac:spMkLst>
+        </pc:spChg>
+      </pc:sldChg>
+      <pc:sldChg chg="addSp delSp modSp mod">
+        <pc:chgData name="Wally PILLER" userId="e1c1cba4-6299-482b-91e7-ffd34a654594" providerId="ADAL" clId="{A5289BD9-B288-479C-9C53-1CB8B081C19E}" dt="2022-06-14T12:13:11.757" v="1303" actId="20577"/>
+        <pc:sldMkLst>
+          <pc:docMk/>
+          <pc:sldMk cId="2416999927" sldId="294"/>
+        </pc:sldMkLst>
+        <pc:spChg chg="add del">
+          <ac:chgData name="Wally PILLER" userId="e1c1cba4-6299-482b-91e7-ffd34a654594" providerId="ADAL" clId="{A5289BD9-B288-479C-9C53-1CB8B081C19E}" dt="2022-06-14T12:12:19.410" v="1285" actId="478"/>
+          <ac:spMkLst>
+            <pc:docMk/>
+            <pc:sldMk cId="2416999927" sldId="294"/>
+            <ac:spMk id="9" creationId="{334EA9F6-968D-2523-02F6-177B1F597FA8}"/>
+          </ac:spMkLst>
+        </pc:spChg>
+        <pc:spChg chg="mod">
+          <ac:chgData name="Wally PILLER" userId="e1c1cba4-6299-482b-91e7-ffd34a654594" providerId="ADAL" clId="{A5289BD9-B288-479C-9C53-1CB8B081C19E}" dt="2022-06-14T12:13:11.757" v="1303" actId="20577"/>
+          <ac:spMkLst>
+            <pc:docMk/>
+            <pc:sldMk cId="2416999927" sldId="294"/>
+            <ac:spMk id="11" creationId="{FED2574D-6984-4E56-B512-D9093DAE028A}"/>
           </ac:spMkLst>
         </pc:spChg>
       </pc:sldChg>
@@ -873,7 +1115,7 @@
           <a:p>
             <a:fld id="{515CCE07-1711-4DC7-A7D8-7ED312C82FB8}" type="datetimeFigureOut">
               <a:rPr lang="fr-FR" smtClean="0"/>
-              <a:t>13/06/2022</a:t>
+              <a:t>14/06/2022</a:t>
             </a:fld>
             <a:endParaRPr lang="fr-FR"/>
           </a:p>
@@ -1364,55 +1606,6 @@
               <a:t>‹N°›</a:t>
             </a:fld>
             <a:endParaRPr lang="fr-FR" dirty="0"/>
-          </a:p>
-        </p:txBody>
-      </p:sp>
-      <p:sp>
-        <p:nvSpPr>
-          <p:cNvPr id="22" name="Rectangle">
-            <a:extLst>
-              <a:ext uri="{FF2B5EF4-FFF2-40B4-BE49-F238E27FC236}">
-                <a16:creationId xmlns:a16="http://schemas.microsoft.com/office/drawing/2014/main" id="{0C591005-A978-4017-82AC-F4C5CD330576}"/>
-              </a:ext>
-            </a:extLst>
-          </p:cNvPr>
-          <p:cNvSpPr/>
-          <p:nvPr userDrawn="1"/>
-        </p:nvSpPr>
-        <p:spPr>
-          <a:xfrm>
-            <a:off x="359837" y="9707143"/>
-            <a:ext cx="6840000" cy="6846"/>
-          </a:xfrm>
-          <a:prstGeom prst="rect">
-            <a:avLst/>
-          </a:prstGeom>
-          <a:solidFill>
-            <a:srgbClr val="C5AF5C"/>
-          </a:solidFill>
-          <a:ln w="3175">
-            <a:miter lim="400000"/>
-          </a:ln>
-        </p:spPr>
-        <p:txBody>
-          <a:bodyPr lIns="20981" tIns="20981" rIns="20981" bIns="20981" anchor="ctr"/>
-          <a:lstStyle/>
-          <a:p>
-            <a:pPr algn="ctr" defTabSz="825500">
-              <a:lnSpc>
-                <a:spcPct val="100000"/>
-              </a:lnSpc>
-              <a:defRPr sz="3200" b="0">
-                <a:solidFill>
-                  <a:srgbClr val="FFFFFF"/>
-                </a:solidFill>
-                <a:latin typeface="Helvetica Neue Medium"/>
-                <a:ea typeface="Helvetica Neue Medium"/>
-                <a:cs typeface="Helvetica Neue Medium"/>
-                <a:sym typeface="Helvetica Neue Medium"/>
-              </a:defRPr>
-            </a:pPr>
-            <a:endParaRPr/>
           </a:p>
         </p:txBody>
       </p:sp>
@@ -2466,7 +2659,15 @@
             </a:r>
             <a:r>
               <a:rPr lang="fr-FR" sz="800" b="1" dirty="0"/>
-              <a:t>&lt;DIC&gt;</a:t>
+              <a:t>&lt;</a:t>
+            </a:r>
+            <a:r>
+              <a:rPr lang="fr-FR" sz="800" b="1" cap="none" dirty="0" err="1"/>
+              <a:t>dic</a:t>
+            </a:r>
+            <a:r>
+              <a:rPr lang="fr-FR" sz="800" b="1" dirty="0"/>
+              <a:t>&gt;</a:t>
             </a:r>
             <a:r>
               <a:rPr lang="fr-FR" sz="800" b="1" dirty="0">
@@ -3081,6 +3282,55 @@
               </a:solidFill>
               <a:latin typeface="Proxima Nova Rg" panose="02000506030000020004" pitchFamily="2" charset="0"/>
             </a:endParaRPr>
+          </a:p>
+        </p:txBody>
+      </p:sp>
+      <p:sp>
+        <p:nvSpPr>
+          <p:cNvPr id="10" name="Rectangle">
+            <a:extLst>
+              <a:ext uri="{FF2B5EF4-FFF2-40B4-BE49-F238E27FC236}">
+                <a16:creationId xmlns:a16="http://schemas.microsoft.com/office/drawing/2014/main" id="{6AB66FB1-4D6F-30FB-00E3-544C3BFCAA95}"/>
+              </a:ext>
+            </a:extLst>
+          </p:cNvPr>
+          <p:cNvSpPr/>
+          <p:nvPr/>
+        </p:nvSpPr>
+        <p:spPr>
+          <a:xfrm>
+            <a:off x="359837" y="9684283"/>
+            <a:ext cx="6840000" cy="6846"/>
+          </a:xfrm>
+          <a:prstGeom prst="rect">
+            <a:avLst/>
+          </a:prstGeom>
+          <a:solidFill>
+            <a:srgbClr val="C5AF5C"/>
+          </a:solidFill>
+          <a:ln w="3175">
+            <a:miter lim="400000"/>
+          </a:ln>
+        </p:spPr>
+        <p:txBody>
+          <a:bodyPr lIns="20981" tIns="20981" rIns="20981" bIns="20981" anchor="ctr"/>
+          <a:lstStyle/>
+          <a:p>
+            <a:pPr algn="ctr" defTabSz="825500">
+              <a:lnSpc>
+                <a:spcPct val="100000"/>
+              </a:lnSpc>
+              <a:defRPr sz="3200" b="0">
+                <a:solidFill>
+                  <a:srgbClr val="FFFFFF"/>
+                </a:solidFill>
+                <a:latin typeface="Helvetica Neue Medium"/>
+                <a:ea typeface="Helvetica Neue Medium"/>
+                <a:cs typeface="Helvetica Neue Medium"/>
+                <a:sym typeface="Helvetica Neue Medium"/>
+              </a:defRPr>
+            </a:pPr>
+            <a:endParaRPr/>
           </a:p>
         </p:txBody>
       </p:sp>
@@ -4220,11 +4470,26 @@
                   <a:srgbClr val="00FFFF"/>
                 </a:highlight>
               </a:rPr>
-              <a:t>&lt;TRA.D.P&gt;</a:t>
+              <a:t>&lt;</a:t>
+            </a:r>
+            <a:r>
+              <a:rPr lang="fr-FR" sz="800">
+                <a:solidFill>
+                  <a:srgbClr val="000000"/>
+                </a:solidFill>
+                <a:highlight>
+                  <a:srgbClr val="00FFFF"/>
+                </a:highlight>
+              </a:rPr>
+              <a:t>TRA.MP&gt;</a:t>
+            </a:r>
+            <a:r>
+              <a:rPr lang="fr-FR" sz="800" baseline="30000"/>
+              <a:t>(</a:t>
             </a:r>
             <a:r>
               <a:rPr lang="fr-FR" sz="800" baseline="30000" dirty="0"/>
-              <a:t>(2)</a:t>
+              <a:t>2)</a:t>
             </a:r>
             <a:r>
               <a:rPr lang="fr-FR" sz="800" dirty="0"/>
@@ -4901,6 +5166,55 @@
               <a:t>&lt;DDR_MAJ&gt;</a:t>
             </a:r>
             <a:endParaRPr lang="fr-FR" sz="800"/>
+          </a:p>
+        </p:txBody>
+      </p:sp>
+      <p:sp>
+        <p:nvSpPr>
+          <p:cNvPr id="19" name="Rectangle">
+            <a:extLst>
+              <a:ext uri="{FF2B5EF4-FFF2-40B4-BE49-F238E27FC236}">
+                <a16:creationId xmlns:a16="http://schemas.microsoft.com/office/drawing/2014/main" id="{19EE1CDE-3347-6DCC-BCF5-5A246EA88D66}"/>
+              </a:ext>
+            </a:extLst>
+          </p:cNvPr>
+          <p:cNvSpPr/>
+          <p:nvPr/>
+        </p:nvSpPr>
+        <p:spPr>
+          <a:xfrm>
+            <a:off x="357721" y="9743194"/>
+            <a:ext cx="6840000" cy="6846"/>
+          </a:xfrm>
+          <a:prstGeom prst="rect">
+            <a:avLst/>
+          </a:prstGeom>
+          <a:solidFill>
+            <a:srgbClr val="C5AF5C"/>
+          </a:solidFill>
+          <a:ln w="3175">
+            <a:miter lim="400000"/>
+          </a:ln>
+        </p:spPr>
+        <p:txBody>
+          <a:bodyPr lIns="20981" tIns="20981" rIns="20981" bIns="20981" anchor="ctr"/>
+          <a:lstStyle/>
+          <a:p>
+            <a:pPr algn="ctr" defTabSz="825500">
+              <a:lnSpc>
+                <a:spcPct val="100000"/>
+              </a:lnSpc>
+              <a:defRPr sz="3200" b="0">
+                <a:solidFill>
+                  <a:srgbClr val="FFFFFF"/>
+                </a:solidFill>
+                <a:latin typeface="Helvetica Neue Medium"/>
+                <a:ea typeface="Helvetica Neue Medium"/>
+                <a:cs typeface="Helvetica Neue Medium"/>
+                <a:sym typeface="Helvetica Neue Medium"/>
+              </a:defRPr>
+            </a:pPr>
+            <a:endParaRPr/>
           </a:p>
         </p:txBody>
       </p:sp>
@@ -5482,7 +5796,7 @@
           <p:nvPr>
             <p:extLst>
               <p:ext uri="{D42A27DB-BD31-4B8C-83A1-F6EECF244321}">
-                <p14:modId xmlns:p14="http://schemas.microsoft.com/office/powerpoint/2010/main" val="566184000"/>
+                <p14:modId xmlns:p14="http://schemas.microsoft.com/office/powerpoint/2010/main" val="1794499229"/>
               </p:ext>
             </p:extLst>
           </p:nvPr>
@@ -5554,25 +5868,8 @@
                           <a:effectLst/>
                           <a:latin typeface="Proxima Nova Rg" panose="02000506030000020004" pitchFamily="2" charset="0"/>
                         </a:rPr>
-                        <a:t>Performances au </a:t>
+                        <a:t>Performances au &lt;DDR1&gt;</a:t>
                       </a:r>
-                      <a:r>
-                        <a:rPr lang="fr-FR" sz="800" b="1" i="0" u="none" strike="noStrike">
-                          <a:solidFill>
-                            <a:srgbClr val="04202E"/>
-                          </a:solidFill>
-                          <a:effectLst/>
-                          <a:latin typeface="Proxima Nova Rg" panose="02000506030000020004" pitchFamily="2" charset="0"/>
-                        </a:rPr>
-                        <a:t>&lt;DDR1&gt;</a:t>
-                      </a:r>
-                      <a:endParaRPr lang="fr-FR" sz="800" b="1" i="0" u="none" strike="noStrike" dirty="0">
-                        <a:solidFill>
-                          <a:srgbClr val="04202E"/>
-                        </a:solidFill>
-                        <a:effectLst/>
-                        <a:latin typeface="Proxima Nova Rg" panose="02000506030000020004" pitchFamily="2" charset="0"/>
-                      </a:endParaRPr>
                     </a:p>
                   </a:txBody>
                   <a:tcPr marL="9525" marR="9525" marT="9525" marB="0" anchor="ctr">
@@ -6757,7 +7054,7 @@
                   <a:srgbClr val="FF00FF"/>
                 </a:highlight>
               </a:rPr>
-              <a:t>&lt;DDR1_MAJ_MIN&gt;</a:t>
+              <a:t>&lt;DDR1_MAJ_min&gt;</a:t>
             </a:r>
             <a:endParaRPr lang="fr-FR" sz="800" dirty="0">
               <a:highlight>
@@ -6796,7 +7093,7 @@
           <a:lstStyle/>
           <a:p>
             <a:r>
-              <a:rPr lang="fr-FR" sz="800" u="sng" dirty="0">
+              <a:rPr lang="fr-FR" sz="800" u="sng">
                 <a:highlight>
                   <a:srgbClr val="FF00FF"/>
                 </a:highlight>
@@ -6804,7 +7101,7 @@
               <a:t>Source :</a:t>
             </a:r>
             <a:r>
-              <a:rPr lang="fr-FR" sz="800" dirty="0">
+              <a:rPr lang="fr-FR" sz="800">
                 <a:highlight>
                   <a:srgbClr val="FF00FF"/>
                 </a:highlight>
@@ -6812,7 +7109,7 @@
               <a:t> Bloomberg, le </a:t>
             </a:r>
             <a:r>
-              <a:rPr lang="fr-FR" sz="800" dirty="0">
+              <a:rPr lang="fr-FR" sz="800">
                 <a:solidFill>
                   <a:schemeClr val="tx2"/>
                 </a:solidFill>
@@ -6822,7 +7119,7 @@
               </a:rPr>
               <a:t>&lt;DDR1_MAJ&gt;</a:t>
             </a:r>
-            <a:endParaRPr lang="fr-FR" sz="800" dirty="0">
+            <a:endParaRPr lang="fr-FR" sz="800">
               <a:highlight>
                 <a:srgbClr val="FF00FF"/>
               </a:highlight>
@@ -6868,6 +7165,55 @@
               </a:rPr>
               <a:t>LES DONNÉES RELATIVES AUX PERFORMANCES PASSÉES ONT TRAIT OU SE RÉFÈRENT À DES PÉRIODES PASSÉES ET NE SONT PAS UN INDICATEUR FIABLE DES RÉSULTATS FUTURS. CECI EST VALABLE ÉGALEMENT POUR CE QUI EST DES DONNÉES HISTORIQUES DE MARCHÉ. </a:t>
             </a:r>
+          </a:p>
+        </p:txBody>
+      </p:sp>
+      <p:sp>
+        <p:nvSpPr>
+          <p:cNvPr id="21" name="Rectangle">
+            <a:extLst>
+              <a:ext uri="{FF2B5EF4-FFF2-40B4-BE49-F238E27FC236}">
+                <a16:creationId xmlns:a16="http://schemas.microsoft.com/office/drawing/2014/main" id="{73FE95BF-5478-6A01-9726-C38CE9FEAAF1}"/>
+              </a:ext>
+            </a:extLst>
+          </p:cNvPr>
+          <p:cNvSpPr/>
+          <p:nvPr/>
+        </p:nvSpPr>
+        <p:spPr>
+          <a:xfrm>
+            <a:off x="359839" y="9728525"/>
+            <a:ext cx="6840000" cy="6846"/>
+          </a:xfrm>
+          <a:prstGeom prst="rect">
+            <a:avLst/>
+          </a:prstGeom>
+          <a:solidFill>
+            <a:srgbClr val="C5AF5C"/>
+          </a:solidFill>
+          <a:ln w="3175">
+            <a:miter lim="400000"/>
+          </a:ln>
+        </p:spPr>
+        <p:txBody>
+          <a:bodyPr lIns="20981" tIns="20981" rIns="20981" bIns="20981" anchor="ctr"/>
+          <a:lstStyle/>
+          <a:p>
+            <a:pPr algn="ctr" defTabSz="825500">
+              <a:lnSpc>
+                <a:spcPct val="100000"/>
+              </a:lnSpc>
+              <a:defRPr sz="3200" b="0">
+                <a:solidFill>
+                  <a:srgbClr val="FFFFFF"/>
+                </a:solidFill>
+                <a:latin typeface="Helvetica Neue Medium"/>
+                <a:ea typeface="Helvetica Neue Medium"/>
+                <a:cs typeface="Helvetica Neue Medium"/>
+                <a:sym typeface="Helvetica Neue Medium"/>
+              </a:defRPr>
+            </a:pPr>
+            <a:endParaRPr/>
           </a:p>
         </p:txBody>
       </p:sp>
@@ -13466,6 +13812,55 @@
           </a:p>
         </p:txBody>
       </p:sp>
+      <p:sp>
+        <p:nvSpPr>
+          <p:cNvPr id="8" name="Rectangle">
+            <a:extLst>
+              <a:ext uri="{FF2B5EF4-FFF2-40B4-BE49-F238E27FC236}">
+                <a16:creationId xmlns:a16="http://schemas.microsoft.com/office/drawing/2014/main" id="{6900565A-F48B-5B06-F008-39BAB3A261F0}"/>
+              </a:ext>
+            </a:extLst>
+          </p:cNvPr>
+          <p:cNvSpPr/>
+          <p:nvPr/>
+        </p:nvSpPr>
+        <p:spPr>
+          <a:xfrm>
+            <a:off x="357725" y="9705670"/>
+            <a:ext cx="6840000" cy="6846"/>
+          </a:xfrm>
+          <a:prstGeom prst="rect">
+            <a:avLst/>
+          </a:prstGeom>
+          <a:solidFill>
+            <a:srgbClr val="C5AF5C"/>
+          </a:solidFill>
+          <a:ln w="3175">
+            <a:miter lim="400000"/>
+          </a:ln>
+        </p:spPr>
+        <p:txBody>
+          <a:bodyPr lIns="20981" tIns="20981" rIns="20981" bIns="20981" anchor="ctr"/>
+          <a:lstStyle/>
+          <a:p>
+            <a:pPr algn="ctr" defTabSz="825500">
+              <a:lnSpc>
+                <a:spcPct val="100000"/>
+              </a:lnSpc>
+              <a:defRPr sz="3200" b="0">
+                <a:solidFill>
+                  <a:srgbClr val="FFFFFF"/>
+                </a:solidFill>
+                <a:latin typeface="Helvetica Neue Medium"/>
+                <a:ea typeface="Helvetica Neue Medium"/>
+                <a:cs typeface="Helvetica Neue Medium"/>
+                <a:sym typeface="Helvetica Neue Medium"/>
+              </a:defRPr>
+            </a:pPr>
+            <a:endParaRPr/>
+          </a:p>
+        </p:txBody>
+      </p:sp>
     </p:spTree>
     <p:extLst>
       <p:ext uri="{BB962C8B-B14F-4D97-AF65-F5344CB8AC3E}">
@@ -13542,7 +13937,7 @@
         </p:nvSpPr>
         <p:spPr bwMode="auto">
           <a:xfrm>
-            <a:off x="361950" y="9765983"/>
+            <a:off x="359837" y="10144332"/>
             <a:ext cx="6483350" cy="430887"/>
           </a:xfrm>
           <a:prstGeom prst="rect">
@@ -13882,7 +14277,7 @@
           <p:nvPr>
             <p:extLst>
               <p:ext uri="{D42A27DB-BD31-4B8C-83A1-F6EECF244321}">
-                <p14:modId xmlns:p14="http://schemas.microsoft.com/office/powerpoint/2010/main" val="3268415409"/>
+                <p14:modId xmlns:p14="http://schemas.microsoft.com/office/powerpoint/2010/main" val="2181228713"/>
               </p:ext>
             </p:extLst>
           </p:nvPr>
@@ -19446,7 +19841,7 @@
                         <a:defRPr/>
                       </a:pPr>
                       <a:r>
-                        <a:rPr lang="fr-FR" sz="700" b="1" kern="1200">
+                        <a:rPr lang="fr-FR" sz="700" b="1" kern="1200" dirty="0">
                           <a:solidFill>
                             <a:srgbClr val="B9A049"/>
                           </a:solidFill>
@@ -19454,7 +19849,7 @@
                           <a:ea typeface="+mn-ea"/>
                           <a:cs typeface="+mn-cs"/>
                         </a:rPr>
-                        <a:t>PUBLICATION DE LA VALORISATION</a:t>
+                        <a:t>PERIODICITE ET LA PUBLICATION DE LA VALORISATION</a:t>
                       </a:r>
                     </a:p>
                   </a:txBody>
@@ -19543,7 +19938,7 @@
                           <a:ea typeface="+mn-ea"/>
                           <a:cs typeface="+mn-cs"/>
                         </a:rPr>
-                        <a:t>Valorisation quotidienne publiée sur les pages Bloomberg, </a:t>
+                        <a:t>Publication quotidienne sur </a:t>
                       </a:r>
                       <a:r>
                         <a:rPr lang="fr-FR" sz="700" b="0" i="0" kern="1200" dirty="0" err="1">
@@ -19554,7 +19949,7 @@
                           <a:ea typeface="+mn-ea"/>
                           <a:cs typeface="+mn-cs"/>
                         </a:rPr>
-                        <a:t>Telekurs</a:t>
+                        <a:t>Sixtelekurs</a:t>
                       </a:r>
                       <a:r>
                         <a:rPr lang="fr-FR" sz="700" b="0" i="0" kern="1200" dirty="0">
@@ -19565,7 +19960,7 @@
                           <a:ea typeface="+mn-ea"/>
                           <a:cs typeface="+mn-cs"/>
                         </a:rPr>
-                        <a:t> et Reuters. Elle est par ailleurs tenue à disposition du public en permanence sur demande.</a:t>
+                        <a:t> et Bloomberg</a:t>
                       </a:r>
                     </a:p>
                   </a:txBody>
@@ -19653,7 +20048,7 @@
                         <a:defRPr/>
                       </a:pPr>
                       <a:r>
-                        <a:rPr lang="fr-FR" sz="700" b="1" kern="1200">
+                        <a:rPr lang="fr-FR" sz="700" b="1" kern="1200" dirty="0">
                           <a:solidFill>
                             <a:srgbClr val="B9A049"/>
                           </a:solidFill>
@@ -20498,6 +20893,55 @@
           </a:graphicData>
         </a:graphic>
       </p:graphicFrame>
+      <p:sp>
+        <p:nvSpPr>
+          <p:cNvPr id="8" name="Rectangle">
+            <a:extLst>
+              <a:ext uri="{FF2B5EF4-FFF2-40B4-BE49-F238E27FC236}">
+                <a16:creationId xmlns:a16="http://schemas.microsoft.com/office/drawing/2014/main" id="{1A940C7D-0EEA-A326-72C1-98B4C2BA3302}"/>
+              </a:ext>
+            </a:extLst>
+          </p:cNvPr>
+          <p:cNvSpPr/>
+          <p:nvPr/>
+        </p:nvSpPr>
+        <p:spPr>
+          <a:xfrm>
+            <a:off x="358780" y="10043006"/>
+            <a:ext cx="6840000" cy="6846"/>
+          </a:xfrm>
+          <a:prstGeom prst="rect">
+            <a:avLst/>
+          </a:prstGeom>
+          <a:solidFill>
+            <a:srgbClr val="C5AF5C"/>
+          </a:solidFill>
+          <a:ln w="3175">
+            <a:miter lim="400000"/>
+          </a:ln>
+        </p:spPr>
+        <p:txBody>
+          <a:bodyPr lIns="20981" tIns="20981" rIns="20981" bIns="20981" anchor="ctr"/>
+          <a:lstStyle/>
+          <a:p>
+            <a:pPr algn="ctr" defTabSz="825500">
+              <a:lnSpc>
+                <a:spcPct val="100000"/>
+              </a:lnSpc>
+              <a:defRPr sz="3200" b="0">
+                <a:solidFill>
+                  <a:srgbClr val="FFFFFF"/>
+                </a:solidFill>
+                <a:latin typeface="Helvetica Neue Medium"/>
+                <a:ea typeface="Helvetica Neue Medium"/>
+                <a:cs typeface="Helvetica Neue Medium"/>
+                <a:sym typeface="Helvetica Neue Medium"/>
+              </a:defRPr>
+            </a:pPr>
+            <a:endParaRPr/>
+          </a:p>
+        </p:txBody>
+      </p:sp>
     </p:spTree>
     <p:extLst>
       <p:ext uri="{BB962C8B-B14F-4D97-AF65-F5344CB8AC3E}">
@@ -20620,6 +21064,55 @@
               <a:rPr lang="fr-FR" sz="650" baseline="30000" dirty="0"/>
               <a:t>Entreprise d’investissement agréée en 2013 par l’Autorité de Contrôle Prudentiel et de Résolution sous le numéro 11283 et contrôlée par cette même autorité et l’Autorité des Marchés Financiers.</a:t>
             </a:r>
+          </a:p>
+        </p:txBody>
+      </p:sp>
+      <p:sp>
+        <p:nvSpPr>
+          <p:cNvPr id="4" name="Rectangle">
+            <a:extLst>
+              <a:ext uri="{FF2B5EF4-FFF2-40B4-BE49-F238E27FC236}">
+                <a16:creationId xmlns:a16="http://schemas.microsoft.com/office/drawing/2014/main" id="{520466E7-91C4-9A40-89AB-1AD05A0F35F6}"/>
+              </a:ext>
+            </a:extLst>
+          </p:cNvPr>
+          <p:cNvSpPr/>
+          <p:nvPr/>
+        </p:nvSpPr>
+        <p:spPr>
+          <a:xfrm>
+            <a:off x="359837" y="9654374"/>
+            <a:ext cx="6840000" cy="6846"/>
+          </a:xfrm>
+          <a:prstGeom prst="rect">
+            <a:avLst/>
+          </a:prstGeom>
+          <a:solidFill>
+            <a:srgbClr val="C5AF5C"/>
+          </a:solidFill>
+          <a:ln w="3175">
+            <a:miter lim="400000"/>
+          </a:ln>
+        </p:spPr>
+        <p:txBody>
+          <a:bodyPr lIns="20981" tIns="20981" rIns="20981" bIns="20981" anchor="ctr"/>
+          <a:lstStyle/>
+          <a:p>
+            <a:pPr algn="ctr" defTabSz="825500">
+              <a:lnSpc>
+                <a:spcPct val="100000"/>
+              </a:lnSpc>
+              <a:defRPr sz="3200" b="0">
+                <a:solidFill>
+                  <a:srgbClr val="FFFFFF"/>
+                </a:solidFill>
+                <a:latin typeface="Helvetica Neue Medium"/>
+                <a:ea typeface="Helvetica Neue Medium"/>
+                <a:cs typeface="Helvetica Neue Medium"/>
+                <a:sym typeface="Helvetica Neue Medium"/>
+              </a:defRPr>
+            </a:pPr>
+            <a:endParaRPr/>
           </a:p>
         </p:txBody>
       </p:sp>
@@ -21556,7 +22049,7 @@
                 <a:ea typeface="+mn-ea"/>
                 <a:cs typeface="+mn-cs"/>
               </a:rPr>
-              <a:t>Les termes « capital » et « capital initial » utilisés dans cette brochure désignent la Valeur Nominale des titres de créance « &lt;NOM&gt; » soit 1 000 EUR multiplié par le nombre de titres. Le montant remboursé est brut, hors frais et fiscalité applicable au cadre d’investissement. Les taux de Rendement Annuel (« TRA ») sont nets de frais de gestion pour les contrats d’assurance vie/capitalisation ou net de droits de garde en compte-titres (en prenant comme hypothèse un taux de frais de gestion ou de droits de garde de 1,00% annuel), mais sans prise en compte des autres frais, de la fiscalité t prélèvements sociaux applicables au cadre d’investissement. Ils sont calculés pour un investissement entre la </a:t>
+              <a:t>Les termes « capital » et « capital initial » utilisés dans cette brochure désignent la Valeur Nominale des titres de créance « &lt;NOM&gt; » soit 1 000 EUR multiplié par le nombre de titres. Le montant remboursé est brut, hors frais et fiscalité applicable au cadre d’investissement. Les taux de Rendement Annuel (« TRA ») sont nets de frais de gestion pour les contrats d’assurance vie/capitalisation ou net de droits de garde en compte-titres (en prenant comme hypothèse un taux de frais de gestion ou de droits de garde de 1,00% annuel), mais sans prise en compte des autres frais, de la fiscalité et des prélèvements sociaux applicables au cadre d’investissement. Ils sont calculés pour un investissement entre la </a:t>
             </a:r>
             <a:r>
               <a:rPr kumimoji="0" lang="fr-FR" sz="800" b="0" i="0" u="none" strike="noStrike" kern="1200" cap="none" spc="0" normalizeH="0" baseline="0" noProof="0" dirty="0">
@@ -22398,6 +22891,55 @@
               <a:t>&lt;graph1&gt;</a:t>
             </a:r>
             <a:endParaRPr lang="en-US" dirty="0"/>
+          </a:p>
+        </p:txBody>
+      </p:sp>
+      <p:sp>
+        <p:nvSpPr>
+          <p:cNvPr id="13" name="Rectangle">
+            <a:extLst>
+              <a:ext uri="{FF2B5EF4-FFF2-40B4-BE49-F238E27FC236}">
+                <a16:creationId xmlns:a16="http://schemas.microsoft.com/office/drawing/2014/main" id="{BE2900B0-346F-9C03-3B28-C7107EF48128}"/>
+              </a:ext>
+            </a:extLst>
+          </p:cNvPr>
+          <p:cNvSpPr/>
+          <p:nvPr/>
+        </p:nvSpPr>
+        <p:spPr>
+          <a:xfrm>
+            <a:off x="283637" y="9695762"/>
+            <a:ext cx="6840000" cy="6846"/>
+          </a:xfrm>
+          <a:prstGeom prst="rect">
+            <a:avLst/>
+          </a:prstGeom>
+          <a:solidFill>
+            <a:srgbClr val="C5AF5C"/>
+          </a:solidFill>
+          <a:ln w="3175">
+            <a:miter lim="400000"/>
+          </a:ln>
+        </p:spPr>
+        <p:txBody>
+          <a:bodyPr lIns="20981" tIns="20981" rIns="20981" bIns="20981" anchor="ctr"/>
+          <a:lstStyle/>
+          <a:p>
+            <a:pPr algn="ctr" defTabSz="825500">
+              <a:lnSpc>
+                <a:spcPct val="100000"/>
+              </a:lnSpc>
+              <a:defRPr sz="3200" b="0">
+                <a:solidFill>
+                  <a:srgbClr val="FFFFFF"/>
+                </a:solidFill>
+                <a:latin typeface="Helvetica Neue Medium"/>
+                <a:ea typeface="Helvetica Neue Medium"/>
+                <a:cs typeface="Helvetica Neue Medium"/>
+                <a:sym typeface="Helvetica Neue Medium"/>
+              </a:defRPr>
+            </a:pPr>
+            <a:endParaRPr/>
           </a:p>
         </p:txBody>
       </p:sp>
@@ -22477,8 +23019,8 @@
         </p:nvSpPr>
         <p:spPr bwMode="auto">
           <a:xfrm>
-            <a:off x="538162" y="9732474"/>
-            <a:ext cx="6483350" cy="866904"/>
+            <a:off x="537947" y="9498001"/>
+            <a:ext cx="6483350" cy="1292662"/>
           </a:xfrm>
           <a:prstGeom prst="rect">
             <a:avLst/>
@@ -22498,26 +23040,47 @@
           <a:lstStyle/>
           <a:p>
             <a:pPr algn="just"/>
-            <a:endParaRPr lang="fr-FR" sz="650" baseline="30000" dirty="0">
-              <a:solidFill>
-                <a:srgbClr val="000000"/>
-              </a:solidFill>
-              <a:latin typeface="Proxima Nova Rg" panose="02000506030000020004" pitchFamily="2" charset="0"/>
-            </a:endParaRPr>
+            <a:r>
+              <a:rPr lang="fr-FR" sz="600" i="1" dirty="0">
+                <a:solidFill>
+                  <a:srgbClr val="000000"/>
+                </a:solidFill>
+                <a:latin typeface="Proxima Nova Rg" panose="02000506030000020004" pitchFamily="2" charset="0"/>
+              </a:rPr>
+              <a:t>Les termes « capital » et « capital initial » utilisés dans cette brochure désignent la Valeur Nominale des titres de créance « NOMP1&gt; » soit 1000 EUR. Le montant remboursé est brut, hors frais de fiscalité applicable au cadre d’investissement. Le taux de rendement annuel est net de frais de gestion pour les contrats d’assurance vie/capitalisation ou net de droit de garde en compte-titres (en prenant comme hypothèse un taux de frais de gestion ou de droits de garde de 1,00%), sans prise en compte des autres frais et de la fiscalité. Il est calculé entre la date de constatation initiale (soit le &lt;2PDC&gt;) et la date de remboursement automatique anticipé concernée, ou finale selon les cas. En cas de vente du titre de créance avant l’échéance, ou la date de remboursement anticipé (ou en cas d’arbitrage ou de rachat pour les contrats d’assurance vie/capitalisation, ou de dénouement par décès pour les contrats d’assurance vie), le Taux de Rendement annuel effectif peut être supérieur ou inférieur au Taux de Rendement annuel indiqué dans la présente </a:t>
+            </a:r>
+            <a:r>
+              <a:rPr lang="fr-FR" sz="600" i="1" dirty="0" err="1">
+                <a:solidFill>
+                  <a:srgbClr val="000000"/>
+                </a:solidFill>
+                <a:latin typeface="Proxima Nova Rg" panose="02000506030000020004" pitchFamily="2" charset="0"/>
+              </a:rPr>
+              <a:t>brohcure</a:t>
+            </a:r>
+            <a:r>
+              <a:rPr lang="fr-FR" sz="600" i="1" dirty="0">
+                <a:solidFill>
+                  <a:srgbClr val="000000"/>
+                </a:solidFill>
+                <a:latin typeface="Proxima Nova Rg" panose="02000506030000020004" pitchFamily="2" charset="0"/>
+              </a:rPr>
+              <a:t>. De plus, l’investisseur peut subir une perte en capital.</a:t>
+            </a:r>
           </a:p>
           <a:p>
             <a:pPr algn="just"/>
             <a:r>
-              <a:rPr lang="fr-FR" sz="650" baseline="30000" dirty="0">
+              <a:rPr lang="fr-FR" sz="600" i="1" baseline="30000" dirty="0">
                 <a:solidFill>
                   <a:srgbClr val="000000"/>
                 </a:solidFill>
                 <a:latin typeface="Proxima Nova Rg" panose="02000506030000020004" pitchFamily="2" charset="0"/>
               </a:rPr>
-              <a:t>(1) </a:t>
-            </a:r>
-            <a:r>
-              <a:rPr lang="fr-FR" sz="650" dirty="0">
+              <a:t>(1)</a:t>
+            </a:r>
+            <a:r>
+              <a:rPr lang="fr-FR" sz="600" i="1" dirty="0">
                 <a:solidFill>
                   <a:srgbClr val="000000"/>
                 </a:solidFill>
@@ -22529,84 +23092,84 @@
           <a:p>
             <a:pPr algn="just"/>
             <a:r>
-              <a:rPr lang="fr-FR" sz="650" baseline="30000" dirty="0">
+              <a:rPr lang="fr-FR" sz="600" i="1" baseline="30000" dirty="0">
                 <a:solidFill>
                   <a:srgbClr val="000000"/>
                 </a:solidFill>
                 <a:latin typeface="Proxima Nova Rg" panose="02000506030000020004" pitchFamily="2" charset="0"/>
               </a:rPr>
-              <a:t>(2)</a:t>
-            </a:r>
-            <a:r>
-              <a:rPr lang="fr-FR" sz="650" dirty="0">
+              <a:t>(2) </a:t>
+            </a:r>
+            <a:r>
+              <a:rPr lang="fr-FR" sz="600" i="1" dirty="0">
                 <a:solidFill>
                   <a:srgbClr val="000000"/>
                 </a:solidFill>
                 <a:latin typeface="Proxima Nova Rg" panose="02000506030000020004" pitchFamily="2" charset="0"/>
               </a:rPr>
-              <a:t> En prenant comme hypothèse 1,00% de frais de gestion du contrat d’assurance vie ou de capitalisation. TRA nets hors autres frais, fiscalité et prélèvements sociaux applicables au cadre d’investissement, et hors défaut de paiement et/ou faillite de l’Émetteur et du Garant de la formule et hors mise en résolution du Garant de la formule. Les TRA sont calculés à partir du &lt;2PDC&gt; jusqu’à la date de remboursement anticipé automatique éventuel</a:t>
-            </a:r>
-            <a:r>
-              <a:rPr lang="fr-FR" sz="650" baseline="30000" dirty="0">
-                <a:solidFill>
-                  <a:srgbClr val="000000"/>
-                </a:solidFill>
-                <a:latin typeface="Proxima Nova Rg" panose="02000506030000020004" pitchFamily="2" charset="0"/>
-              </a:rPr>
-              <a:t>(1)</a:t>
-            </a:r>
-            <a:r>
-              <a:rPr lang="fr-FR" sz="650" dirty="0">
-                <a:solidFill>
-                  <a:srgbClr val="000000"/>
-                </a:solidFill>
-                <a:latin typeface="Proxima Nova Rg" panose="02000506030000020004" pitchFamily="2" charset="0"/>
-              </a:rPr>
-              <a:t> ou d’échéance</a:t>
-            </a:r>
-            <a:r>
-              <a:rPr lang="fr-FR" sz="650" baseline="30000" dirty="0">
-                <a:solidFill>
-                  <a:srgbClr val="000000"/>
-                </a:solidFill>
-                <a:latin typeface="Proxima Nova Rg" panose="02000506030000020004" pitchFamily="2" charset="0"/>
-              </a:rPr>
-              <a:t>(1)</a:t>
-            </a:r>
-            <a:r>
-              <a:rPr lang="fr-FR" sz="650" dirty="0">
-                <a:solidFill>
-                  <a:srgbClr val="000000"/>
-                </a:solidFill>
-                <a:latin typeface="Proxima Nova Rg" panose="02000506030000020004" pitchFamily="2" charset="0"/>
-              </a:rPr>
-              <a:t> selon les scénarios. Une sortie anticipée à l’initiative de l’investisseur se fera à un &lt;SJR3&gt; dépendant de l’évolution des paramètres de marché au moment de la sortie (&lt;SJR3&gt; &lt;SJR7&gt;, des taux d’intérêt, de la volatilité et des primes de risque de crédit notamment) et pourra donc entraîner un risque de perte en capital.</a:t>
+              <a:t>Hors cas de défaillance de l’émetteur</a:t>
             </a:r>
           </a:p>
           <a:p>
             <a:pPr algn="just"/>
             <a:r>
-              <a:rPr lang="fr-FR" sz="650" baseline="30000" dirty="0">
+              <a:rPr lang="fr-FR" sz="600" i="1" baseline="30000" dirty="0">
                 <a:solidFill>
                   <a:srgbClr val="000000"/>
                 </a:solidFill>
                 <a:latin typeface="Proxima Nova Rg" panose="02000506030000020004" pitchFamily="2" charset="0"/>
               </a:rPr>
-              <a:t>(3) </a:t>
-            </a:r>
-            <a:r>
-              <a:rPr lang="fr-FR" sz="650" dirty="0">
+              <a:t>(3)</a:t>
+            </a:r>
+            <a:r>
+              <a:rPr lang="fr-FR" sz="600" i="1" dirty="0">
                 <a:solidFill>
                   <a:srgbClr val="000000"/>
                 </a:solidFill>
                 <a:latin typeface="Proxima Nova Rg" panose="02000506030000020004" pitchFamily="2" charset="0"/>
               </a:rPr>
-              <a:t> Veuillez vous référer à la section dédiée en page 3 pour une présentation de la détermination du &lt;NDR&gt;</a:t>
+              <a:t> En prenant comme hypothèse 1,00% de frais de gestion du contrat d’assurance vie ou de capitalisation. TRA nets hors autres frais, fiscalité et prélèvements sociaux applicables au cadre d’investissement, et hors défaut de paiement et/ou faillite de l’Émetteur et du Garant de la formule et hors mise en résolution du Garant de la formule. Les TRA sont calculés à partir du &lt;2PDC&gt; jusqu’à la date de remboursement anticipé automatique éventuel</a:t>
+            </a:r>
+            <a:r>
+              <a:rPr lang="fr-FR" sz="600" i="1" baseline="30000" dirty="0">
+                <a:solidFill>
+                  <a:srgbClr val="000000"/>
+                </a:solidFill>
+                <a:latin typeface="Proxima Nova Rg" panose="02000506030000020004" pitchFamily="2" charset="0"/>
+              </a:rPr>
+              <a:t>(1)</a:t>
+            </a:r>
+            <a:r>
+              <a:rPr lang="fr-FR" sz="600" i="1" dirty="0">
+                <a:solidFill>
+                  <a:srgbClr val="000000"/>
+                </a:solidFill>
+                <a:latin typeface="Proxima Nova Rg" panose="02000506030000020004" pitchFamily="2" charset="0"/>
+              </a:rPr>
+              <a:t> ou d’échéance</a:t>
+            </a:r>
+            <a:r>
+              <a:rPr lang="fr-FR" sz="600" i="1" baseline="30000" dirty="0">
+                <a:solidFill>
+                  <a:srgbClr val="000000"/>
+                </a:solidFill>
+                <a:latin typeface="Proxima Nova Rg" panose="02000506030000020004" pitchFamily="2" charset="0"/>
+              </a:rPr>
+              <a:t>(1)</a:t>
+            </a:r>
+            <a:r>
+              <a:rPr lang="fr-FR" sz="600" i="1" dirty="0">
+                <a:solidFill>
+                  <a:srgbClr val="000000"/>
+                </a:solidFill>
+                <a:latin typeface="Proxima Nova Rg" panose="02000506030000020004" pitchFamily="2" charset="0"/>
+              </a:rPr>
+              <a:t> selon les scénarios. Une sortie anticipée à l’initiative de l’investisseur se fera à un &lt;SJR3&gt; dépendant de l’évolution des paramètres de marché au moment de la sortie (&lt;SJR3&gt; &lt;SJR7&gt;, des taux d’intérêt, de la volatilité et des primes de risque de crédit notamment) et pourra donc entraîner un risque de perte en capital.</a:t>
             </a:r>
           </a:p>
           <a:p>
             <a:pPr algn="just"/>
-            <a:endParaRPr lang="fr-FR" sz="650" dirty="0">
+            <a:endParaRPr lang="fr-FR" sz="600" i="1" dirty="0">
               <a:solidFill>
                 <a:srgbClr val="000000"/>
               </a:solidFill>
@@ -22631,7 +23194,7 @@
         </p:nvSpPr>
         <p:spPr>
           <a:xfrm>
-            <a:off x="458462" y="670080"/>
+            <a:off x="458462" y="700560"/>
             <a:ext cx="2897640" cy="230950"/>
           </a:xfrm>
           <a:prstGeom prst="rect">
@@ -22836,7 +23399,7 @@
         </p:nvSpPr>
         <p:spPr>
           <a:xfrm>
-            <a:off x="361950" y="703340"/>
+            <a:off x="361950" y="726200"/>
             <a:ext cx="45719" cy="138398"/>
           </a:xfrm>
           <a:prstGeom prst="rect">
@@ -22887,7 +23450,7 @@
         </p:nvSpPr>
         <p:spPr>
           <a:xfrm>
-            <a:off x="458462" y="5904665"/>
+            <a:off x="458462" y="5112185"/>
             <a:ext cx="4248000" cy="230950"/>
           </a:xfrm>
           <a:prstGeom prst="rect">
@@ -23092,7 +23655,7 @@
         </p:nvSpPr>
         <p:spPr>
           <a:xfrm>
-            <a:off x="361950" y="5937925"/>
+            <a:off x="361950" y="5145445"/>
             <a:ext cx="45719" cy="138398"/>
           </a:xfrm>
           <a:prstGeom prst="rect">
@@ -23143,8 +23706,8 @@
         </p:nvSpPr>
         <p:spPr>
           <a:xfrm>
-            <a:off x="458462" y="959339"/>
-            <a:ext cx="6741374" cy="3513782"/>
+            <a:off x="458462" y="989819"/>
+            <a:ext cx="6741374" cy="2601738"/>
           </a:xfrm>
           <a:prstGeom prst="rect">
             <a:avLst/>
@@ -23318,172 +23881,6 @@
               </a:defRPr>
             </a:lvl9pPr>
           </a:lstStyle>
-          <a:p>
-            <a:pPr lvl="1" algn="just">
-              <a:lnSpc>
-                <a:spcPct val="90000"/>
-              </a:lnSpc>
-              <a:defRPr/>
-            </a:pPr>
-            <a:r>
-              <a:rPr kumimoji="0" lang="fr-FR" sz="800" b="0" i="0" u="none" strike="noStrike" kern="1200" cap="none" spc="0" normalizeH="0" baseline="0" noProof="0" dirty="0">
-                <a:ln>
-                  <a:noFill/>
-                </a:ln>
-                <a:solidFill>
-                  <a:schemeClr val="tx1"/>
-                </a:solidFill>
-                <a:effectLst/>
-                <a:uLnTx/>
-                <a:uFillTx/>
-                <a:latin typeface="Proxima Nova Rg"/>
-                <a:ea typeface="+mn-ea"/>
-                <a:cs typeface="+mn-cs"/>
-              </a:rPr>
-              <a:t>Les termes « capital » et « capital initial » utilisés dans cette brochure désignent la Valeur Nominale des titres de créance « &lt;NOM&gt; » soit 1 000 EUR multiplié par le nombre de titres. Le montant remboursé est brut, hors frais et fiscalité applicable au cadre d’investissement. Les taux de Rendement Annuel (« TRA ») sont nets de frais de gestion pour les contrats d’assurance vie/capitalisation ou net de droits de garde en compte-titres (en prenant comme hypothèse un taux de frais de gestion ou de droits de garde de 1,00% annuel), mais sans prise en compte des autres frais, de la fiscalité t prélèvements sociaux applicables au cadre d’investissement. Ils sont calculés pour un investissement entre la </a:t>
-            </a:r>
-            <a:r>
-              <a:rPr kumimoji="0" lang="fr-FR" sz="800" b="0" i="0" u="none" strike="noStrike" kern="1200" cap="none" spc="0" normalizeH="0" baseline="0" noProof="0" dirty="0">
-                <a:ln>
-                  <a:noFill/>
-                </a:ln>
-                <a:solidFill>
-                  <a:schemeClr val="tx1"/>
-                </a:solidFill>
-                <a:effectLst/>
-                <a:highlight>
-                  <a:srgbClr val="FF00FF"/>
-                </a:highlight>
-                <a:uLnTx/>
-                <a:uFillTx/>
-                <a:latin typeface="Proxima Nova Rg"/>
-                <a:ea typeface="+mn-ea"/>
-                <a:cs typeface="+mn-cs"/>
-              </a:rPr>
-              <a:t>&lt;dernière si strike moyen/best strike</a:t>
-            </a:r>
-            <a:r>
-              <a:rPr kumimoji="0" lang="fr-FR" sz="800" b="0" i="0" u="none" strike="noStrike" kern="1200" cap="none" spc="0" normalizeH="0" baseline="0" noProof="0" dirty="0">
-                <a:ln>
-                  <a:noFill/>
-                </a:ln>
-                <a:solidFill>
-                  <a:schemeClr val="tx1"/>
-                </a:solidFill>
-                <a:effectLst/>
-                <a:uLnTx/>
-                <a:uFillTx/>
-                <a:latin typeface="Proxima Nova Rg"/>
-                <a:ea typeface="+mn-ea"/>
-                <a:cs typeface="+mn-cs"/>
-              </a:rPr>
-              <a:t>&gt;date de constatation initiale</a:t>
-            </a:r>
-            <a:r>
-              <a:rPr lang="fr-FR" sz="800" baseline="30000" dirty="0">
-                <a:solidFill>
-                  <a:schemeClr val="tx2"/>
-                </a:solidFill>
-              </a:rPr>
-              <a:t> (1)</a:t>
-            </a:r>
-            <a:r>
-              <a:rPr kumimoji="0" lang="fr-FR" sz="800" b="0" i="0" u="none" strike="noStrike" kern="1200" cap="none" spc="0" normalizeH="0" baseline="0" noProof="0" dirty="0">
-                <a:ln>
-                  <a:noFill/>
-                </a:ln>
-                <a:solidFill>
-                  <a:schemeClr val="tx1"/>
-                </a:solidFill>
-                <a:effectLst/>
-                <a:uLnTx/>
-                <a:uFillTx/>
-                <a:latin typeface="Proxima Nova Rg"/>
-                <a:ea typeface="+mn-ea"/>
-                <a:cs typeface="+mn-cs"/>
-              </a:rPr>
-              <a:t> (soit le &lt;2PDC&gt;) et la date d’échéance</a:t>
-            </a:r>
-            <a:r>
-              <a:rPr lang="fr-FR" sz="800" b="1" baseline="30000" dirty="0">
-                <a:solidFill>
-                  <a:schemeClr val="tx2"/>
-                </a:solidFill>
-              </a:rPr>
-              <a:t> </a:t>
-            </a:r>
-            <a:r>
-              <a:rPr lang="fr-FR" sz="800" baseline="30000" dirty="0">
-                <a:solidFill>
-                  <a:schemeClr val="tx2"/>
-                </a:solidFill>
-              </a:rPr>
-              <a:t>(1) </a:t>
-            </a:r>
-            <a:r>
-              <a:rPr lang="fr-FR" sz="800" b="1" baseline="30000" dirty="0"/>
-              <a:t> </a:t>
-            </a:r>
-            <a:r>
-              <a:rPr kumimoji="0" lang="fr-FR" sz="800" b="0" i="0" u="none" strike="noStrike" kern="1200" cap="none" spc="0" normalizeH="0" baseline="0" noProof="0" dirty="0">
-                <a:ln>
-                  <a:noFill/>
-                </a:ln>
-                <a:solidFill>
-                  <a:schemeClr val="tx1"/>
-                </a:solidFill>
-                <a:effectLst/>
-                <a:uLnTx/>
-                <a:uFillTx/>
-                <a:latin typeface="Proxima Nova Rg"/>
-                <a:ea typeface="+mn-ea"/>
-                <a:cs typeface="+mn-cs"/>
-              </a:rPr>
-              <a:t>ou la date de remboursement automatique anticipé effective</a:t>
-            </a:r>
-            <a:r>
-              <a:rPr lang="fr-FR" sz="800" baseline="30000" dirty="0">
-                <a:solidFill>
-                  <a:schemeClr val="tx2"/>
-                </a:solidFill>
-              </a:rPr>
-              <a:t> (1) </a:t>
-            </a:r>
-            <a:r>
-              <a:rPr kumimoji="0" lang="fr-FR" sz="800" b="0" i="0" u="none" strike="noStrike" kern="1200" cap="none" spc="0" normalizeH="0" baseline="0" noProof="0" dirty="0">
-                <a:ln>
-                  <a:noFill/>
-                </a:ln>
-                <a:solidFill>
-                  <a:schemeClr val="tx1"/>
-                </a:solidFill>
-                <a:effectLst/>
-                <a:uLnTx/>
-                <a:uFillTx/>
-                <a:latin typeface="Proxima Nova Rg"/>
-                <a:ea typeface="+mn-ea"/>
-                <a:cs typeface="+mn-cs"/>
-              </a:rPr>
-              <a:t>ou en cas d’arbitrage ou de rachat pour les contrats d’assurance vie ou de capitalisation, ou de dénouement par décès pour les contrats d’assurance vie), les Taux de Rendement Annuel effectifs peuvent être supérieurs ou inférieurs aux Taux de Rendement Annuel indiqués dans la présente brochure. </a:t>
-            </a:r>
-            <a:r>
-              <a:rPr kumimoji="0" lang="fr-FR" sz="800" b="1" i="0" u="none" strike="noStrike" kern="1200" cap="none" spc="0" normalizeH="0" baseline="0" noProof="0" dirty="0">
-                <a:ln>
-                  <a:noFill/>
-                </a:ln>
-                <a:solidFill>
-                  <a:schemeClr val="tx1"/>
-                </a:solidFill>
-                <a:effectLst/>
-                <a:uLnTx/>
-                <a:uFillTx/>
-                <a:latin typeface="Proxima Nova Rg"/>
-                <a:ea typeface="+mn-ea"/>
-                <a:cs typeface="+mn-cs"/>
-              </a:rPr>
-              <a:t>De plus l’investisseur peut subir une perte en capital partielle ou totale. Les avantages du titre de créance profitent aux seuls investisseurs qui conservent l’instrument financier jusqu’à son échéance effective. </a:t>
-            </a:r>
-          </a:p>
           <a:p>
             <a:pPr marL="0" marR="0" lvl="1" indent="0" algn="just" defTabSz="755934" rtl="0" eaLnBrk="1" fontAlgn="auto" latinLnBrk="0" hangingPunct="1">
               <a:lnSpc>
@@ -23610,7 +24007,7 @@
                 <a:ea typeface="+mn-ea"/>
                 <a:cs typeface="+mn-cs"/>
               </a:rPr>
-              <a:t>(1)</a:t>
+              <a:t>(1)(2)</a:t>
             </a:r>
             <a:r>
               <a:rPr kumimoji="0" lang="fr-FR" sz="800" b="1" i="0" u="none" strike="noStrike" kern="1200" cap="none" spc="0" normalizeH="0" baseline="0" noProof="0" dirty="0">
@@ -23945,16 +24342,91 @@
               </a:rPr>
               <a:t>&lt;ABAC2&gt;.</a:t>
             </a:r>
-            <a:endParaRPr kumimoji="0" lang="fr-FR" sz="800" b="0" i="0" u="none" strike="noStrike" kern="1200" cap="none" spc="0" normalizeH="0" baseline="0" noProof="0" dirty="0">
-              <a:ln>
-                <a:noFill/>
-              </a:ln>
-              <a:effectLst/>
-              <a:uLnTx/>
-              <a:uFillTx/>
+          </a:p>
+          <a:p>
+            <a:pPr marL="0" marR="0" lvl="2" indent="0" algn="just" defTabSz="755934" rtl="0" eaLnBrk="1" fontAlgn="auto" latinLnBrk="0" hangingPunct="1">
+              <a:lnSpc>
+                <a:spcPct val="90000"/>
+              </a:lnSpc>
+              <a:spcBef>
+                <a:spcPts val="400"/>
+              </a:spcBef>
+              <a:spcAft>
+                <a:spcPts val="200"/>
+              </a:spcAft>
+              <a:buClrTx/>
+              <a:buSzTx/>
+              <a:buFont typeface="Arial" panose="020B0604020202020204" pitchFamily="34" charset="0"/>
+              <a:buNone/>
+              <a:tabLst/>
+              <a:defRPr/>
+            </a:pPr>
+            <a:r>
+              <a:rPr lang="fr-FR" sz="800" b="1" dirty="0">
+                <a:solidFill>
+                  <a:srgbClr val="B9A049"/>
+                </a:solidFill>
+                <a:latin typeface="Proxima Nova Rg"/>
+              </a:rPr>
+              <a:t>…avec un remboursement à l’échéance</a:t>
+            </a:r>
+            <a:r>
+              <a:rPr kumimoji="0" lang="fr-FR" sz="800" b="1" i="0" u="none" strike="noStrike" kern="1200" cap="none" spc="0" normalizeH="0" baseline="30000" noProof="0" dirty="0">
+                <a:ln>
+                  <a:noFill/>
+                </a:ln>
+                <a:solidFill>
+                  <a:srgbClr val="B9A049"/>
+                </a:solidFill>
+                <a:effectLst/>
+                <a:uLnTx/>
+                <a:uFillTx/>
+                <a:latin typeface="Proxima Nova Rg"/>
+                <a:ea typeface="+mn-ea"/>
+                <a:cs typeface="+mn-cs"/>
+              </a:rPr>
+              <a:t> (1)(2)</a:t>
+            </a:r>
+            <a:r>
+              <a:rPr lang="fr-FR" sz="800" b="1" dirty="0">
+                <a:solidFill>
+                  <a:srgbClr val="B9A049"/>
+                </a:solidFill>
+                <a:latin typeface="Proxima Nova Rg"/>
+              </a:rPr>
+              <a:t> de 100% du capital initialement investi </a:t>
+            </a:r>
+            <a:r>
+              <a:rPr lang="fr-FR" sz="800" dirty="0">
+                <a:latin typeface="Proxima Nova Rg"/>
+              </a:rPr>
+              <a:t>si, à la date de constatation finale</a:t>
+            </a:r>
+            <a:r>
+              <a:rPr kumimoji="0" lang="fr-FR" sz="800" b="0" i="0" u="none" strike="noStrike" kern="1200" cap="none" spc="0" normalizeH="0" baseline="30000" noProof="0" dirty="0">
+                <a:ln>
+                  <a:noFill/>
+                </a:ln>
+                <a:effectLst/>
+                <a:uLnTx/>
+                <a:uFillTx/>
+                <a:latin typeface="Proxima Nova Rg"/>
+                <a:ea typeface="+mn-ea"/>
+                <a:cs typeface="+mn-cs"/>
+              </a:rPr>
+              <a:t>(1)</a:t>
+            </a:r>
+            <a:r>
+              <a:rPr lang="fr-FR" sz="800" dirty="0">
+                <a:latin typeface="Proxima Nova Rg"/>
+              </a:rPr>
+              <a:t>, &lt;SJR1&gt; clôture à un &lt;SJR3&gt; supérieur ou égal à &lt;ABAC2&gt;.</a:t>
+            </a:r>
+            <a:endParaRPr lang="fr-FR" sz="800" b="1" dirty="0">
+              <a:solidFill>
+                <a:srgbClr val="B9A049"/>
+              </a:solidFill>
               <a:latin typeface="Proxima Nova Rg"/>
-              <a:ea typeface="+mn-ea"/>
-              <a:cs typeface="+mn-cs"/>
             </a:endParaRPr>
           </a:p>
           <a:p>
@@ -24294,7 +24766,7 @@
         </p:nvSpPr>
         <p:spPr>
           <a:xfrm>
-            <a:off x="407669" y="6830047"/>
+            <a:off x="384809" y="6092777"/>
             <a:ext cx="6242589" cy="369332"/>
           </a:xfrm>
           <a:prstGeom prst="rect">
@@ -24313,6 +24785,55 @@
               <a:t>&lt;graph1&gt;</a:t>
             </a:r>
             <a:endParaRPr lang="en-US" dirty="0"/>
+          </a:p>
+        </p:txBody>
+      </p:sp>
+      <p:sp>
+        <p:nvSpPr>
+          <p:cNvPr id="13" name="Rectangle">
+            <a:extLst>
+              <a:ext uri="{FF2B5EF4-FFF2-40B4-BE49-F238E27FC236}">
+                <a16:creationId xmlns:a16="http://schemas.microsoft.com/office/drawing/2014/main" id="{7B447C33-5D6C-5BE1-7641-1A8296241FED}"/>
+              </a:ext>
+            </a:extLst>
+          </p:cNvPr>
+          <p:cNvSpPr/>
+          <p:nvPr/>
+        </p:nvSpPr>
+        <p:spPr>
+          <a:xfrm>
+            <a:off x="359836" y="9402343"/>
+            <a:ext cx="6840000" cy="6846"/>
+          </a:xfrm>
+          <a:prstGeom prst="rect">
+            <a:avLst/>
+          </a:prstGeom>
+          <a:solidFill>
+            <a:srgbClr val="C5AF5C"/>
+          </a:solidFill>
+          <a:ln w="3175">
+            <a:miter lim="400000"/>
+          </a:ln>
+        </p:spPr>
+        <p:txBody>
+          <a:bodyPr lIns="20981" tIns="20981" rIns="20981" bIns="20981" anchor="ctr"/>
+          <a:lstStyle/>
+          <a:p>
+            <a:pPr algn="ctr" defTabSz="825500">
+              <a:lnSpc>
+                <a:spcPct val="100000"/>
+              </a:lnSpc>
+              <a:defRPr sz="3200" b="0">
+                <a:solidFill>
+                  <a:srgbClr val="FFFFFF"/>
+                </a:solidFill>
+                <a:latin typeface="Helvetica Neue Medium"/>
+                <a:ea typeface="Helvetica Neue Medium"/>
+                <a:cs typeface="Helvetica Neue Medium"/>
+                <a:sym typeface="Helvetica Neue Medium"/>
+              </a:defRPr>
+            </a:pPr>
+            <a:endParaRPr/>
           </a:p>
         </p:txBody>
       </p:sp>
@@ -27072,6 +27593,55 @@
           </a:p>
         </p:txBody>
       </p:sp>
+      <p:sp>
+        <p:nvSpPr>
+          <p:cNvPr id="22" name="Rectangle">
+            <a:extLst>
+              <a:ext uri="{FF2B5EF4-FFF2-40B4-BE49-F238E27FC236}">
+                <a16:creationId xmlns:a16="http://schemas.microsoft.com/office/drawing/2014/main" id="{6B9B65C2-6288-5A83-9D8D-B46A62946578}"/>
+              </a:ext>
+            </a:extLst>
+          </p:cNvPr>
+          <p:cNvSpPr/>
+          <p:nvPr/>
+        </p:nvSpPr>
+        <p:spPr>
+          <a:xfrm>
+            <a:off x="368373" y="9702502"/>
+            <a:ext cx="6840000" cy="6846"/>
+          </a:xfrm>
+          <a:prstGeom prst="rect">
+            <a:avLst/>
+          </a:prstGeom>
+          <a:solidFill>
+            <a:srgbClr val="C5AF5C"/>
+          </a:solidFill>
+          <a:ln w="3175">
+            <a:miter lim="400000"/>
+          </a:ln>
+        </p:spPr>
+        <p:txBody>
+          <a:bodyPr lIns="20981" tIns="20981" rIns="20981" bIns="20981" anchor="ctr"/>
+          <a:lstStyle/>
+          <a:p>
+            <a:pPr algn="ctr" defTabSz="825500">
+              <a:lnSpc>
+                <a:spcPct val="100000"/>
+              </a:lnSpc>
+              <a:defRPr sz="3200" b="0">
+                <a:solidFill>
+                  <a:srgbClr val="FFFFFF"/>
+                </a:solidFill>
+                <a:latin typeface="Helvetica Neue Medium"/>
+                <a:ea typeface="Helvetica Neue Medium"/>
+                <a:cs typeface="Helvetica Neue Medium"/>
+                <a:sym typeface="Helvetica Neue Medium"/>
+              </a:defRPr>
+            </a:pPr>
+            <a:endParaRPr/>
+          </a:p>
+        </p:txBody>
+      </p:sp>
     </p:spTree>
     <p:extLst>
       <p:ext uri="{BB962C8B-B14F-4D97-AF65-F5344CB8AC3E}">
@@ -28924,6 +29494,55 @@
               </a:rPr>
               <a:t>&lt;balisedeg4&gt;</a:t>
             </a:r>
+          </a:p>
+        </p:txBody>
+      </p:sp>
+      <p:sp>
+        <p:nvSpPr>
+          <p:cNvPr id="15" name="Rectangle">
+            <a:extLst>
+              <a:ext uri="{FF2B5EF4-FFF2-40B4-BE49-F238E27FC236}">
+                <a16:creationId xmlns:a16="http://schemas.microsoft.com/office/drawing/2014/main" id="{33410FBD-4079-CE26-C6AA-880C6F049567}"/>
+              </a:ext>
+            </a:extLst>
+          </p:cNvPr>
+          <p:cNvSpPr/>
+          <p:nvPr/>
+        </p:nvSpPr>
+        <p:spPr>
+          <a:xfrm>
+            <a:off x="359837" y="9706691"/>
+            <a:ext cx="6840000" cy="6846"/>
+          </a:xfrm>
+          <a:prstGeom prst="rect">
+            <a:avLst/>
+          </a:prstGeom>
+          <a:solidFill>
+            <a:srgbClr val="C5AF5C"/>
+          </a:solidFill>
+          <a:ln w="3175">
+            <a:miter lim="400000"/>
+          </a:ln>
+        </p:spPr>
+        <p:txBody>
+          <a:bodyPr lIns="20981" tIns="20981" rIns="20981" bIns="20981" anchor="ctr"/>
+          <a:lstStyle/>
+          <a:p>
+            <a:pPr algn="ctr" defTabSz="825500">
+              <a:lnSpc>
+                <a:spcPct val="100000"/>
+              </a:lnSpc>
+              <a:defRPr sz="3200" b="0">
+                <a:solidFill>
+                  <a:srgbClr val="FFFFFF"/>
+                </a:solidFill>
+                <a:latin typeface="Helvetica Neue Medium"/>
+                <a:ea typeface="Helvetica Neue Medium"/>
+                <a:cs typeface="Helvetica Neue Medium"/>
+                <a:sym typeface="Helvetica Neue Medium"/>
+              </a:defRPr>
+            </a:pPr>
+            <a:endParaRPr/>
           </a:p>
         </p:txBody>
       </p:sp>
@@ -29629,7 +30248,7 @@
                   <a:srgbClr val="00FFFF"/>
                 </a:highlight>
               </a:rPr>
-              <a:t>&lt;TRA.MRE.MIN.PM&gt;</a:t>
+              <a:t>&lt;TRA.EM.P&gt;</a:t>
             </a:r>
             <a:r>
               <a:rPr lang="fr-FR" sz="800" baseline="30000" dirty="0"/>
@@ -30872,7 +31491,19 @@
                   <a:srgbClr val="00FFFF"/>
                 </a:highlight>
               </a:rPr>
-              <a:t>&lt;TRA.MRA.MIN.PM&gt;</a:t>
+              <a:t>&lt;</a:t>
+            </a:r>
+            <a:r>
+              <a:rPr lang="fr-FR" sz="800" dirty="0"/>
+              <a:t>TRA.RM.P</a:t>
+            </a:r>
+            <a:r>
+              <a:rPr lang="fr-FR" sz="800" dirty="0">
+                <a:highlight>
+                  <a:srgbClr val="00FFFF"/>
+                </a:highlight>
+              </a:rPr>
+              <a:t>&gt;</a:t>
             </a:r>
             <a:r>
               <a:rPr lang="fr-FR" sz="800" baseline="30000" dirty="0"/>
@@ -31282,6 +31913,55 @@
               <a:t>&lt;balisedeg2&gt;</a:t>
             </a:r>
             <a:endParaRPr lang="en-US" sz="800" dirty="0"/>
+          </a:p>
+        </p:txBody>
+      </p:sp>
+      <p:sp>
+        <p:nvSpPr>
+          <p:cNvPr id="18" name="Rectangle">
+            <a:extLst>
+              <a:ext uri="{FF2B5EF4-FFF2-40B4-BE49-F238E27FC236}">
+                <a16:creationId xmlns:a16="http://schemas.microsoft.com/office/drawing/2014/main" id="{3F9E4DAC-04CA-0D36-7449-B93C5C5782EC}"/>
+              </a:ext>
+            </a:extLst>
+          </p:cNvPr>
+          <p:cNvSpPr/>
+          <p:nvPr/>
+        </p:nvSpPr>
+        <p:spPr>
+          <a:xfrm>
+            <a:off x="384809" y="9722356"/>
+            <a:ext cx="6840000" cy="6846"/>
+          </a:xfrm>
+          <a:prstGeom prst="rect">
+            <a:avLst/>
+          </a:prstGeom>
+          <a:solidFill>
+            <a:srgbClr val="C5AF5C"/>
+          </a:solidFill>
+          <a:ln w="3175">
+            <a:miter lim="400000"/>
+          </a:ln>
+        </p:spPr>
+        <p:txBody>
+          <a:bodyPr lIns="20981" tIns="20981" rIns="20981" bIns="20981" anchor="ctr"/>
+          <a:lstStyle/>
+          <a:p>
+            <a:pPr algn="ctr" defTabSz="825500">
+              <a:lnSpc>
+                <a:spcPct val="100000"/>
+              </a:lnSpc>
+              <a:defRPr sz="3200" b="0">
+                <a:solidFill>
+                  <a:srgbClr val="FFFFFF"/>
+                </a:solidFill>
+                <a:latin typeface="Helvetica Neue Medium"/>
+                <a:ea typeface="Helvetica Neue Medium"/>
+                <a:cs typeface="Helvetica Neue Medium"/>
+                <a:sym typeface="Helvetica Neue Medium"/>
+              </a:defRPr>
+            </a:pPr>
+            <a:endParaRPr/>
           </a:p>
         </p:txBody>
       </p:sp>
@@ -31730,7 +32410,7 @@
         </p:nvSpPr>
         <p:spPr>
           <a:xfrm>
-            <a:off x="541297" y="9536636"/>
+            <a:off x="539837" y="9727492"/>
             <a:ext cx="6480000" cy="6846"/>
           </a:xfrm>
           <a:prstGeom prst="rect">
@@ -31780,7 +32460,7 @@
         <p:spPr>
           <a:xfrm>
             <a:off x="361950" y="960898"/>
-            <a:ext cx="6837887" cy="6842771"/>
+            <a:ext cx="6837887" cy="5714898"/>
           </a:xfrm>
           <a:prstGeom prst="rect">
             <a:avLst/>
@@ -31811,6 +32491,21 @@
             </a:r>
           </a:p>
           <a:p>
+            <a:pPr algn="just">
+              <a:lnSpc>
+                <a:spcPct val="95000"/>
+              </a:lnSpc>
+              <a:spcBef>
+                <a:spcPts val="600"/>
+              </a:spcBef>
+            </a:pPr>
+            <a:endParaRPr lang="fr-FR" sz="1000" b="1" dirty="0">
+              <a:solidFill>
+                <a:srgbClr val="B9A049"/>
+              </a:solidFill>
+            </a:endParaRPr>
+          </a:p>
+          <a:p>
             <a:pPr marL="171450" indent="-171450" algn="just">
               <a:lnSpc>
                 <a:spcPct val="95000"/>
@@ -31916,6 +32611,18 @@
               </a:rPr>
               <a:t>).</a:t>
             </a:r>
+          </a:p>
+          <a:p>
+            <a:pPr marL="171450" indent="-171450" algn="just">
+              <a:lnSpc>
+                <a:spcPct val="95000"/>
+              </a:lnSpc>
+              <a:spcAft>
+                <a:spcPts val="200"/>
+              </a:spcAft>
+              <a:buFont typeface="Arial" panose="020B0604020202020204" pitchFamily="34" charset="0"/>
+              <a:buChar char="•"/>
+            </a:pPr>
             <a:endParaRPr lang="fr-FR" sz="800" dirty="0">
               <a:solidFill>
                 <a:srgbClr val="000000"/>
@@ -32013,6 +32720,21 @@
             </a:r>
           </a:p>
           <a:p>
+            <a:pPr marL="0" lvl="1" algn="just">
+              <a:lnSpc>
+                <a:spcPct val="95000"/>
+              </a:lnSpc>
+              <a:spcBef>
+                <a:spcPts val="600"/>
+              </a:spcBef>
+            </a:pPr>
+            <a:endParaRPr lang="fr-FR" sz="1000" b="1" dirty="0">
+              <a:solidFill>
+                <a:srgbClr val="B9A049"/>
+              </a:solidFill>
+            </a:endParaRPr>
+          </a:p>
+          <a:p>
             <a:pPr marL="171450" indent="-171450" algn="just">
               <a:lnSpc>
                 <a:spcPct val="95000"/>
@@ -32147,58 +32869,14 @@
           <a:p>
             <a:pPr marL="171450" indent="-171450" algn="just">
               <a:lnSpc>
-                <a:spcPct val="92000"/>
-              </a:lnSpc>
-              <a:spcBef>
-                <a:spcPts val="200"/>
-              </a:spcBef>
+                <a:spcPct val="95000"/>
+              </a:lnSpc>
               <a:spcAft>
                 <a:spcPts val="200"/>
               </a:spcAft>
               <a:buFont typeface="Arial" panose="020B0604020202020204" pitchFamily="34" charset="0"/>
               <a:buChar char="•"/>
             </a:pPr>
-            <a:r>
-              <a:rPr lang="fr-FR" sz="800" b="1" dirty="0">
-                <a:solidFill>
-                  <a:srgbClr val="000000"/>
-                </a:solidFill>
-              </a:rPr>
-              <a:t>L’investisseur est exposé à un éventuel défaut de paiement et/ou de faillite </a:t>
-            </a:r>
-            <a:r>
-              <a:rPr lang="fr-FR" sz="800" dirty="0">
-                <a:solidFill>
-                  <a:srgbClr val="000000"/>
-                </a:solidFill>
-              </a:rPr>
-              <a:t>(qui induit un risque de non remboursement) ou à une </a:t>
-            </a:r>
-            <a:r>
-              <a:rPr lang="fr-FR" sz="800" b="1" dirty="0">
-                <a:solidFill>
-                  <a:srgbClr val="000000"/>
-                </a:solidFill>
-              </a:rPr>
-              <a:t>dégradation de la qualité de crédit</a:t>
-            </a:r>
-            <a:r>
-              <a:rPr lang="fr-FR" sz="800" dirty="0">
-                <a:solidFill>
-                  <a:srgbClr val="000000"/>
-                </a:solidFill>
-              </a:rPr>
-              <a:t> </a:t>
-            </a:r>
-            <a:r>
-              <a:rPr lang="fr-FR" sz="800" dirty="0">
-                <a:solidFill>
-                  <a:srgbClr val="000000"/>
-                </a:solidFill>
-                <a:latin typeface="Proxima Nova Rg" panose="02000506030000020004" pitchFamily="2" charset="0"/>
-              </a:rPr>
-              <a:t>(qui induit un risque sur la valeur de marché du titre de créance) de l’Émetteur.</a:t>
-            </a:r>
             <a:endParaRPr lang="fr-FR" sz="800" dirty="0">
               <a:solidFill>
                 <a:srgbClr val="000000"/>
@@ -32208,11 +32886,8 @@
           <a:p>
             <a:pPr marL="171450" indent="-171450" algn="just">
               <a:lnSpc>
-                <a:spcPct val="92000"/>
-              </a:lnSpc>
-              <a:spcBef>
-                <a:spcPts val="200"/>
-              </a:spcBef>
+                <a:spcPct val="95000"/>
+              </a:lnSpc>
               <a:spcAft>
                 <a:spcPts val="200"/>
               </a:spcAft>
@@ -32225,83 +32900,25 @@
                   <a:srgbClr val="000000"/>
                 </a:solidFill>
               </a:rPr>
-              <a:t>L’investisseur ne connaît pas à l’avance la durée exacte de son investissement qui peut varier de </a:t>
-            </a:r>
-            <a:r>
-              <a:rPr lang="fr-FR" sz="800" b="1" dirty="0">
-                <a:solidFill>
-                  <a:srgbClr val="000000"/>
-                </a:solidFill>
-              </a:rPr>
-              <a:t>&lt;1PR&gt; à &lt;DPRR&gt; &lt;F0&gt;&lt;F0s&gt;.</a:t>
+              <a:t>En cas de revente des titres de créance avant la date de remboursement final(1), il est impossible de mesurer a priori le gain ou la perte possible, le prix pratiqué dépendant alors des paramètres de marché du jour. La perte en capital peut être partielle ou totale. Si le cadre d’investissement du produit est un contrat d’assurance vie ou de capitalisation, le dénouement ou le rachat partiel de celui-ci peut entraîner le désinvestissement des unités de compte adossées aux titres de créance avant leur date de remboursement final.</a:t>
             </a:r>
           </a:p>
           <a:p>
             <a:pPr marL="171450" indent="-171450" algn="just">
               <a:lnSpc>
-                <a:spcPct val="92000"/>
-              </a:lnSpc>
-              <a:spcBef>
-                <a:spcPts val="200"/>
-              </a:spcBef>
+                <a:spcPct val="95000"/>
+              </a:lnSpc>
               <a:spcAft>
                 <a:spcPts val="200"/>
               </a:spcAft>
               <a:buFont typeface="Arial" panose="020B0604020202020204" pitchFamily="34" charset="0"/>
               <a:buChar char="•"/>
             </a:pPr>
-            <a:r>
-              <a:rPr lang="fr-FR" sz="800" dirty="0">
-                <a:solidFill>
-                  <a:srgbClr val="000000"/>
-                </a:solidFill>
-              </a:rPr>
-              <a:t>L’investisseur peut ne bénéficier que d’une hausse partielle &lt;SJR7&gt;, du fait du </a:t>
-            </a:r>
-            <a:r>
-              <a:rPr lang="fr-FR" sz="800" b="1" dirty="0">
-                <a:solidFill>
-                  <a:srgbClr val="000000"/>
-                </a:solidFill>
-              </a:rPr>
-              <a:t>mécanisme de plafonnement des gains à &lt;CPN&gt; par &lt;F0&gt; &lt;F2&gt; depuis le &lt;DDCI&gt; </a:t>
-            </a:r>
-            <a:r>
-              <a:rPr lang="fr-FR" sz="800" dirty="0">
-                <a:solidFill>
-                  <a:srgbClr val="000000"/>
-                </a:solidFill>
-              </a:rPr>
-              <a:t>(soit un Taux de Rendement Annuel net maximum de &lt;TRA.F.A&gt;</a:t>
-            </a:r>
-            <a:r>
-              <a:rPr lang="fr-FR" sz="800" baseline="30000" dirty="0">
-                <a:solidFill>
-                  <a:srgbClr val="000000"/>
-                </a:solidFill>
-                <a:ea typeface="SimSun" pitchFamily="2" charset="-122"/>
-                <a:cs typeface="Times New Roman" pitchFamily="18" charset="0"/>
-              </a:rPr>
-              <a:t>(2)</a:t>
-            </a:r>
-            <a:r>
-              <a:rPr lang="fr-FR" sz="800" dirty="0">
-                <a:solidFill>
-                  <a:srgbClr val="000000"/>
-                </a:solidFill>
-                <a:ea typeface="SimSun" pitchFamily="2" charset="-122"/>
-                <a:cs typeface="Times New Roman" pitchFamily="18" charset="0"/>
-              </a:rPr>
-              <a:t>)</a:t>
-            </a:r>
-            <a:r>
-              <a:rPr lang="fr-FR" sz="800" dirty="0">
-                <a:solidFill>
-                  <a:srgbClr val="000000"/>
-                </a:solidFill>
-              </a:rPr>
-              <a:t>.</a:t>
-            </a:r>
+            <a:endParaRPr lang="fr-FR" sz="800" dirty="0">
+              <a:solidFill>
+                <a:srgbClr val="000000"/>
+              </a:solidFill>
+            </a:endParaRPr>
           </a:p>
           <a:p>
             <a:pPr marL="171450" indent="-171450" algn="just">
@@ -32323,6 +32940,220 @@
                   <a:srgbClr val="000000"/>
                 </a:solidFill>
               </a:rPr>
+              <a:t>L’investisseur est exposé à un éventuel défaut de paiement et/ou de faillite </a:t>
+            </a:r>
+            <a:r>
+              <a:rPr lang="fr-FR" sz="800" dirty="0">
+                <a:solidFill>
+                  <a:srgbClr val="000000"/>
+                </a:solidFill>
+              </a:rPr>
+              <a:t>(qui induit un risque de non remboursement) ou à une </a:t>
+            </a:r>
+            <a:r>
+              <a:rPr lang="fr-FR" sz="800" b="1" dirty="0">
+                <a:solidFill>
+                  <a:srgbClr val="000000"/>
+                </a:solidFill>
+              </a:rPr>
+              <a:t>dégradation de la qualité de crédit</a:t>
+            </a:r>
+            <a:r>
+              <a:rPr lang="fr-FR" sz="800" dirty="0">
+                <a:solidFill>
+                  <a:srgbClr val="000000"/>
+                </a:solidFill>
+              </a:rPr>
+              <a:t> </a:t>
+            </a:r>
+            <a:r>
+              <a:rPr lang="fr-FR" sz="800" dirty="0">
+                <a:solidFill>
+                  <a:srgbClr val="000000"/>
+                </a:solidFill>
+                <a:latin typeface="Proxima Nova Rg" panose="02000506030000020004" pitchFamily="2" charset="0"/>
+              </a:rPr>
+              <a:t>(qui induit un risque sur la valeur de marché du titre de créance) de l’Émetteur.</a:t>
+            </a:r>
+          </a:p>
+          <a:p>
+            <a:pPr marL="171450" indent="-171450" algn="just">
+              <a:lnSpc>
+                <a:spcPct val="92000"/>
+              </a:lnSpc>
+              <a:spcBef>
+                <a:spcPts val="200"/>
+              </a:spcBef>
+              <a:spcAft>
+                <a:spcPts val="200"/>
+              </a:spcAft>
+              <a:buFont typeface="Arial" panose="020B0604020202020204" pitchFamily="34" charset="0"/>
+              <a:buChar char="•"/>
+            </a:pPr>
+            <a:endParaRPr lang="fr-FR" sz="800" dirty="0">
+              <a:solidFill>
+                <a:srgbClr val="000000"/>
+              </a:solidFill>
+            </a:endParaRPr>
+          </a:p>
+          <a:p>
+            <a:pPr marL="171450" indent="-171450" algn="just">
+              <a:lnSpc>
+                <a:spcPct val="92000"/>
+              </a:lnSpc>
+              <a:spcBef>
+                <a:spcPts val="200"/>
+              </a:spcBef>
+              <a:spcAft>
+                <a:spcPts val="200"/>
+              </a:spcAft>
+              <a:buFont typeface="Arial" panose="020B0604020202020204" pitchFamily="34" charset="0"/>
+              <a:buChar char="•"/>
+            </a:pPr>
+            <a:r>
+              <a:rPr lang="fr-FR" sz="800" dirty="0">
+                <a:solidFill>
+                  <a:srgbClr val="000000"/>
+                </a:solidFill>
+              </a:rPr>
+              <a:t>L’investisseur ne connaît pas à l’avance la durée exacte de son investissement qui peut varier de </a:t>
+            </a:r>
+            <a:r>
+              <a:rPr lang="fr-FR" sz="800" b="1" dirty="0">
+                <a:solidFill>
+                  <a:srgbClr val="000000"/>
+                </a:solidFill>
+              </a:rPr>
+              <a:t>&lt;1PR&gt; à &lt;DPRR&gt; &lt;F0&gt;&lt;F0s&gt;.</a:t>
+            </a:r>
+          </a:p>
+          <a:p>
+            <a:pPr marL="171450" indent="-171450" algn="just">
+              <a:lnSpc>
+                <a:spcPct val="92000"/>
+              </a:lnSpc>
+              <a:spcBef>
+                <a:spcPts val="200"/>
+              </a:spcBef>
+              <a:spcAft>
+                <a:spcPts val="200"/>
+              </a:spcAft>
+              <a:buFont typeface="Arial" panose="020B0604020202020204" pitchFamily="34" charset="0"/>
+              <a:buChar char="•"/>
+            </a:pPr>
+            <a:endParaRPr lang="fr-FR" sz="800" b="1" dirty="0">
+              <a:solidFill>
+                <a:srgbClr val="000000"/>
+              </a:solidFill>
+            </a:endParaRPr>
+          </a:p>
+          <a:p>
+            <a:pPr marL="171450" indent="-171450" algn="just">
+              <a:lnSpc>
+                <a:spcPct val="92000"/>
+              </a:lnSpc>
+              <a:spcBef>
+                <a:spcPts val="200"/>
+              </a:spcBef>
+              <a:spcAft>
+                <a:spcPts val="200"/>
+              </a:spcAft>
+              <a:buFont typeface="Arial" panose="020B0604020202020204" pitchFamily="34" charset="0"/>
+              <a:buChar char="•"/>
+            </a:pPr>
+            <a:r>
+              <a:rPr lang="fr-FR" sz="800" dirty="0">
+                <a:solidFill>
+                  <a:srgbClr val="000000"/>
+                </a:solidFill>
+              </a:rPr>
+              <a:t>L’investisseur peut ne bénéficier que d’une hausse partielle &lt;SJR7&gt;, du fait du </a:t>
+            </a:r>
+            <a:r>
+              <a:rPr lang="fr-FR" sz="800" b="1" dirty="0">
+                <a:solidFill>
+                  <a:srgbClr val="000000"/>
+                </a:solidFill>
+              </a:rPr>
+              <a:t>mécanisme de plafonnement des gains à &lt;CPN&gt; par &lt;F0&gt; &lt;F2&gt; depuis le &lt;DDCI&gt; </a:t>
+            </a:r>
+            <a:r>
+              <a:rPr lang="fr-FR" sz="800" dirty="0">
+                <a:solidFill>
+                  <a:srgbClr val="000000"/>
+                </a:solidFill>
+              </a:rPr>
+              <a:t>(soit un Taux de Rendement Annuel net maximum de &lt;TRA.F.A&gt;</a:t>
+            </a:r>
+            <a:r>
+              <a:rPr lang="fr-FR" sz="800" baseline="30000" dirty="0">
+                <a:solidFill>
+                  <a:srgbClr val="000000"/>
+                </a:solidFill>
+                <a:ea typeface="SimSun" pitchFamily="2" charset="-122"/>
+                <a:cs typeface="Times New Roman" pitchFamily="18" charset="0"/>
+              </a:rPr>
+              <a:t>(2)</a:t>
+            </a:r>
+            <a:r>
+              <a:rPr lang="fr-FR" sz="800" dirty="0">
+                <a:solidFill>
+                  <a:srgbClr val="000000"/>
+                </a:solidFill>
+                <a:ea typeface="SimSun" pitchFamily="2" charset="-122"/>
+                <a:cs typeface="Times New Roman" pitchFamily="18" charset="0"/>
+              </a:rPr>
+              <a:t>)</a:t>
+            </a:r>
+            <a:r>
+              <a:rPr lang="fr-FR" sz="800" dirty="0">
+                <a:solidFill>
+                  <a:srgbClr val="000000"/>
+                </a:solidFill>
+              </a:rPr>
+              <a:t>.</a:t>
+            </a:r>
+          </a:p>
+          <a:p>
+            <a:pPr marL="171450" indent="-171450" algn="just">
+              <a:lnSpc>
+                <a:spcPct val="92000"/>
+              </a:lnSpc>
+              <a:spcBef>
+                <a:spcPts val="200"/>
+              </a:spcBef>
+              <a:spcAft>
+                <a:spcPts val="200"/>
+              </a:spcAft>
+              <a:buFont typeface="Arial" panose="020B0604020202020204" pitchFamily="34" charset="0"/>
+              <a:buChar char="•"/>
+            </a:pPr>
+            <a:endParaRPr lang="fr-FR" sz="800" dirty="0">
+              <a:solidFill>
+                <a:srgbClr val="000000"/>
+              </a:solidFill>
+            </a:endParaRPr>
+          </a:p>
+          <a:p>
+            <a:pPr marL="171450" indent="-171450" algn="just">
+              <a:lnSpc>
+                <a:spcPct val="92000"/>
+              </a:lnSpc>
+              <a:spcBef>
+                <a:spcPts val="200"/>
+              </a:spcBef>
+              <a:spcAft>
+                <a:spcPts val="200"/>
+              </a:spcAft>
+              <a:buFont typeface="Arial" panose="020B0604020202020204" pitchFamily="34" charset="0"/>
+              <a:buChar char="•"/>
+            </a:pPr>
+            <a:r>
+              <a:rPr lang="fr-FR" sz="800" b="1" dirty="0">
+                <a:solidFill>
+                  <a:srgbClr val="000000"/>
+                </a:solidFill>
+              </a:rPr>
               <a:t>Le rendement de « &lt;NOM&gt; » est très sensible à une faible variation du &lt;SJR3&gt; de clôture &lt;SJR7&gt; autour du seuil de </a:t>
             </a:r>
             <a:r>
@@ -32356,6 +33187,25 @@
               </a:rPr>
               <a:t>.</a:t>
             </a:r>
+          </a:p>
+          <a:p>
+            <a:pPr marL="171450" indent="-171450" algn="just">
+              <a:lnSpc>
+                <a:spcPct val="92000"/>
+              </a:lnSpc>
+              <a:spcBef>
+                <a:spcPts val="200"/>
+              </a:spcBef>
+              <a:spcAft>
+                <a:spcPts val="200"/>
+              </a:spcAft>
+              <a:buFont typeface="Arial" panose="020B0604020202020204" pitchFamily="34" charset="0"/>
+              <a:buChar char="•"/>
+            </a:pPr>
+            <a:endParaRPr lang="fr-FR" sz="800" b="1" dirty="0">
+              <a:effectLst/>
+              <a:ea typeface="Calibri" panose="020F0502020204030204" pitchFamily="34" charset="0"/>
+            </a:endParaRPr>
           </a:p>
           <a:p>
             <a:pPr marL="171450" indent="-171450" algn="just">
@@ -32403,306 +33253,6 @@
                 <a:srgbClr val="FFFF00"/>
               </a:highlight>
             </a:endParaRPr>
-          </a:p>
-          <a:p>
-            <a:pPr marL="0" lvl="1" indent="0" algn="just">
-              <a:lnSpc>
-                <a:spcPct val="95000"/>
-              </a:lnSpc>
-              <a:spcBef>
-                <a:spcPts val="600"/>
-              </a:spcBef>
-              <a:spcAft>
-                <a:spcPts val="200"/>
-              </a:spcAft>
-              <a:buNone/>
-            </a:pPr>
-            <a:r>
-              <a:rPr lang="fr-FR" sz="1000" b="1" dirty="0">
-                <a:solidFill>
-                  <a:srgbClr val="B9A049"/>
-                </a:solidFill>
-              </a:rPr>
-              <a:t>PRINCIPAUX FACTEURS DE RISQUES</a:t>
-            </a:r>
-          </a:p>
-          <a:p>
-            <a:pPr algn="just">
-              <a:lnSpc>
-                <a:spcPct val="95000"/>
-              </a:lnSpc>
-            </a:pPr>
-            <a:r>
-              <a:rPr lang="fr-FR" sz="800" i="1" dirty="0">
-                <a:solidFill>
-                  <a:srgbClr val="000000"/>
-                </a:solidFill>
-              </a:rPr>
-              <a:t>Les investisseurs sont invités à lire attentivement la section « Facteurs de Risques » du Prospectus de base. </a:t>
-            </a:r>
-          </a:p>
-          <a:p>
-            <a:pPr algn="just">
-              <a:lnSpc>
-                <a:spcPct val="95000"/>
-              </a:lnSpc>
-              <a:spcAft>
-                <a:spcPts val="600"/>
-              </a:spcAft>
-            </a:pPr>
-            <a:r>
-              <a:rPr lang="fr-FR" sz="800" b="1" u="sng" dirty="0">
-                <a:solidFill>
-                  <a:srgbClr val="000000"/>
-                </a:solidFill>
-              </a:rPr>
-              <a:t>Ces risques sont notamment :</a:t>
-            </a:r>
-            <a:endParaRPr lang="fr-FR" sz="800" i="1" u="sng" dirty="0">
-              <a:solidFill>
-                <a:srgbClr val="000000"/>
-              </a:solidFill>
-            </a:endParaRPr>
-          </a:p>
-          <a:p>
-            <a:pPr marL="171450" indent="-171450" algn="just">
-              <a:lnSpc>
-                <a:spcPct val="90000"/>
-              </a:lnSpc>
-              <a:spcAft>
-                <a:spcPts val="200"/>
-              </a:spcAft>
-              <a:buFont typeface="Arial" panose="020B0604020202020204" pitchFamily="34" charset="0"/>
-              <a:buChar char="•"/>
-            </a:pPr>
-            <a:r>
-              <a:rPr lang="fr-FR" sz="800" b="1" dirty="0">
-                <a:solidFill>
-                  <a:srgbClr val="000000"/>
-                </a:solidFill>
-              </a:rPr>
-              <a:t>Risque de crédit : </a:t>
-            </a:r>
-            <a:r>
-              <a:rPr lang="fr-FR" sz="800" dirty="0">
-                <a:solidFill>
-                  <a:srgbClr val="000000"/>
-                </a:solidFill>
-              </a:rPr>
-              <a:t>L’investisseur supporte le risque de défaut de paiement et de faillite de l’Émetteur ainsi que le risque de défaut de paiement, de faillite et de mise en résolution du Garant de la formule. Conformément à la règlementation relative au mécanisme de renflouement interne des institutions financières (bail-in), en cas de défaillance probable ou certaine du Garant de la formule, l’investisseur est susceptible de ne pas recouvrer, le cas échéant, la totalité ou partie du montant qui est dû par le Garant de la formule au titre de la Garantie ou l’Investisseur peut être susceptible de recevoir, le cas échéant, tout autre instrument financier émis par le Garant de la formule (ou toute autre entité) en remplacement du montant qui est dû au titre des titres de créance émis par l’Émetteur.</a:t>
-            </a:r>
-            <a:endParaRPr lang="fr-FR" sz="800" b="1" dirty="0">
-              <a:solidFill>
-                <a:srgbClr val="000000"/>
-              </a:solidFill>
-            </a:endParaRPr>
-          </a:p>
-          <a:p>
-            <a:pPr marL="171450" indent="-171450" algn="just">
-              <a:lnSpc>
-                <a:spcPct val="90000"/>
-              </a:lnSpc>
-              <a:spcAft>
-                <a:spcPts val="200"/>
-              </a:spcAft>
-              <a:buFont typeface="Arial" panose="020B0604020202020204" pitchFamily="34" charset="0"/>
-              <a:buChar char="•"/>
-            </a:pPr>
-            <a:r>
-              <a:rPr lang="fr-FR" sz="800" b="1" dirty="0">
-                <a:solidFill>
-                  <a:srgbClr val="000000"/>
-                </a:solidFill>
-              </a:rPr>
-              <a:t>Risque de marché : </a:t>
-            </a:r>
-            <a:r>
-              <a:rPr lang="fr-FR" sz="800" dirty="0">
-                <a:solidFill>
-                  <a:srgbClr val="000000"/>
-                </a:solidFill>
-              </a:rPr>
-              <a:t>Le produit peut connaître à tout moment d’importantes fluctuations de cours (en raison notamment de l’évolution du prix, du (ou des) instrument(s) sous-jacent(s) et des taux d’intérêt), pouvant aboutir dans certains cas à la perte totale du montant investi.</a:t>
-            </a:r>
-          </a:p>
-          <a:p>
-            <a:pPr marL="171450" indent="-171450" algn="just">
-              <a:lnSpc>
-                <a:spcPct val="90000"/>
-              </a:lnSpc>
-              <a:spcAft>
-                <a:spcPts val="200"/>
-              </a:spcAft>
-              <a:buFont typeface="Arial" panose="020B0604020202020204" pitchFamily="34" charset="0"/>
-              <a:buChar char="•"/>
-            </a:pPr>
-            <a:r>
-              <a:rPr lang="fr-FR" sz="800" b="1" dirty="0">
-                <a:solidFill>
-                  <a:srgbClr val="000000"/>
-                </a:solidFill>
-              </a:rPr>
-              <a:t>Risque de liquidité : </a:t>
-            </a:r>
-            <a:r>
-              <a:rPr lang="fr-FR" sz="800" dirty="0">
-                <a:solidFill>
-                  <a:srgbClr val="000000"/>
-                </a:solidFill>
-              </a:rPr>
-              <a:t>Certaines conditions exceptionnelles de marché peuvent avoir un effet défavorable sur la liquidité du produit, voire même rendre le produit totalement illiquide, ce qui peut rendre impossible la vente du produit et entraîner la perte totale ou partielle du montant investi.</a:t>
-            </a:r>
-          </a:p>
-          <a:p>
-            <a:pPr marL="171450" indent="-171450" algn="just">
-              <a:lnSpc>
-                <a:spcPct val="90000"/>
-              </a:lnSpc>
-              <a:spcAft>
-                <a:spcPts val="200"/>
-              </a:spcAft>
-              <a:buFont typeface="Arial" panose="020B0604020202020204" pitchFamily="34" charset="0"/>
-              <a:buChar char="•"/>
-            </a:pPr>
-            <a:r>
-              <a:rPr lang="fr-FR" sz="800" b="1" dirty="0">
-                <a:solidFill>
-                  <a:srgbClr val="000000"/>
-                </a:solidFill>
-              </a:rPr>
-              <a:t>Risque de perte en capital : </a:t>
-            </a:r>
-            <a:r>
-              <a:rPr lang="fr-FR" sz="800" dirty="0">
-                <a:solidFill>
-                  <a:srgbClr val="000000"/>
-                </a:solidFill>
-              </a:rPr>
-              <a:t>Le produit présente un risque de perte en capital. La valeur de remboursement du produit peut être inférieure au montant de l’investissement initial. Dans le pire des scénarios, les investisseurs peuvent perdre jusqu’à la totalité de leur investissement.</a:t>
-            </a:r>
-          </a:p>
-          <a:p>
-            <a:pPr marL="171450" indent="-171450" algn="just">
-              <a:lnSpc>
-                <a:spcPct val="90000"/>
-              </a:lnSpc>
-              <a:spcAft>
-                <a:spcPts val="200"/>
-              </a:spcAft>
-              <a:buFont typeface="Arial" panose="020B0604020202020204" pitchFamily="34" charset="0"/>
-              <a:buChar char="•"/>
-            </a:pPr>
-            <a:r>
-              <a:rPr lang="fr-FR" sz="800" b="1" dirty="0">
-                <a:solidFill>
-                  <a:srgbClr val="000000"/>
-                </a:solidFill>
-                <a:highlight>
-                  <a:srgbClr val="FF00FF"/>
-                </a:highlight>
-              </a:rPr>
-              <a:t>Risque lié au sous-jacent : </a:t>
-            </a:r>
-            <a:r>
-              <a:rPr lang="fr-FR" sz="800" dirty="0">
-                <a:solidFill>
-                  <a:srgbClr val="000000"/>
-                </a:solidFill>
-                <a:highlight>
-                  <a:srgbClr val="FF00FF"/>
-                </a:highlight>
-              </a:rPr>
-              <a:t>Le mécanisme de remboursement est lié à l’évolution du &lt;SJR3&gt; &lt;SJR7&gt; et donc à l’évolution des marchés actions.</a:t>
-            </a:r>
-          </a:p>
-          <a:p>
-            <a:pPr marL="171450" indent="-171450" algn="just">
-              <a:lnSpc>
-                <a:spcPct val="90000"/>
-              </a:lnSpc>
-              <a:spcAft>
-                <a:spcPts val="200"/>
-              </a:spcAft>
-              <a:buFont typeface="Arial" panose="020B0604020202020204" pitchFamily="34" charset="0"/>
-              <a:buChar char="•"/>
-            </a:pPr>
-            <a:r>
-              <a:rPr lang="fr-FR" sz="800" b="1" dirty="0">
-                <a:solidFill>
-                  <a:srgbClr val="000000"/>
-                </a:solidFill>
-                <a:highlight>
-                  <a:srgbClr val="FF00FF"/>
-                </a:highlight>
-              </a:rPr>
-              <a:t>Risque découlant de la nature du support : </a:t>
-            </a:r>
-            <a:r>
-              <a:rPr lang="fr-FR" sz="800" dirty="0">
-                <a:solidFill>
-                  <a:srgbClr val="000000"/>
-                </a:solidFill>
-                <a:highlight>
-                  <a:srgbClr val="FF00FF"/>
-                </a:highlight>
-              </a:rPr>
-              <a:t>En cas de revente du produit avant l’échéance ou, selon le cas, à la date de remboursement anticipé automatique</a:t>
-            </a:r>
-            <a:r>
-              <a:rPr lang="fr-FR" sz="800" baseline="30000" dirty="0">
-                <a:solidFill>
-                  <a:srgbClr val="000000"/>
-                </a:solidFill>
-                <a:highlight>
-                  <a:srgbClr val="FF00FF"/>
-                </a:highlight>
-              </a:rPr>
-              <a:t>(1)</a:t>
-            </a:r>
-            <a:r>
-              <a:rPr lang="fr-FR" sz="800" dirty="0">
-                <a:solidFill>
-                  <a:srgbClr val="000000"/>
-                </a:solidFill>
-                <a:highlight>
-                  <a:srgbClr val="FF00FF"/>
-                </a:highlight>
-              </a:rPr>
-              <a:t>, alors que les conditions de remboursement anticipé automatique ne sont pas remplies, il est impossible de mesurer a priori le gain ou la perte possibles, le prix pratiqué dépendant alors des conditions de marché en vigueur. Si le cadre d’investissement du produit est un contrat d’assurance vie ou de capitalisation, le dénouement (notamment par rachat ou décès de l’assuré), l’arbitrage ou le rachat partiel de celui-ci peuvent entraîner le désinvestissement des unités de compte adossées aux titres avant leur dates d’échéance</a:t>
-            </a:r>
-            <a:r>
-              <a:rPr lang="fr-FR" sz="800" baseline="30000" dirty="0">
-                <a:solidFill>
-                  <a:srgbClr val="000000"/>
-                </a:solidFill>
-                <a:highlight>
-                  <a:srgbClr val="FF00FF"/>
-                </a:highlight>
-              </a:rPr>
-              <a:t>(1)</a:t>
-            </a:r>
-            <a:r>
-              <a:rPr lang="fr-FR" sz="800" dirty="0">
-                <a:solidFill>
-                  <a:srgbClr val="000000"/>
-                </a:solidFill>
-                <a:highlight>
-                  <a:srgbClr val="FF00FF"/>
-                </a:highlight>
-              </a:rPr>
-              <a:t>. Ainsi, le montant remboursé pourra être très différent (inférieur ou supérieur) du montant résultant de l’application de la formule annoncée. </a:t>
-            </a:r>
-            <a:r>
-              <a:rPr lang="fr-FR" sz="800" b="1" dirty="0">
-                <a:solidFill>
-                  <a:srgbClr val="000000"/>
-                </a:solidFill>
-                <a:highlight>
-                  <a:srgbClr val="FF00FF"/>
-                </a:highlight>
-              </a:rPr>
-              <a:t>Il existe donc un risque de perte en capital partielle ou totale. Il est précisé que l’Assureur, d'une part, l'Emetteur et le Garant de la formule d'autre part sont des entités juridiques indépendantes.</a:t>
-            </a:r>
           </a:p>
         </p:txBody>
       </p:sp>
@@ -33152,7 +33702,7 @@
         <p:spPr>
           <a:xfrm>
             <a:off x="359839" y="960898"/>
-            <a:ext cx="6839998" cy="7076681"/>
+            <a:ext cx="6839998" cy="6003438"/>
           </a:xfrm>
           <a:prstGeom prst="rect">
             <a:avLst/>
@@ -33183,6 +33733,21 @@
             </a:r>
           </a:p>
           <a:p>
+            <a:pPr algn="just">
+              <a:lnSpc>
+                <a:spcPct val="95000"/>
+              </a:lnSpc>
+              <a:spcBef>
+                <a:spcPts val="600"/>
+              </a:spcBef>
+            </a:pPr>
+            <a:endParaRPr lang="fr-FR" sz="1000" b="1" dirty="0">
+              <a:solidFill>
+                <a:srgbClr val="B9A049"/>
+              </a:solidFill>
+            </a:endParaRPr>
+          </a:p>
+          <a:p>
             <a:pPr marL="171450" indent="-171450" algn="just">
               <a:lnSpc>
                 <a:spcPct val="95000"/>
@@ -33231,18 +33796,20 @@
                 <a:ea typeface="SimSun" pitchFamily="2" charset="-122"/>
                 <a:cs typeface="Times New Roman" pitchFamily="18" charset="0"/>
               </a:rPr>
-              <a:t>.</a:t>
-            </a:r>
-            <a:r>
-              <a:rPr lang="fr-FR" sz="800">
-                <a:solidFill>
-                  <a:srgbClr val="000000"/>
-                </a:solidFill>
-                <a:ea typeface="SimSun" pitchFamily="2" charset="-122"/>
-                <a:cs typeface="Times New Roman" pitchFamily="18" charset="0"/>
-              </a:rPr>
-              <a:t> &lt;Mémoire3&gt;</a:t>
-            </a:r>
+              <a:t>. &lt;Mémoire3&gt;</a:t>
+            </a:r>
+          </a:p>
+          <a:p>
+            <a:pPr marL="171450" indent="-171450" algn="just">
+              <a:lnSpc>
+                <a:spcPct val="95000"/>
+              </a:lnSpc>
+              <a:spcAft>
+                <a:spcPts val="200"/>
+              </a:spcAft>
+              <a:buFont typeface="Arial" panose="020B0604020202020204" pitchFamily="34" charset="0"/>
+              <a:buChar char="•"/>
+            </a:pPr>
             <a:endParaRPr lang="fr-FR" sz="800" dirty="0">
               <a:solidFill>
                 <a:srgbClr val="000000"/>
@@ -33263,12 +33830,20 @@
               <a:buChar char="•"/>
             </a:pPr>
             <a:r>
-              <a:rPr lang="fr-FR" sz="800">
+              <a:rPr lang="fr-FR" sz="800" dirty="0">
                 <a:solidFill>
                   <a:srgbClr val="000000"/>
                 </a:solidFill>
               </a:rPr>
-              <a:t>A l’issue </a:t>
+              <a:t>A l’issue &lt;DU&gt; &lt;F0&gt; &lt;1PR&gt; à &lt;ADPR&gt;, si à l’une des dates de constatation &lt;F1&gt; correspondantes</a:t>
+            </a:r>
+            <a:r>
+              <a:rPr lang="fr-FR" sz="800" baseline="30000" dirty="0">
+                <a:solidFill>
+                  <a:srgbClr val="000000"/>
+                </a:solidFill>
+              </a:rPr>
+              <a:t>(1)</a:t>
             </a:r>
             <a:r>
               <a:rPr lang="fr-FR" sz="800" dirty="0">
@@ -33276,55 +33851,7 @@
                   <a:srgbClr val="000000"/>
                 </a:solidFill>
               </a:rPr>
-              <a:t>&lt;DU&gt; &lt;F0&gt; &lt;1PR&gt; </a:t>
-            </a:r>
-            <a:r>
-              <a:rPr lang="fr-FR" sz="800">
-                <a:solidFill>
-                  <a:srgbClr val="000000"/>
-                </a:solidFill>
-              </a:rPr>
-              <a:t>à</a:t>
-            </a:r>
-            <a:r>
-              <a:rPr lang="fr-FR" sz="800" dirty="0">
-                <a:solidFill>
-                  <a:srgbClr val="000000"/>
-                </a:solidFill>
-              </a:rPr>
-              <a:t> &lt;ADPR&gt;, si à l’une des dates de constatation &lt;F1&gt; correspondantes</a:t>
-            </a:r>
-            <a:r>
-              <a:rPr lang="fr-FR" sz="800" baseline="30000" dirty="0">
-                <a:solidFill>
-                  <a:srgbClr val="000000"/>
-                </a:solidFill>
-              </a:rPr>
-              <a:t>(1)</a:t>
-            </a:r>
-            <a:r>
-              <a:rPr lang="fr-FR" sz="800" dirty="0">
-                <a:solidFill>
-                  <a:srgbClr val="000000"/>
-                </a:solidFill>
-              </a:rPr>
-              <a:t> </a:t>
-            </a:r>
-            <a:r>
-              <a:rPr lang="fr-FR" sz="800">
-                <a:solidFill>
-                  <a:srgbClr val="000000"/>
-                </a:solidFill>
-              </a:rPr>
-              <a:t>,&lt;</a:t>
-            </a:r>
-            <a:r>
-              <a:rPr lang="fr-FR" sz="800" dirty="0">
-                <a:solidFill>
-                  <a:srgbClr val="000000"/>
-                </a:solidFill>
-              </a:rPr>
-              <a:t>SJR1&gt; clôture à un &lt;SJR3&gt; supérieur ou égal à &lt;ABAC&gt;, </a:t>
+              <a:t> ,&lt;SJR1&gt; clôture à un &lt;SJR3&gt; supérieur ou égal à &lt;ABAC&gt;, </a:t>
             </a:r>
             <a:r>
               <a:rPr lang="fr-FR" sz="800" b="1" dirty="0">
@@ -33351,29 +33878,7 @@
                   <a:srgbClr val="00FFFF"/>
                 </a:highlight>
               </a:rPr>
-              <a:t>&lt;TRA</a:t>
-            </a:r>
-            <a:r>
-              <a:rPr lang="fr-FR" sz="800">
-                <a:solidFill>
-                  <a:srgbClr val="000000"/>
-                </a:solidFill>
-                <a:highlight>
-                  <a:srgbClr val="00FFFF"/>
-                </a:highlight>
-              </a:rPr>
-              <a:t>.</a:t>
-            </a:r>
-            <a:r>
-              <a:rPr lang="fr-FR" sz="800" dirty="0">
-                <a:solidFill>
-                  <a:srgbClr val="000000"/>
-                </a:solidFill>
-                <a:highlight>
-                  <a:srgbClr val="00FFFF"/>
-                </a:highlight>
-              </a:rPr>
-              <a:t>MAX.P&gt;</a:t>
+              <a:t>&lt;TRA.MAX.P&gt;</a:t>
             </a:r>
             <a:r>
               <a:rPr lang="fr-FR" sz="800" baseline="30000" dirty="0">
@@ -33408,7 +33913,19 @@
               </a:rPr>
               <a:t>).</a:t>
             </a:r>
-            <a:endParaRPr lang="fr-FR" sz="800">
+          </a:p>
+          <a:p>
+            <a:pPr marL="171450" indent="-171450" algn="just">
+              <a:lnSpc>
+                <a:spcPct val="95000"/>
+              </a:lnSpc>
+              <a:spcAft>
+                <a:spcPts val="200"/>
+              </a:spcAft>
+              <a:buFont typeface="Arial" panose="020B0604020202020204" pitchFamily="34" charset="0"/>
+              <a:buChar char="•"/>
+            </a:pPr>
+            <a:endParaRPr lang="fr-FR" sz="800" dirty="0">
               <a:solidFill>
                 <a:srgbClr val="000000"/>
               </a:solidFill>
@@ -33428,52 +33945,12 @@
               <a:buChar char="•"/>
             </a:pPr>
             <a:r>
-              <a:rPr lang="fr-FR" sz="800">
+              <a:rPr lang="fr-FR" sz="800" dirty="0">
                 <a:solidFill>
                   <a:srgbClr val="000000"/>
                 </a:solidFill>
               </a:rPr>
-              <a:t>Sinon, si</a:t>
-            </a:r>
-            <a:r>
-              <a:rPr lang="fr-FR" sz="800" dirty="0">
-                <a:solidFill>
-                  <a:srgbClr val="000000"/>
-                </a:solidFill>
-              </a:rPr>
-              <a:t> le mécanisme de remboursement anticipé n’a pas été activé au préalable, et si </a:t>
-            </a:r>
-            <a:r>
-              <a:rPr lang="fr-FR" sz="800">
-                <a:solidFill>
-                  <a:srgbClr val="000000"/>
-                </a:solidFill>
-              </a:rPr>
-              <a:t>à la date de constatation finale </a:t>
-            </a:r>
-            <a:r>
-              <a:rPr lang="fr-FR" sz="800" dirty="0">
-                <a:solidFill>
-                  <a:srgbClr val="000000"/>
-                </a:solidFill>
-              </a:rPr>
-              <a:t>&lt;SJR1&gt; clôture à un &lt;SJR3&gt; supérieur ou égal à &lt;PDI&gt; de son &lt;NDR&gt;, l’investisseur récupère alors l’intégralité de son capital </a:t>
-            </a:r>
-            <a:r>
-              <a:rPr lang="fr-FR" sz="800">
-                <a:solidFill>
-                  <a:srgbClr val="000000"/>
-                </a:solidFill>
-              </a:rPr>
-              <a:t>initialement investi</a:t>
-            </a:r>
-            <a:r>
-              <a:rPr lang="fr-FR" sz="800" dirty="0">
-                <a:solidFill>
-                  <a:srgbClr val="000000"/>
-                </a:solidFill>
-              </a:rPr>
-              <a:t> (soit un Taux de Rendement Annuel net maximum de </a:t>
+              <a:t>Sinon, si le mécanisme de remboursement anticipé n’a pas été activé au préalable, et si à la date de constatation finale &lt;SJR1&gt; clôture à un &lt;SJR3&gt; supérieur ou égal à &lt;PDI&gt; de son &lt;NDR&gt;, l’investisseur récupère alors l’intégralité de son capital initialement investi (soit un Taux de Rendement Annuel net maximum de </a:t>
             </a:r>
             <a:r>
               <a:rPr lang="fr-FR" sz="800" dirty="0">
@@ -33522,6 +33999,21 @@
             </a:r>
           </a:p>
           <a:p>
+            <a:pPr marL="0" lvl="1" algn="just">
+              <a:lnSpc>
+                <a:spcPct val="95000"/>
+              </a:lnSpc>
+              <a:spcBef>
+                <a:spcPts val="600"/>
+              </a:spcBef>
+            </a:pPr>
+            <a:endParaRPr lang="fr-FR" sz="1000" b="1" dirty="0">
+              <a:solidFill>
+                <a:srgbClr val="B9A049"/>
+              </a:solidFill>
+            </a:endParaRPr>
+          </a:p>
+          <a:p>
             <a:pPr marL="171450" indent="-171450" algn="just">
               <a:lnSpc>
                 <a:spcPct val="95000"/>
@@ -33656,65 +34148,19 @@
           <a:p>
             <a:pPr marL="171450" indent="-171450" algn="just">
               <a:lnSpc>
-                <a:spcPct val="92000"/>
-              </a:lnSpc>
-              <a:spcBef>
-                <a:spcPts val="200"/>
-              </a:spcBef>
+                <a:spcPct val="95000"/>
+              </a:lnSpc>
               <a:spcAft>
                 <a:spcPts val="200"/>
               </a:spcAft>
               <a:buFont typeface="Arial" panose="020B0604020202020204" pitchFamily="34" charset="0"/>
               <a:buChar char="•"/>
             </a:pPr>
-            <a:r>
-              <a:rPr lang="fr-FR" sz="800" b="1" dirty="0">
-                <a:solidFill>
-                  <a:srgbClr val="000000"/>
-                </a:solidFill>
-              </a:rPr>
-              <a:t>L’investisseur est exposé à un éventuel défaut de paiement et de faillite </a:t>
-            </a:r>
-            <a:r>
-              <a:rPr lang="fr-FR" sz="800" dirty="0">
-                <a:solidFill>
-                  <a:srgbClr val="000000"/>
-                </a:solidFill>
-              </a:rPr>
-              <a:t>(qui induit un risque de non remboursement) ou à une </a:t>
-            </a:r>
-            <a:r>
-              <a:rPr lang="fr-FR" sz="800" b="1" dirty="0">
-                <a:solidFill>
-                  <a:srgbClr val="000000"/>
-                </a:solidFill>
-              </a:rPr>
-              <a:t>dégradation de la qualité de crédit</a:t>
-            </a:r>
-            <a:r>
-              <a:rPr lang="fr-FR" sz="800" dirty="0">
-                <a:solidFill>
-                  <a:srgbClr val="000000"/>
-                </a:solidFill>
-              </a:rPr>
-              <a:t> (qui induit un risque sur la valeur de marché du produit) de l’Émetteur ainsi qu’au </a:t>
-            </a:r>
-            <a:r>
-              <a:rPr lang="fr-FR" sz="800" b="1" dirty="0">
-                <a:solidFill>
-                  <a:srgbClr val="000000"/>
-                </a:solidFill>
-              </a:rPr>
-              <a:t>risque de défaut de paiement, de faillite et de mise en résolution </a:t>
-            </a:r>
-            <a:r>
-              <a:rPr lang="fr-FR" sz="800" dirty="0">
-                <a:solidFill>
-                  <a:srgbClr val="000000"/>
-                </a:solidFill>
-              </a:rPr>
-              <a:t>du Garant de la formule et du paiement des sommes dues au titre du produit.</a:t>
-            </a:r>
+            <a:endParaRPr lang="fr-FR" sz="800" dirty="0">
+              <a:solidFill>
+                <a:srgbClr val="000000"/>
+              </a:solidFill>
+            </a:endParaRPr>
           </a:p>
           <a:p>
             <a:pPr marL="171450" indent="-171450" algn="just">
@@ -33731,12 +34177,20 @@
               <a:buChar char="•"/>
             </a:pPr>
             <a:r>
+              <a:rPr lang="fr-FR" sz="800" b="1" dirty="0">
+                <a:solidFill>
+                  <a:srgbClr val="000000"/>
+                </a:solidFill>
+              </a:rPr>
+              <a:t>L’investisseur est exposé à un éventuel défaut de paiement et de faillite </a:t>
+            </a:r>
+            <a:r>
               <a:rPr lang="fr-FR" sz="800" dirty="0">
                 <a:solidFill>
                   <a:srgbClr val="000000"/>
                 </a:solidFill>
               </a:rPr>
-              <a:t>L’investisseur ne connaît pas à l’avance la durée exacte de son investissement qui peut varier de </a:t>
+              <a:t>(qui induit un risque de non remboursement) ou à une </a:t>
             </a:r>
             <a:r>
               <a:rPr lang="fr-FR" sz="800" b="1" dirty="0">
@@ -33744,7 +34198,31 @@
                   <a:srgbClr val="000000"/>
                 </a:solidFill>
               </a:rPr>
-              <a:t>&lt;1PR&gt; à &lt;DPRR&gt; &lt;F0&gt;&lt;F0s&gt;.</a:t>
+              <a:t>dégradation de la qualité de crédit</a:t>
+            </a:r>
+            <a:r>
+              <a:rPr lang="fr-FR" sz="800" dirty="0">
+                <a:solidFill>
+                  <a:srgbClr val="000000"/>
+                </a:solidFill>
+              </a:rPr>
+              <a:t> (qui induit un risque sur la valeur de marché du produit) de l’Émetteur ainsi qu’au </a:t>
+            </a:r>
+            <a:r>
+              <a:rPr lang="fr-FR" sz="800" b="1" dirty="0">
+                <a:solidFill>
+                  <a:srgbClr val="000000"/>
+                </a:solidFill>
+              </a:rPr>
+              <a:t>risque de défaut de paiement, de faillite et de mise en résolution </a:t>
+            </a:r>
+            <a:r>
+              <a:rPr lang="fr-FR" sz="800" dirty="0">
+                <a:solidFill>
+                  <a:srgbClr val="000000"/>
+                </a:solidFill>
+              </a:rPr>
+              <a:t>du Garant de la formule et du paiement des sommes dues au titre du produit.</a:t>
             </a:r>
           </a:p>
           <a:p>
@@ -33761,6 +34239,120 @@
               <a:buFont typeface="Arial" panose="020B0604020202020204" pitchFamily="34" charset="0"/>
               <a:buChar char="•"/>
             </a:pPr>
+            <a:endParaRPr lang="fr-FR" sz="800" dirty="0">
+              <a:solidFill>
+                <a:srgbClr val="000000"/>
+              </a:solidFill>
+            </a:endParaRPr>
+          </a:p>
+          <a:p>
+            <a:pPr marL="171450" indent="-171450" algn="just">
+              <a:lnSpc>
+                <a:spcPct val="92000"/>
+              </a:lnSpc>
+              <a:spcBef>
+                <a:spcPts val="200"/>
+              </a:spcBef>
+              <a:spcAft>
+                <a:spcPts val="200"/>
+              </a:spcAft>
+              <a:buFont typeface="Arial" panose="020B0604020202020204" pitchFamily="34" charset="0"/>
+              <a:buChar char="•"/>
+            </a:pPr>
+            <a:r>
+              <a:rPr lang="fr-FR" sz="800" dirty="0">
+                <a:solidFill>
+                  <a:srgbClr val="000000"/>
+                </a:solidFill>
+              </a:rPr>
+              <a:t>En cas de revente des titres de créance avant la date de remboursement final(1), il est impossible de mesurer a priori le gain ou la perte possible, le prix pratiqué dépendant alors des paramètres de marché du jour. La perte en capital peut être partielle ou totale. Si le cadre d’investissement du produit est un contrat d’assurance vie ou de capitalisation, le dénouement ou le rachat partiel de celui-ci peut entraîner le désinvestissement des unités de compte adossées aux titres de créance avant leur date de remboursement final.</a:t>
+            </a:r>
+          </a:p>
+          <a:p>
+            <a:pPr marL="171450" indent="-171450" algn="just">
+              <a:lnSpc>
+                <a:spcPct val="92000"/>
+              </a:lnSpc>
+              <a:spcBef>
+                <a:spcPts val="200"/>
+              </a:spcBef>
+              <a:spcAft>
+                <a:spcPts val="200"/>
+              </a:spcAft>
+              <a:buFont typeface="Arial" panose="020B0604020202020204" pitchFamily="34" charset="0"/>
+              <a:buChar char="•"/>
+            </a:pPr>
+            <a:endParaRPr lang="fr-FR" sz="800" dirty="0">
+              <a:solidFill>
+                <a:srgbClr val="000000"/>
+              </a:solidFill>
+            </a:endParaRPr>
+          </a:p>
+          <a:p>
+            <a:pPr marL="171450" indent="-171450" algn="just">
+              <a:lnSpc>
+                <a:spcPct val="92000"/>
+              </a:lnSpc>
+              <a:spcBef>
+                <a:spcPts val="200"/>
+              </a:spcBef>
+              <a:spcAft>
+                <a:spcPts val="200"/>
+              </a:spcAft>
+              <a:buFont typeface="Arial" panose="020B0604020202020204" pitchFamily="34" charset="0"/>
+              <a:buChar char="•"/>
+            </a:pPr>
+            <a:r>
+              <a:rPr lang="fr-FR" sz="800" dirty="0">
+                <a:solidFill>
+                  <a:srgbClr val="000000"/>
+                </a:solidFill>
+              </a:rPr>
+              <a:t>L’investisseur ne connaît pas à l’avance la durée exacte de son investissement qui peut varier de </a:t>
+            </a:r>
+            <a:r>
+              <a:rPr lang="fr-FR" sz="800" b="1" dirty="0">
+                <a:solidFill>
+                  <a:srgbClr val="000000"/>
+                </a:solidFill>
+              </a:rPr>
+              <a:t>&lt;1PR&gt; à &lt;DPRR&gt; &lt;F0&gt;&lt;F0s&gt;.</a:t>
+            </a:r>
+          </a:p>
+          <a:p>
+            <a:pPr marL="171450" indent="-171450" algn="just">
+              <a:lnSpc>
+                <a:spcPct val="92000"/>
+              </a:lnSpc>
+              <a:spcBef>
+                <a:spcPts val="200"/>
+              </a:spcBef>
+              <a:spcAft>
+                <a:spcPts val="200"/>
+              </a:spcAft>
+              <a:buFont typeface="Arial" panose="020B0604020202020204" pitchFamily="34" charset="0"/>
+              <a:buChar char="•"/>
+            </a:pPr>
+            <a:endParaRPr lang="fr-FR" sz="800" b="1" dirty="0">
+              <a:solidFill>
+                <a:srgbClr val="000000"/>
+              </a:solidFill>
+            </a:endParaRPr>
+          </a:p>
+          <a:p>
+            <a:pPr marL="171450" indent="-171450" algn="just">
+              <a:lnSpc>
+                <a:spcPct val="92000"/>
+              </a:lnSpc>
+              <a:spcBef>
+                <a:spcPts val="200"/>
+              </a:spcBef>
+              <a:spcAft>
+                <a:spcPts val="200"/>
+              </a:spcAft>
+              <a:buFont typeface="Arial" panose="020B0604020202020204" pitchFamily="34" charset="0"/>
+              <a:buChar char="•"/>
+            </a:pPr>
             <a:r>
               <a:rPr lang="fr-FR" sz="800" dirty="0">
                 <a:solidFill>
@@ -33847,6 +34439,26 @@
               <a:buFont typeface="Arial" panose="020B0604020202020204" pitchFamily="34" charset="0"/>
               <a:buChar char="•"/>
             </a:pPr>
+            <a:endParaRPr lang="fr-FR" sz="800" dirty="0">
+              <a:solidFill>
+                <a:srgbClr val="000000"/>
+              </a:solidFill>
+            </a:endParaRPr>
+          </a:p>
+          <a:p>
+            <a:pPr marL="171450" indent="-171450" algn="just">
+              <a:lnSpc>
+                <a:spcPct val="92000"/>
+              </a:lnSpc>
+              <a:spcBef>
+                <a:spcPts val="200"/>
+              </a:spcBef>
+              <a:spcAft>
+                <a:spcPts val="200"/>
+              </a:spcAft>
+              <a:buFont typeface="Arial" panose="020B0604020202020204" pitchFamily="34" charset="0"/>
+              <a:buChar char="•"/>
+            </a:pPr>
             <a:r>
               <a:rPr lang="fr-FR" sz="800" dirty="0">
                 <a:solidFill>
@@ -33893,6 +34505,25 @@
               </a:rPr>
               <a:t>.</a:t>
             </a:r>
+          </a:p>
+          <a:p>
+            <a:pPr marL="171450" indent="-171450" algn="just">
+              <a:lnSpc>
+                <a:spcPct val="92000"/>
+              </a:lnSpc>
+              <a:spcBef>
+                <a:spcPts val="200"/>
+              </a:spcBef>
+              <a:spcAft>
+                <a:spcPts val="200"/>
+              </a:spcAft>
+              <a:buFont typeface="Arial" panose="020B0604020202020204" pitchFamily="34" charset="0"/>
+              <a:buChar char="•"/>
+            </a:pPr>
+            <a:endParaRPr lang="fr-FR" sz="800" b="1" dirty="0">
+              <a:effectLst/>
+              <a:ea typeface="Calibri" panose="020F0502020204030204" pitchFamily="34" charset="0"/>
+            </a:endParaRPr>
           </a:p>
           <a:p>
             <a:pPr marL="171450" indent="-171450" algn="just">
@@ -33941,338 +34572,54 @@
               </a:highlight>
             </a:endParaRPr>
           </a:p>
+        </p:txBody>
+      </p:sp>
+      <p:sp>
+        <p:nvSpPr>
+          <p:cNvPr id="7" name="Rectangle">
+            <a:extLst>
+              <a:ext uri="{FF2B5EF4-FFF2-40B4-BE49-F238E27FC236}">
+                <a16:creationId xmlns:a16="http://schemas.microsoft.com/office/drawing/2014/main" id="{F0795451-C16B-D644-7B08-7FB47F4A915C}"/>
+              </a:ext>
+            </a:extLst>
+          </p:cNvPr>
+          <p:cNvSpPr/>
+          <p:nvPr/>
+        </p:nvSpPr>
+        <p:spPr>
+          <a:xfrm>
+            <a:off x="359837" y="9661423"/>
+            <a:ext cx="6840000" cy="6846"/>
+          </a:xfrm>
+          <a:prstGeom prst="rect">
+            <a:avLst/>
+          </a:prstGeom>
+          <a:solidFill>
+            <a:srgbClr val="C5AF5C"/>
+          </a:solidFill>
+          <a:ln w="3175">
+            <a:miter lim="400000"/>
+          </a:ln>
+        </p:spPr>
+        <p:txBody>
+          <a:bodyPr lIns="20981" tIns="20981" rIns="20981" bIns="20981" anchor="ctr"/>
+          <a:lstStyle/>
           <a:p>
-            <a:pPr marL="0" lvl="1" indent="0" algn="just">
-              <a:lnSpc>
-                <a:spcPct val="95000"/>
-              </a:lnSpc>
-              <a:spcBef>
-                <a:spcPts val="600"/>
-              </a:spcBef>
-              <a:spcAft>
-                <a:spcPts val="200"/>
-              </a:spcAft>
-              <a:buNone/>
+            <a:pPr algn="ctr" defTabSz="825500">
+              <a:lnSpc>
+                <a:spcPct val="100000"/>
+              </a:lnSpc>
+              <a:defRPr sz="3200" b="0">
+                <a:solidFill>
+                  <a:srgbClr val="FFFFFF"/>
+                </a:solidFill>
+                <a:latin typeface="Helvetica Neue Medium"/>
+                <a:ea typeface="Helvetica Neue Medium"/>
+                <a:cs typeface="Helvetica Neue Medium"/>
+                <a:sym typeface="Helvetica Neue Medium"/>
+              </a:defRPr>
             </a:pPr>
-            <a:r>
-              <a:rPr lang="fr-FR" sz="1000" b="1" dirty="0">
-                <a:solidFill>
-                  <a:srgbClr val="B9A049"/>
-                </a:solidFill>
-              </a:rPr>
-              <a:t>PRINCIPAUX FACTEURS DE RISQUES</a:t>
-            </a:r>
-          </a:p>
-          <a:p>
-            <a:pPr algn="just">
-              <a:lnSpc>
-                <a:spcPct val="95000"/>
-              </a:lnSpc>
-            </a:pPr>
-            <a:r>
-              <a:rPr lang="fr-FR" sz="800" i="1">
-                <a:solidFill>
-                  <a:srgbClr val="000000"/>
-                </a:solidFill>
-              </a:rPr>
-              <a:t>Conformément à l’articule 14 du Règlement délégué n°2019/979, les investisseurs sont invités à lire attentivement la section « Facteurs de Risques » du Prospectus de Base et des Conditions définitives, disponible sur le site </a:t>
-            </a:r>
-            <a:r>
-              <a:rPr lang="fr-FR" sz="800" i="1">
-                <a:solidFill>
-                  <a:srgbClr val="000000"/>
-                </a:solidFill>
-                <a:hlinkClick r:id="rId2"/>
-              </a:rPr>
-              <a:t>https://derivative.credit-suisse.com/countryselect/fr</a:t>
-            </a:r>
-            <a:endParaRPr lang="fr-FR" sz="800" i="1" dirty="0">
-              <a:solidFill>
-                <a:srgbClr val="000000"/>
-              </a:solidFill>
-            </a:endParaRPr>
-          </a:p>
-          <a:p>
-            <a:pPr algn="just">
-              <a:lnSpc>
-                <a:spcPct val="95000"/>
-              </a:lnSpc>
-            </a:pPr>
-            <a:endParaRPr lang="fr-FR" sz="800" i="1">
-              <a:solidFill>
-                <a:srgbClr val="000000"/>
-              </a:solidFill>
-            </a:endParaRPr>
-          </a:p>
-          <a:p>
-            <a:pPr algn="just">
-              <a:lnSpc>
-                <a:spcPct val="95000"/>
-              </a:lnSpc>
-              <a:spcAft>
-                <a:spcPts val="600"/>
-              </a:spcAft>
-            </a:pPr>
-            <a:r>
-              <a:rPr lang="fr-FR" sz="800" b="1" u="sng" dirty="0">
-                <a:solidFill>
-                  <a:srgbClr val="000000"/>
-                </a:solidFill>
-              </a:rPr>
-              <a:t>Ces risques sont notamment :</a:t>
-            </a:r>
-            <a:endParaRPr lang="fr-FR" sz="800" i="1" u="sng" dirty="0">
-              <a:solidFill>
-                <a:srgbClr val="000000"/>
-              </a:solidFill>
-            </a:endParaRPr>
-          </a:p>
-          <a:p>
-            <a:pPr marL="171450" indent="-171450" algn="just">
-              <a:lnSpc>
-                <a:spcPct val="90000"/>
-              </a:lnSpc>
-              <a:spcAft>
-                <a:spcPts val="200"/>
-              </a:spcAft>
-              <a:buFont typeface="Arial" panose="020B0604020202020204" pitchFamily="34" charset="0"/>
-              <a:buChar char="•"/>
-            </a:pPr>
-            <a:r>
-              <a:rPr lang="fr-FR" sz="800" b="1" dirty="0">
-                <a:solidFill>
-                  <a:srgbClr val="000000"/>
-                </a:solidFill>
-              </a:rPr>
-              <a:t>Risque de crédit : </a:t>
-            </a:r>
-            <a:r>
-              <a:rPr lang="fr-FR" sz="800" dirty="0">
-                <a:solidFill>
-                  <a:srgbClr val="000000"/>
-                </a:solidFill>
-              </a:rPr>
-              <a:t>en cas </a:t>
-            </a:r>
-            <a:r>
-              <a:rPr lang="fr-FR" sz="800">
-                <a:solidFill>
-                  <a:srgbClr val="000000"/>
-                </a:solidFill>
-              </a:rPr>
-              <a:t>d’insolvabilité de l’Emetteur, les investisseurs pourraient perdre l’ensemble ou une partie du capital investi indépendamment de tout autre facteur favorable pouvant impacter la valeur du produit, tel que la performance des actifs sous-jacents. </a:t>
-            </a:r>
-          </a:p>
-          <a:p>
-            <a:pPr marL="171450" indent="-171450" algn="just">
-              <a:lnSpc>
-                <a:spcPct val="90000"/>
-              </a:lnSpc>
-              <a:spcAft>
-                <a:spcPts val="200"/>
-              </a:spcAft>
-              <a:buFont typeface="Arial" panose="020B0604020202020204" pitchFamily="34" charset="0"/>
-              <a:buChar char="•"/>
-            </a:pPr>
-            <a:r>
-              <a:rPr lang="fr-FR" sz="800" b="1">
-                <a:solidFill>
-                  <a:srgbClr val="000000"/>
-                </a:solidFill>
-              </a:rPr>
-              <a:t>Risque de taux </a:t>
-            </a:r>
-            <a:r>
-              <a:rPr lang="fr-FR" sz="800">
-                <a:solidFill>
-                  <a:srgbClr val="000000"/>
-                </a:solidFill>
-              </a:rPr>
-              <a:t>: toute modification des taux d’intérêt peut affecter négativement la valeur du produit. </a:t>
-            </a:r>
-          </a:p>
-          <a:p>
-            <a:pPr marL="171450" indent="-171450" algn="just">
-              <a:lnSpc>
-                <a:spcPct val="90000"/>
-              </a:lnSpc>
-              <a:spcAft>
-                <a:spcPts val="200"/>
-              </a:spcAft>
-              <a:buFont typeface="Arial" panose="020B0604020202020204" pitchFamily="34" charset="0"/>
-              <a:buChar char="•"/>
-            </a:pPr>
-            <a:r>
-              <a:rPr lang="fr-FR" sz="800" b="1">
-                <a:solidFill>
-                  <a:srgbClr val="000000"/>
-                </a:solidFill>
-              </a:rPr>
-              <a:t>Risque de liquidité </a:t>
-            </a:r>
-            <a:r>
-              <a:rPr lang="fr-FR" sz="800">
-                <a:solidFill>
-                  <a:srgbClr val="000000"/>
-                </a:solidFill>
-              </a:rPr>
-              <a:t>: Même si un marché secondaire existe, il peut ne pas fournir suffisamment de liquidités pour permettre aux investisseurs de vendre ou négocier le produit facilement. L’absence de liquidité peut avoir un effet négatif sur la valeur du produit dans la mesure où les investisseurs ne pourront pas nécessairement vendre le produit aisément ou à des prix permettant aux investisseurs de réaliser le rendement escompté. En conséquence, les investisseurs pourraient perdre une partie ou la totalité de leur investissement. </a:t>
-            </a:r>
-          </a:p>
-          <a:p>
-            <a:pPr marL="171450" indent="-171450" algn="just">
-              <a:lnSpc>
-                <a:spcPct val="90000"/>
-              </a:lnSpc>
-              <a:spcAft>
-                <a:spcPts val="200"/>
-              </a:spcAft>
-              <a:buFont typeface="Arial" panose="020B0604020202020204" pitchFamily="34" charset="0"/>
-              <a:buChar char="•"/>
-            </a:pPr>
-            <a:r>
-              <a:rPr lang="fr-FR" sz="800" b="1">
-                <a:solidFill>
-                  <a:srgbClr val="000000"/>
-                </a:solidFill>
-              </a:rPr>
-              <a:t>Risque de conflits d’intérêts potentiels </a:t>
-            </a:r>
-            <a:r>
-              <a:rPr lang="fr-FR" sz="800">
-                <a:solidFill>
-                  <a:srgbClr val="000000"/>
-                </a:solidFill>
-              </a:rPr>
-              <a:t>: L’émetteur et l’agent de calcul de ce produit appartiennent au Groupe </a:t>
-            </a:r>
-            <a:r>
-              <a:rPr lang="fr-FR" sz="800" err="1">
-                <a:solidFill>
-                  <a:srgbClr val="000000"/>
-                </a:solidFill>
-              </a:rPr>
-              <a:t>Credit</a:t>
-            </a:r>
-            <a:r>
-              <a:rPr lang="fr-FR" sz="800">
-                <a:solidFill>
-                  <a:srgbClr val="000000"/>
-                </a:solidFill>
-              </a:rPr>
-              <a:t> Suisse. Les conflits d’intérêts qui peuvent être engendrés seront gérés conformément à la réglementation applicable. </a:t>
-            </a:r>
-            <a:endParaRPr lang="fr-FR" sz="800" b="1">
-              <a:solidFill>
-                <a:srgbClr val="000000"/>
-              </a:solidFill>
-            </a:endParaRPr>
-          </a:p>
-          <a:p>
-            <a:pPr marL="171450" indent="-171450" algn="just">
-              <a:lnSpc>
-                <a:spcPct val="90000"/>
-              </a:lnSpc>
-              <a:spcAft>
-                <a:spcPts val="200"/>
-              </a:spcAft>
-              <a:buFont typeface="Arial" panose="020B0604020202020204" pitchFamily="34" charset="0"/>
-              <a:buChar char="•"/>
-            </a:pPr>
-            <a:r>
-              <a:rPr lang="fr-FR" sz="800" b="1">
-                <a:solidFill>
-                  <a:srgbClr val="000000"/>
-                </a:solidFill>
-                <a:highlight>
-                  <a:srgbClr val="FF00FF"/>
-                </a:highlight>
-              </a:rPr>
-              <a:t>Exposition à la performance de l’indice sous-jacent. </a:t>
-            </a:r>
-            <a:r>
-              <a:rPr lang="fr-FR" sz="800">
-                <a:solidFill>
-                  <a:srgbClr val="000000"/>
-                </a:solidFill>
-                <a:highlight>
-                  <a:srgbClr val="FF00FF"/>
-                </a:highlight>
-              </a:rPr>
-              <a:t>La performance des actions composants l’indice dépend de facteurs macroéconomiques liés aux actions contenues dans l’indice, dont certains niveaux d’intérêt et de prix sur les marchés de capitaux, des variations de change, des facteurs politiques et des facteurs propres aux entreprises, tels que la situation financière, la situation commerciale, la situation en matière de risque, la structure de l’actionnariat et la politique en matière de distributions. En outre, le sponsor de l’indice peut modifier les composants dudit indice ou apporter d’autres changements d’ordre méthodologique susceptibles de changer le niveau d’un ou plusieurs composants. Ces modifications peuvent avoir un impact négatif sur le niveau dudit indice, et nuire ainsi à la valeur et au rendement du produit. &lt;SI INDICE&gt;</a:t>
-            </a:r>
-            <a:endParaRPr lang="fr-FR" sz="800" b="1">
-              <a:solidFill>
-                <a:srgbClr val="000000"/>
-              </a:solidFill>
-              <a:highlight>
-                <a:srgbClr val="FF00FF"/>
-              </a:highlight>
-            </a:endParaRPr>
-          </a:p>
-          <a:p>
-            <a:pPr marL="171450" indent="-171450" algn="just">
-              <a:lnSpc>
-                <a:spcPct val="90000"/>
-              </a:lnSpc>
-              <a:spcAft>
-                <a:spcPts val="200"/>
-              </a:spcAft>
-              <a:buFont typeface="Arial" panose="020B0604020202020204" pitchFamily="34" charset="0"/>
-              <a:buChar char="•"/>
-            </a:pPr>
-            <a:r>
-              <a:rPr lang="fr-FR" sz="800" b="1">
-                <a:solidFill>
-                  <a:srgbClr val="000000"/>
-                </a:solidFill>
-                <a:highlight>
-                  <a:srgbClr val="FF00FF"/>
-                </a:highlight>
-              </a:rPr>
-              <a:t>Risques liés aux indices « </a:t>
-            </a:r>
-            <a:r>
-              <a:rPr lang="fr-FR" sz="800" b="1" err="1">
-                <a:solidFill>
-                  <a:srgbClr val="000000"/>
-                </a:solidFill>
-                <a:highlight>
-                  <a:srgbClr val="FF00FF"/>
-                </a:highlight>
-              </a:rPr>
-              <a:t>Decrement</a:t>
-            </a:r>
-            <a:r>
-              <a:rPr lang="fr-FR" sz="800" b="1">
-                <a:solidFill>
-                  <a:srgbClr val="000000"/>
-                </a:solidFill>
-                <a:highlight>
-                  <a:srgbClr val="FF00FF"/>
-                </a:highlight>
-              </a:rPr>
-              <a:t> » en points d’indice : </a:t>
-            </a:r>
-            <a:r>
-              <a:rPr lang="fr-FR" sz="800">
-                <a:solidFill>
-                  <a:srgbClr val="000000"/>
-                </a:solidFill>
-                <a:highlight>
-                  <a:srgbClr val="FF00FF"/>
-                </a:highlight>
-              </a:rPr>
-              <a:t>Un montant prédéterminé (dividende synthétique) étant périodiquement déduit du niveau de l’indice sous-jacent, celui-ci sous-performa l’indice correspondant dividendes réinvestis sans retranchement. En outre, l’indice sous-jacent aura une performance différente de celle de l’indice correspondant dividendes non-réinvestis, de sorte que si le niveau de dividende synthétique est supérieur au niveau de dividende réalisé, l’indice sous-jacent sous performera l’indice correspondant dividendes non réinvestis. Enfin, le dividende synthétique prélevé étant exprimé en points d'indice, le rendement du dividende synthétique augmentera dans uns scénario de marché négatif. Ainsi, la sous-performance de l’indice sera accélérée en cas de baisse du niveau de l’indice. SI INDICE DECREMENT</a:t>
-            </a:r>
-            <a:endParaRPr lang="fr-FR" sz="800" b="1">
-              <a:solidFill>
-                <a:srgbClr val="000000"/>
-              </a:solidFill>
-              <a:highlight>
-                <a:srgbClr val="FF00FF"/>
-              </a:highlight>
-            </a:endParaRPr>
+            <a:endParaRPr/>
           </a:p>
         </p:txBody>
       </p:sp>
@@ -35855,6 +36202,55 @@
               <a:t>&lt;graph4&gt;</a:t>
             </a:r>
             <a:endParaRPr lang="en-US" dirty="0"/>
+          </a:p>
+        </p:txBody>
+      </p:sp>
+      <p:sp>
+        <p:nvSpPr>
+          <p:cNvPr id="17" name="Rectangle">
+            <a:extLst>
+              <a:ext uri="{FF2B5EF4-FFF2-40B4-BE49-F238E27FC236}">
+                <a16:creationId xmlns:a16="http://schemas.microsoft.com/office/drawing/2014/main" id="{BEDC322A-047C-AD25-3052-3FBCB8664A82}"/>
+              </a:ext>
+            </a:extLst>
+          </p:cNvPr>
+          <p:cNvSpPr/>
+          <p:nvPr/>
+        </p:nvSpPr>
+        <p:spPr>
+          <a:xfrm>
+            <a:off x="357721" y="9671422"/>
+            <a:ext cx="6840000" cy="6846"/>
+          </a:xfrm>
+          <a:prstGeom prst="rect">
+            <a:avLst/>
+          </a:prstGeom>
+          <a:solidFill>
+            <a:srgbClr val="C5AF5C"/>
+          </a:solidFill>
+          <a:ln w="3175">
+            <a:miter lim="400000"/>
+          </a:ln>
+        </p:spPr>
+        <p:txBody>
+          <a:bodyPr lIns="20981" tIns="20981" rIns="20981" bIns="20981" anchor="ctr"/>
+          <a:lstStyle/>
+          <a:p>
+            <a:pPr algn="ctr" defTabSz="825500">
+              <a:lnSpc>
+                <a:spcPct val="100000"/>
+              </a:lnSpc>
+              <a:defRPr sz="3200" b="0">
+                <a:solidFill>
+                  <a:srgbClr val="FFFFFF"/>
+                </a:solidFill>
+                <a:latin typeface="Helvetica Neue Medium"/>
+                <a:ea typeface="Helvetica Neue Medium"/>
+                <a:cs typeface="Helvetica Neue Medium"/>
+                <a:sym typeface="Helvetica Neue Medium"/>
+              </a:defRPr>
+            </a:pPr>
+            <a:endParaRPr/>
           </a:p>
         </p:txBody>
       </p:sp>
@@ -36624,8 +37020,8 @@
 </file>
 
 <file path=customXml/item3.xml><?xml version="1.0" encoding="utf-8"?>
-<ct:contentTypeSchema xmlns:ct="http://schemas.microsoft.com/office/2006/metadata/contentType" xmlns:ma="http://schemas.microsoft.com/office/2006/metadata/properties/metaAttributes" ct:_="" ma:_="" ma:contentTypeName="Document" ma:contentTypeID="0x0101005DDE610BC516E448BB8152259F39635A" ma:contentTypeVersion="16" ma:contentTypeDescription="Crée un document." ma:contentTypeScope="" ma:versionID="83520913e4fb50886b69c5d2b42e4a4a">
-  <xsd:schema xmlns:xsd="http://www.w3.org/2001/XMLSchema" xmlns:xs="http://www.w3.org/2001/XMLSchema" xmlns:p="http://schemas.microsoft.com/office/2006/metadata/properties" xmlns:ns2="ef624bc2-1644-4d69-8362-5c28ca496374" xmlns:ns3="514a554b-82b0-4359-b247-fc84018a95f0" targetNamespace="http://schemas.microsoft.com/office/2006/metadata/properties" ma:root="true" ma:fieldsID="cc61d48d89f522401cef424d48066f4d" ns2:_="" ns3:_="">
+<ct:contentTypeSchema xmlns:ct="http://schemas.microsoft.com/office/2006/metadata/contentType" xmlns:ma="http://schemas.microsoft.com/office/2006/metadata/properties/metaAttributes" ct:_="" ma:_="" ma:contentTypeName="Document" ma:contentTypeID="0x0101005DDE610BC516E448BB8152259F39635A" ma:contentTypeVersion="17" ma:contentTypeDescription="Crée un document." ma:contentTypeScope="" ma:versionID="bfb75e103009df80b8e5001438c41194">
+  <xsd:schema xmlns:xsd="http://www.w3.org/2001/XMLSchema" xmlns:xs="http://www.w3.org/2001/XMLSchema" xmlns:p="http://schemas.microsoft.com/office/2006/metadata/properties" xmlns:ns2="ef624bc2-1644-4d69-8362-5c28ca496374" xmlns:ns3="514a554b-82b0-4359-b247-fc84018a95f0" targetNamespace="http://schemas.microsoft.com/office/2006/metadata/properties" ma:root="true" ma:fieldsID="2ae3df86d13efbb4a35042af2564d386" ns2:_="" ns3:_="">
     <xsd:import namespace="ef624bc2-1644-4d69-8362-5c28ca496374"/>
     <xsd:import namespace="514a554b-82b0-4359-b247-fc84018a95f0"/>
     <xsd:element name="properties">
@@ -36649,6 +37045,7 @@
                 <xsd:element ref="ns2:_Flow_SignoffStatus" minOccurs="0"/>
                 <xsd:element ref="ns2:lcf76f155ced4ddcb4097134ff3c332f" minOccurs="0"/>
                 <xsd:element ref="ns3:TaxCatchAll" minOccurs="0"/>
+                <xsd:element ref="ns2:MediaLengthInSeconds" minOccurs="0"/>
               </xsd:all>
             </xsd:complexType>
           </xsd:element>
@@ -36724,6 +37121,11 @@
           <xsd:element ref="pc:Terms" minOccurs="0" maxOccurs="1"/>
         </xsd:sequence>
       </xsd:complexType>
+    </xsd:element>
+    <xsd:element name="MediaLengthInSeconds" ma:index="24" nillable="true" ma:displayName="MediaLengthInSeconds" ma:hidden="true" ma:internalName="MediaLengthInSeconds" ma:readOnly="true">
+      <xsd:simpleType>
+        <xsd:restriction base="dms:Unknown"/>
+      </xsd:simpleType>
     </xsd:element>
   </xsd:schema>
   <xsd:schema xmlns:xsd="http://www.w3.org/2001/XMLSchema" xmlns:xs="http://www.w3.org/2001/XMLSchema" xmlns:dms="http://schemas.microsoft.com/office/2006/documentManagement/types" xmlns:pc="http://schemas.microsoft.com/office/infopath/2007/PartnerControls" targetNamespace="514a554b-82b0-4359-b247-fc84018a95f0" elementFormDefault="qualified">
@@ -36892,7 +37294,7 @@
 </file>
 
 <file path=customXml/itemProps3.xml><?xml version="1.0" encoding="utf-8"?>
-<ds:datastoreItem xmlns:ds="http://schemas.openxmlformats.org/officeDocument/2006/customXml" ds:itemID="{2E6CBD22-185E-404D-8887-B434F41BA06D}">
+<ds:datastoreItem xmlns:ds="http://schemas.openxmlformats.org/officeDocument/2006/customXml" ds:itemID="{DE898DE2-83E7-42CE-B7CD-9C9DF4B16BA4}">
   <ds:schemaRefs>
     <ds:schemaRef ds:uri="http://schemas.microsoft.com/office/2006/metadata/contentType"/>
     <ds:schemaRef ds:uri="http://schemas.microsoft.com/office/2006/metadata/properties/metaAttributes"/>

--- a/Templates/morgan.pptx
+++ b/Templates/morgan.pptx
@@ -156,883 +156,6 @@
 </p1510:revInfo>
 </file>
 
-<file path=ppt/changesInfos/changesInfo1.xml><?xml version="1.0" encoding="utf-8"?>
-<pc:chgInfo xmlns:a="http://schemas.openxmlformats.org/drawingml/2006/main" xmlns:r="http://schemas.openxmlformats.org/officeDocument/2006/relationships" xmlns:ac="http://schemas.microsoft.com/office/drawing/2013/main/command" xmlns:pc="http://schemas.microsoft.com/office/powerpoint/2013/main/command">
-  <pc:docChgLst>
-    <pc:chgData name="Milan Cosson" userId="1b722937-9737-476f-bc2f-00e7be64c106" providerId="ADAL" clId="{1AF5CBAA-8B19-4E30-AE3F-FD654036B3A2}"/>
-    <pc:docChg chg="undo custSel modSld modMainMaster">
-      <pc:chgData name="Milan Cosson" userId="1b722937-9737-476f-bc2f-00e7be64c106" providerId="ADAL" clId="{1AF5CBAA-8B19-4E30-AE3F-FD654036B3A2}" dt="2022-06-13T14:48:59.541" v="10228" actId="1076"/>
-      <pc:docMkLst>
-        <pc:docMk/>
-      </pc:docMkLst>
-      <pc:sldChg chg="addSp modSp mod">
-        <pc:chgData name="Milan Cosson" userId="1b722937-9737-476f-bc2f-00e7be64c106" providerId="ADAL" clId="{1AF5CBAA-8B19-4E30-AE3F-FD654036B3A2}" dt="2022-06-13T14:39:49.257" v="10060"/>
-        <pc:sldMkLst>
-          <pc:docMk/>
-          <pc:sldMk cId="279835308" sldId="283"/>
-        </pc:sldMkLst>
-        <pc:spChg chg="add mod">
-          <ac:chgData name="Milan Cosson" userId="1b722937-9737-476f-bc2f-00e7be64c106" providerId="ADAL" clId="{1AF5CBAA-8B19-4E30-AE3F-FD654036B3A2}" dt="2022-06-13T14:35:33.042" v="9998" actId="1076"/>
-          <ac:spMkLst>
-            <pc:docMk/>
-            <pc:sldMk cId="279835308" sldId="283"/>
-            <ac:spMk id="10" creationId="{6AB66FB1-4D6F-30FB-00E3-544C3BFCAA95}"/>
-          </ac:spMkLst>
-        </pc:spChg>
-        <pc:spChg chg="mod">
-          <ac:chgData name="Milan Cosson" userId="1b722937-9737-476f-bc2f-00e7be64c106" providerId="ADAL" clId="{1AF5CBAA-8B19-4E30-AE3F-FD654036B3A2}" dt="2022-06-13T14:39:49.257" v="10060"/>
-          <ac:spMkLst>
-            <pc:docMk/>
-            <pc:sldMk cId="279835308" sldId="283"/>
-            <ac:spMk id="18" creationId="{CFFC8B5E-6E2E-4EB2-BF37-16231C4C9B24}"/>
-          </ac:spMkLst>
-        </pc:spChg>
-      </pc:sldChg>
-      <pc:sldChg chg="addSp modSp mod">
-        <pc:chgData name="Milan Cosson" userId="1b722937-9737-476f-bc2f-00e7be64c106" providerId="ADAL" clId="{1AF5CBAA-8B19-4E30-AE3F-FD654036B3A2}" dt="2022-06-13T14:35:30.194" v="9996" actId="1076"/>
-        <pc:sldMkLst>
-          <pc:docMk/>
-          <pc:sldMk cId="4283008219" sldId="284"/>
-        </pc:sldMkLst>
-        <pc:spChg chg="mod">
-          <ac:chgData name="Milan Cosson" userId="1b722937-9737-476f-bc2f-00e7be64c106" providerId="ADAL" clId="{1AF5CBAA-8B19-4E30-AE3F-FD654036B3A2}" dt="2022-05-24T10:10:42.402" v="5932" actId="13926"/>
-          <ac:spMkLst>
-            <pc:docMk/>
-            <pc:sldMk cId="4283008219" sldId="284"/>
-            <ac:spMk id="8" creationId="{38611E08-F7D1-4B39-8F74-B0ABAC8875AC}"/>
-          </ac:spMkLst>
-        </pc:spChg>
-        <pc:spChg chg="add mod">
-          <ac:chgData name="Milan Cosson" userId="1b722937-9737-476f-bc2f-00e7be64c106" providerId="ADAL" clId="{1AF5CBAA-8B19-4E30-AE3F-FD654036B3A2}" dt="2022-06-13T14:35:30.194" v="9996" actId="1076"/>
-          <ac:spMkLst>
-            <pc:docMk/>
-            <pc:sldMk cId="4283008219" sldId="284"/>
-            <ac:spMk id="13" creationId="{BE2900B0-346F-9C03-3B28-C7107EF48128}"/>
-          </ac:spMkLst>
-        </pc:spChg>
-        <pc:spChg chg="mod">
-          <ac:chgData name="Milan Cosson" userId="1b722937-9737-476f-bc2f-00e7be64c106" providerId="ADAL" clId="{1AF5CBAA-8B19-4E30-AE3F-FD654036B3A2}" dt="2022-05-24T09:47:50.743" v="2263" actId="20577"/>
-          <ac:spMkLst>
-            <pc:docMk/>
-            <pc:sldMk cId="4283008219" sldId="284"/>
-            <ac:spMk id="16" creationId="{E676ECD3-0DEA-491E-887F-9613472B311F}"/>
-          </ac:spMkLst>
-        </pc:spChg>
-      </pc:sldChg>
-      <pc:sldChg chg="addSp modSp mod">
-        <pc:chgData name="Milan Cosson" userId="1b722937-9737-476f-bc2f-00e7be64c106" providerId="ADAL" clId="{1AF5CBAA-8B19-4E30-AE3F-FD654036B3A2}" dt="2022-06-13T14:35:39.256" v="10000" actId="1076"/>
-        <pc:sldMkLst>
-          <pc:docMk/>
-          <pc:sldMk cId="1251430996" sldId="285"/>
-        </pc:sldMkLst>
-        <pc:spChg chg="add mod">
-          <ac:chgData name="Milan Cosson" userId="1b722937-9737-476f-bc2f-00e7be64c106" providerId="ADAL" clId="{1AF5CBAA-8B19-4E30-AE3F-FD654036B3A2}" dt="2022-06-13T14:35:39.256" v="10000" actId="1076"/>
-          <ac:spMkLst>
-            <pc:docMk/>
-            <pc:sldMk cId="1251430996" sldId="285"/>
-            <ac:spMk id="22" creationId="{6B9B65C2-6288-5A83-9D8D-B46A62946578}"/>
-          </ac:spMkLst>
-        </pc:spChg>
-      </pc:sldChg>
-      <pc:sldChg chg="modSp mod">
-        <pc:chgData name="Milan Cosson" userId="1b722937-9737-476f-bc2f-00e7be64c106" providerId="ADAL" clId="{1AF5CBAA-8B19-4E30-AE3F-FD654036B3A2}" dt="2022-06-13T14:35:49.276" v="10005" actId="1076"/>
-        <pc:sldMkLst>
-          <pc:docMk/>
-          <pc:sldMk cId="2335663946" sldId="286"/>
-        </pc:sldMkLst>
-        <pc:spChg chg="mod">
-          <ac:chgData name="Milan Cosson" userId="1b722937-9737-476f-bc2f-00e7be64c106" providerId="ADAL" clId="{1AF5CBAA-8B19-4E30-AE3F-FD654036B3A2}" dt="2022-06-13T14:35:49.276" v="10005" actId="1076"/>
-          <ac:spMkLst>
-            <pc:docMk/>
-            <pc:sldMk cId="2335663946" sldId="286"/>
-            <ac:spMk id="7" creationId="{11CD4052-900D-4194-A69C-0AF1ADBF03E1}"/>
-          </ac:spMkLst>
-        </pc:spChg>
-      </pc:sldChg>
-      <pc:sldChg chg="addSp modSp mod">
-        <pc:chgData name="Milan Cosson" userId="1b722937-9737-476f-bc2f-00e7be64c106" providerId="ADAL" clId="{1AF5CBAA-8B19-4E30-AE3F-FD654036B3A2}" dt="2022-06-13T14:35:57.472" v="10009" actId="1076"/>
-        <pc:sldMkLst>
-          <pc:docMk/>
-          <pc:sldMk cId="131778213" sldId="287"/>
-        </pc:sldMkLst>
-        <pc:spChg chg="add mod">
-          <ac:chgData name="Milan Cosson" userId="1b722937-9737-476f-bc2f-00e7be64c106" providerId="ADAL" clId="{1AF5CBAA-8B19-4E30-AE3F-FD654036B3A2}" dt="2022-06-13T14:35:57.472" v="10009" actId="1076"/>
-          <ac:spMkLst>
-            <pc:docMk/>
-            <pc:sldMk cId="131778213" sldId="287"/>
-            <ac:spMk id="17" creationId="{BEDC322A-047C-AD25-3052-3FBCB8664A82}"/>
-          </ac:spMkLst>
-        </pc:spChg>
-      </pc:sldChg>
-      <pc:sldChg chg="addSp modSp mod">
-        <pc:chgData name="Milan Cosson" userId="1b722937-9737-476f-bc2f-00e7be64c106" providerId="ADAL" clId="{1AF5CBAA-8B19-4E30-AE3F-FD654036B3A2}" dt="2022-06-13T14:39:25.818" v="10055" actId="20577"/>
-        <pc:sldMkLst>
-          <pc:docMk/>
-          <pc:sldMk cId="3725312375" sldId="288"/>
-        </pc:sldMkLst>
-        <pc:spChg chg="add mod">
-          <ac:chgData name="Milan Cosson" userId="1b722937-9737-476f-bc2f-00e7be64c106" providerId="ADAL" clId="{1AF5CBAA-8B19-4E30-AE3F-FD654036B3A2}" dt="2022-06-13T14:39:25.818" v="10055" actId="20577"/>
-          <ac:spMkLst>
-            <pc:docMk/>
-            <pc:sldMk cId="3725312375" sldId="288"/>
-            <ac:spMk id="18" creationId="{9B028CA2-B057-FAEF-EFF1-D1F87BC5D8F3}"/>
-          </ac:spMkLst>
-        </pc:spChg>
-        <pc:spChg chg="add mod">
-          <ac:chgData name="Milan Cosson" userId="1b722937-9737-476f-bc2f-00e7be64c106" providerId="ADAL" clId="{1AF5CBAA-8B19-4E30-AE3F-FD654036B3A2}" dt="2022-05-24T13:52:38.184" v="8414" actId="20577"/>
-          <ac:spMkLst>
-            <pc:docMk/>
-            <pc:sldMk cId="3725312375" sldId="288"/>
-            <ac:spMk id="19" creationId="{F430BCC1-AFEA-9CD5-2109-F2802CCF6A55}"/>
-          </ac:spMkLst>
-        </pc:spChg>
-        <pc:spChg chg="add mod">
-          <ac:chgData name="Milan Cosson" userId="1b722937-9737-476f-bc2f-00e7be64c106" providerId="ADAL" clId="{1AF5CBAA-8B19-4E30-AE3F-FD654036B3A2}" dt="2022-06-13T14:36:06.368" v="10013" actId="1076"/>
-          <ac:spMkLst>
-            <pc:docMk/>
-            <pc:sldMk cId="3725312375" sldId="288"/>
-            <ac:spMk id="21" creationId="{73FE95BF-5478-6A01-9726-C38CE9FEAAF1}"/>
-          </ac:spMkLst>
-        </pc:spChg>
-        <pc:graphicFrameChg chg="modGraphic">
-          <ac:chgData name="Milan Cosson" userId="1b722937-9737-476f-bc2f-00e7be64c106" providerId="ADAL" clId="{1AF5CBAA-8B19-4E30-AE3F-FD654036B3A2}" dt="2022-06-13T14:38:13.748" v="10049" actId="20577"/>
-          <ac:graphicFrameMkLst>
-            <pc:docMk/>
-            <pc:sldMk cId="3725312375" sldId="288"/>
-            <ac:graphicFrameMk id="12" creationId="{9C2661B6-D3C8-47C4-B00C-101FBDFE6745}"/>
-          </ac:graphicFrameMkLst>
-        </pc:graphicFrameChg>
-      </pc:sldChg>
-      <pc:sldChg chg="addSp modSp mod">
-        <pc:chgData name="Milan Cosson" userId="1b722937-9737-476f-bc2f-00e7be64c106" providerId="ADAL" clId="{1AF5CBAA-8B19-4E30-AE3F-FD654036B3A2}" dt="2022-06-13T14:36:15.211" v="10015" actId="1076"/>
-        <pc:sldMkLst>
-          <pc:docMk/>
-          <pc:sldMk cId="713649784" sldId="289"/>
-        </pc:sldMkLst>
-        <pc:spChg chg="add mod">
-          <ac:chgData name="Milan Cosson" userId="1b722937-9737-476f-bc2f-00e7be64c106" providerId="ADAL" clId="{1AF5CBAA-8B19-4E30-AE3F-FD654036B3A2}" dt="2022-06-13T14:36:15.211" v="10015" actId="1076"/>
-          <ac:spMkLst>
-            <pc:docMk/>
-            <pc:sldMk cId="713649784" sldId="289"/>
-            <ac:spMk id="8" creationId="{6900565A-F48B-5B06-F008-39BAB3A261F0}"/>
-          </ac:spMkLst>
-        </pc:spChg>
-        <pc:graphicFrameChg chg="modGraphic">
-          <ac:chgData name="Milan Cosson" userId="1b722937-9737-476f-bc2f-00e7be64c106" providerId="ADAL" clId="{1AF5CBAA-8B19-4E30-AE3F-FD654036B3A2}" dt="2022-05-24T10:17:38.597" v="6166" actId="20577"/>
-          <ac:graphicFrameMkLst>
-            <pc:docMk/>
-            <pc:sldMk cId="713649784" sldId="289"/>
-            <ac:graphicFrameMk id="4" creationId="{D75964C9-9893-4B10-B127-424F0758DE3D}"/>
-          </ac:graphicFrameMkLst>
-        </pc:graphicFrameChg>
-      </pc:sldChg>
-      <pc:sldChg chg="addSp modSp mod">
-        <pc:chgData name="Milan Cosson" userId="1b722937-9737-476f-bc2f-00e7be64c106" providerId="ADAL" clId="{1AF5CBAA-8B19-4E30-AE3F-FD654036B3A2}" dt="2022-06-13T14:36:21.036" v="10019" actId="1076"/>
-        <pc:sldMkLst>
-          <pc:docMk/>
-          <pc:sldMk cId="441078789" sldId="290"/>
-        </pc:sldMkLst>
-        <pc:spChg chg="add mod">
-          <ac:chgData name="Milan Cosson" userId="1b722937-9737-476f-bc2f-00e7be64c106" providerId="ADAL" clId="{1AF5CBAA-8B19-4E30-AE3F-FD654036B3A2}" dt="2022-06-13T14:36:21.036" v="10019" actId="1076"/>
-          <ac:spMkLst>
-            <pc:docMk/>
-            <pc:sldMk cId="441078789" sldId="290"/>
-            <ac:spMk id="4" creationId="{520466E7-91C4-9A40-89AB-1AD05A0F35F6}"/>
-          </ac:spMkLst>
-        </pc:spChg>
-      </pc:sldChg>
-      <pc:sldChg chg="addSp modSp mod">
-        <pc:chgData name="Milan Cosson" userId="1b722937-9737-476f-bc2f-00e7be64c106" providerId="ADAL" clId="{1AF5CBAA-8B19-4E30-AE3F-FD654036B3A2}" dt="2022-06-13T14:35:26.322" v="9994" actId="1076"/>
-        <pc:sldMkLst>
-          <pc:docMk/>
-          <pc:sldMk cId="1502825947" sldId="291"/>
-        </pc:sldMkLst>
-        <pc:spChg chg="mod">
-          <ac:chgData name="Milan Cosson" userId="1b722937-9737-476f-bc2f-00e7be64c106" providerId="ADAL" clId="{1AF5CBAA-8B19-4E30-AE3F-FD654036B3A2}" dt="2022-06-13T14:34:28.635" v="9991" actId="1076"/>
-          <ac:spMkLst>
-            <pc:docMk/>
-            <pc:sldMk cId="1502825947" sldId="291"/>
-            <ac:spMk id="8" creationId="{38611E08-F7D1-4B39-8F74-B0ABAC8875AC}"/>
-          </ac:spMkLst>
-        </pc:spChg>
-        <pc:spChg chg="mod">
-          <ac:chgData name="Milan Cosson" userId="1b722937-9737-476f-bc2f-00e7be64c106" providerId="ADAL" clId="{1AF5CBAA-8B19-4E30-AE3F-FD654036B3A2}" dt="2022-06-13T14:23:15.538" v="9922" actId="1076"/>
-          <ac:spMkLst>
-            <pc:docMk/>
-            <pc:sldMk cId="1502825947" sldId="291"/>
-            <ac:spMk id="10" creationId="{31CAF7AC-73A1-4EA4-8819-54E6AE4D0F39}"/>
-          </ac:spMkLst>
-        </pc:spChg>
-        <pc:spChg chg="mod">
-          <ac:chgData name="Milan Cosson" userId="1b722937-9737-476f-bc2f-00e7be64c106" providerId="ADAL" clId="{1AF5CBAA-8B19-4E30-AE3F-FD654036B3A2}" dt="2022-06-13T14:23:12.249" v="9921" actId="1035"/>
-          <ac:spMkLst>
-            <pc:docMk/>
-            <pc:sldMk cId="1502825947" sldId="291"/>
-            <ac:spMk id="12" creationId="{5DA83454-519B-4E6A-812F-048CD0F99996}"/>
-          </ac:spMkLst>
-        </pc:spChg>
-        <pc:spChg chg="add mod">
-          <ac:chgData name="Milan Cosson" userId="1b722937-9737-476f-bc2f-00e7be64c106" providerId="ADAL" clId="{1AF5CBAA-8B19-4E30-AE3F-FD654036B3A2}" dt="2022-06-13T14:35:26.322" v="9994" actId="1076"/>
-          <ac:spMkLst>
-            <pc:docMk/>
-            <pc:sldMk cId="1502825947" sldId="291"/>
-            <ac:spMk id="13" creationId="{7B447C33-5D6C-5BE1-7641-1A8296241FED}"/>
-          </ac:spMkLst>
-        </pc:spChg>
-        <pc:spChg chg="mod">
-          <ac:chgData name="Milan Cosson" userId="1b722937-9737-476f-bc2f-00e7be64c106" providerId="ADAL" clId="{1AF5CBAA-8B19-4E30-AE3F-FD654036B3A2}" dt="2022-06-13T14:23:12.249" v="9921" actId="1035"/>
-          <ac:spMkLst>
-            <pc:docMk/>
-            <pc:sldMk cId="1502825947" sldId="291"/>
-            <ac:spMk id="14" creationId="{D6BE63DD-C030-4686-859D-855377F73DE2}"/>
-          </ac:spMkLst>
-        </pc:spChg>
-        <pc:spChg chg="mod">
-          <ac:chgData name="Milan Cosson" userId="1b722937-9737-476f-bc2f-00e7be64c106" providerId="ADAL" clId="{1AF5CBAA-8B19-4E30-AE3F-FD654036B3A2}" dt="2022-06-13T14:18:45.366" v="8649" actId="20577"/>
-          <ac:spMkLst>
-            <pc:docMk/>
-            <pc:sldMk cId="1502825947" sldId="291"/>
-            <ac:spMk id="16" creationId="{E676ECD3-0DEA-491E-887F-9613472B311F}"/>
-          </ac:spMkLst>
-        </pc:spChg>
-      </pc:sldChg>
-      <pc:sldChg chg="addSp modSp mod">
-        <pc:chgData name="Milan Cosson" userId="1b722937-9737-476f-bc2f-00e7be64c106" providerId="ADAL" clId="{1AF5CBAA-8B19-4E30-AE3F-FD654036B3A2}" dt="2022-06-13T14:35:42.129" v="10002" actId="1076"/>
-        <pc:sldMkLst>
-          <pc:docMk/>
-          <pc:sldMk cId="3215453978" sldId="292"/>
-        </pc:sldMkLst>
-        <pc:spChg chg="add mod">
-          <ac:chgData name="Milan Cosson" userId="1b722937-9737-476f-bc2f-00e7be64c106" providerId="ADAL" clId="{1AF5CBAA-8B19-4E30-AE3F-FD654036B3A2}" dt="2022-06-13T14:35:42.129" v="10002" actId="1076"/>
-          <ac:spMkLst>
-            <pc:docMk/>
-            <pc:sldMk cId="3215453978" sldId="292"/>
-            <ac:spMk id="15" creationId="{33410FBD-4079-CE26-C6AA-880C6F049567}"/>
-          </ac:spMkLst>
-        </pc:spChg>
-        <pc:spChg chg="mod">
-          <ac:chgData name="Milan Cosson" userId="1b722937-9737-476f-bc2f-00e7be64c106" providerId="ADAL" clId="{1AF5CBAA-8B19-4E30-AE3F-FD654036B3A2}" dt="2022-05-24T09:37:55.751" v="2063" actId="20577"/>
-          <ac:spMkLst>
-            <pc:docMk/>
-            <pc:sldMk cId="3215453978" sldId="292"/>
-            <ac:spMk id="25" creationId="{A471EC61-E0F7-4167-ADB5-4AEBB8678A51}"/>
-          </ac:spMkLst>
-        </pc:spChg>
-      </pc:sldChg>
-      <pc:sldChg chg="addSp modSp mod">
-        <pc:chgData name="Milan Cosson" userId="1b722937-9737-476f-bc2f-00e7be64c106" providerId="ADAL" clId="{1AF5CBAA-8B19-4E30-AE3F-FD654036B3A2}" dt="2022-06-13T14:35:45.885" v="10004" actId="1076"/>
-        <pc:sldMkLst>
-          <pc:docMk/>
-          <pc:sldMk cId="3692740643" sldId="293"/>
-        </pc:sldMkLst>
-        <pc:spChg chg="add mod">
-          <ac:chgData name="Milan Cosson" userId="1b722937-9737-476f-bc2f-00e7be64c106" providerId="ADAL" clId="{1AF5CBAA-8B19-4E30-AE3F-FD654036B3A2}" dt="2022-06-13T14:35:45.885" v="10004" actId="1076"/>
-          <ac:spMkLst>
-            <pc:docMk/>
-            <pc:sldMk cId="3692740643" sldId="293"/>
-            <ac:spMk id="18" creationId="{3F9E4DAC-04CA-0D36-7449-B93C5C5782EC}"/>
-          </ac:spMkLst>
-        </pc:spChg>
-      </pc:sldChg>
-      <pc:sldChg chg="addSp delSp modSp mod">
-        <pc:chgData name="Milan Cosson" userId="1b722937-9737-476f-bc2f-00e7be64c106" providerId="ADAL" clId="{1AF5CBAA-8B19-4E30-AE3F-FD654036B3A2}" dt="2022-06-13T14:37:26.070" v="10020" actId="6549"/>
-        <pc:sldMkLst>
-          <pc:docMk/>
-          <pc:sldMk cId="2416999927" sldId="294"/>
-        </pc:sldMkLst>
-        <pc:spChg chg="del">
-          <ac:chgData name="Milan Cosson" userId="1b722937-9737-476f-bc2f-00e7be64c106" providerId="ADAL" clId="{1AF5CBAA-8B19-4E30-AE3F-FD654036B3A2}" dt="2022-05-24T10:00:50.270" v="3603" actId="478"/>
-          <ac:spMkLst>
-            <pc:docMk/>
-            <pc:sldMk cId="2416999927" sldId="294"/>
-            <ac:spMk id="7" creationId="{11CD4052-900D-4194-A69C-0AF1ADBF03E1}"/>
-          </ac:spMkLst>
-        </pc:spChg>
-        <pc:spChg chg="add mod">
-          <ac:chgData name="Milan Cosson" userId="1b722937-9737-476f-bc2f-00e7be64c106" providerId="ADAL" clId="{1AF5CBAA-8B19-4E30-AE3F-FD654036B3A2}" dt="2022-06-13T14:35:53.078" v="10007" actId="1076"/>
-          <ac:spMkLst>
-            <pc:docMk/>
-            <pc:sldMk cId="2416999927" sldId="294"/>
-            <ac:spMk id="7" creationId="{F0795451-C16B-D644-7B08-7FB47F4A915C}"/>
-          </ac:spMkLst>
-        </pc:spChg>
-        <pc:spChg chg="del">
-          <ac:chgData name="Milan Cosson" userId="1b722937-9737-476f-bc2f-00e7be64c106" providerId="ADAL" clId="{1AF5CBAA-8B19-4E30-AE3F-FD654036B3A2}" dt="2022-05-24T10:00:50.270" v="3603" actId="478"/>
-          <ac:spMkLst>
-            <pc:docMk/>
-            <pc:sldMk cId="2416999927" sldId="294"/>
-            <ac:spMk id="8" creationId="{C768572F-300B-4C49-A926-4F8F54816CFD}"/>
-          </ac:spMkLst>
-        </pc:spChg>
-        <pc:spChg chg="del">
-          <ac:chgData name="Milan Cosson" userId="1b722937-9737-476f-bc2f-00e7be64c106" providerId="ADAL" clId="{1AF5CBAA-8B19-4E30-AE3F-FD654036B3A2}" dt="2022-05-24T10:00:50.270" v="3603" actId="478"/>
-          <ac:spMkLst>
-            <pc:docMk/>
-            <pc:sldMk cId="2416999927" sldId="294"/>
-            <ac:spMk id="9" creationId="{A55E763B-8611-4526-B7E2-84EB19435569}"/>
-          </ac:spMkLst>
-        </pc:spChg>
-        <pc:spChg chg="mod">
-          <ac:chgData name="Milan Cosson" userId="1b722937-9737-476f-bc2f-00e7be64c106" providerId="ADAL" clId="{1AF5CBAA-8B19-4E30-AE3F-FD654036B3A2}" dt="2022-06-13T14:37:26.070" v="10020" actId="6549"/>
-          <ac:spMkLst>
-            <pc:docMk/>
-            <pc:sldMk cId="2416999927" sldId="294"/>
-            <ac:spMk id="11" creationId="{FED2574D-6984-4E56-B512-D9093DAE028A}"/>
-          </ac:spMkLst>
-        </pc:spChg>
-      </pc:sldChg>
-      <pc:sldChg chg="addSp modSp mod">
-        <pc:chgData name="Milan Cosson" userId="1b722937-9737-476f-bc2f-00e7be64c106" providerId="ADAL" clId="{1AF5CBAA-8B19-4E30-AE3F-FD654036B3A2}" dt="2022-06-13T14:36:02.560" v="10011" actId="1076"/>
-        <pc:sldMkLst>
-          <pc:docMk/>
-          <pc:sldMk cId="1551785400" sldId="295"/>
-        </pc:sldMkLst>
-        <pc:spChg chg="add mod">
-          <ac:chgData name="Milan Cosson" userId="1b722937-9737-476f-bc2f-00e7be64c106" providerId="ADAL" clId="{1AF5CBAA-8B19-4E30-AE3F-FD654036B3A2}" dt="2022-05-24T13:51:49.048" v="8411" actId="20577"/>
-          <ac:spMkLst>
-            <pc:docMk/>
-            <pc:sldMk cId="1551785400" sldId="295"/>
-            <ac:spMk id="3" creationId="{D652E3E6-A9EC-9841-2DE3-2DD070B4FB32}"/>
-          </ac:spMkLst>
-        </pc:spChg>
-        <pc:spChg chg="mod">
-          <ac:chgData name="Milan Cosson" userId="1b722937-9737-476f-bc2f-00e7be64c106" providerId="ADAL" clId="{1AF5CBAA-8B19-4E30-AE3F-FD654036B3A2}" dt="2022-05-24T10:13:49.275" v="5979" actId="20577"/>
-          <ac:spMkLst>
-            <pc:docMk/>
-            <pc:sldMk cId="1551785400" sldId="295"/>
-            <ac:spMk id="11" creationId="{62E64A7A-B241-457F-85AF-644F9663089B}"/>
-          </ac:spMkLst>
-        </pc:spChg>
-        <pc:spChg chg="add mod">
-          <ac:chgData name="Milan Cosson" userId="1b722937-9737-476f-bc2f-00e7be64c106" providerId="ADAL" clId="{1AF5CBAA-8B19-4E30-AE3F-FD654036B3A2}" dt="2022-06-13T14:36:02.560" v="10011" actId="1076"/>
-          <ac:spMkLst>
-            <pc:docMk/>
-            <pc:sldMk cId="1551785400" sldId="295"/>
-            <ac:spMk id="19" creationId="{19EE1CDE-3347-6DCC-BCF5-5A246EA88D66}"/>
-          </ac:spMkLst>
-        </pc:spChg>
-      </pc:sldChg>
-      <pc:sldChg chg="addSp modSp mod">
-        <pc:chgData name="Milan Cosson" userId="1b722937-9737-476f-bc2f-00e7be64c106" providerId="ADAL" clId="{1AF5CBAA-8B19-4E30-AE3F-FD654036B3A2}" dt="2022-06-13T14:48:59.541" v="10228" actId="1076"/>
-        <pc:sldMkLst>
-          <pc:docMk/>
-          <pc:sldMk cId="3358940979" sldId="296"/>
-        </pc:sldMkLst>
-        <pc:spChg chg="mod">
-          <ac:chgData name="Milan Cosson" userId="1b722937-9737-476f-bc2f-00e7be64c106" providerId="ADAL" clId="{1AF5CBAA-8B19-4E30-AE3F-FD654036B3A2}" dt="2022-06-13T14:48:57.503" v="10227" actId="1076"/>
-          <ac:spMkLst>
-            <pc:docMk/>
-            <pc:sldMk cId="3358940979" sldId="296"/>
-            <ac:spMk id="5" creationId="{45E1DCC2-11CD-41F7-969A-E4566F5B1573}"/>
-          </ac:spMkLst>
-        </pc:spChg>
-        <pc:spChg chg="add mod">
-          <ac:chgData name="Milan Cosson" userId="1b722937-9737-476f-bc2f-00e7be64c106" providerId="ADAL" clId="{1AF5CBAA-8B19-4E30-AE3F-FD654036B3A2}" dt="2022-06-13T14:48:59.541" v="10228" actId="1076"/>
-          <ac:spMkLst>
-            <pc:docMk/>
-            <pc:sldMk cId="3358940979" sldId="296"/>
-            <ac:spMk id="8" creationId="{1A940C7D-0EEA-A326-72C1-98B4C2BA3302}"/>
-          </ac:spMkLst>
-        </pc:spChg>
-        <pc:graphicFrameChg chg="mod modGraphic">
-          <ac:chgData name="Milan Cosson" userId="1b722937-9737-476f-bc2f-00e7be64c106" providerId="ADAL" clId="{1AF5CBAA-8B19-4E30-AE3F-FD654036B3A2}" dt="2022-06-13T14:48:46.252" v="10226" actId="20577"/>
-          <ac:graphicFrameMkLst>
-            <pc:docMk/>
-            <pc:sldMk cId="3358940979" sldId="296"/>
-            <ac:graphicFrameMk id="9" creationId="{CDF24725-4E16-F687-E839-9CDE396BAF0D}"/>
-          </ac:graphicFrameMkLst>
-        </pc:graphicFrameChg>
-      </pc:sldChg>
-      <pc:sldMasterChg chg="modSldLayout">
-        <pc:chgData name="Milan Cosson" userId="1b722937-9737-476f-bc2f-00e7be64c106" providerId="ADAL" clId="{1AF5CBAA-8B19-4E30-AE3F-FD654036B3A2}" dt="2022-06-13T14:35:21.722" v="9992" actId="478"/>
-        <pc:sldMasterMkLst>
-          <pc:docMk/>
-          <pc:sldMasterMk cId="3591108463" sldId="2147483660"/>
-        </pc:sldMasterMkLst>
-        <pc:sldLayoutChg chg="delSp modSp mod">
-          <pc:chgData name="Milan Cosson" userId="1b722937-9737-476f-bc2f-00e7be64c106" providerId="ADAL" clId="{1AF5CBAA-8B19-4E30-AE3F-FD654036B3A2}" dt="2022-06-13T14:35:21.722" v="9992" actId="478"/>
-          <pc:sldLayoutMkLst>
-            <pc:docMk/>
-            <pc:sldMasterMk cId="3591108463" sldId="2147483660"/>
-            <pc:sldLayoutMk cId="1071623652" sldId="2147483677"/>
-          </pc:sldLayoutMkLst>
-          <pc:spChg chg="del mod">
-            <ac:chgData name="Milan Cosson" userId="1b722937-9737-476f-bc2f-00e7be64c106" providerId="ADAL" clId="{1AF5CBAA-8B19-4E30-AE3F-FD654036B3A2}" dt="2022-06-13T14:35:21.722" v="9992" actId="478"/>
-            <ac:spMkLst>
-              <pc:docMk/>
-              <pc:sldMasterMk cId="3591108463" sldId="2147483660"/>
-              <pc:sldLayoutMk cId="1071623652" sldId="2147483677"/>
-              <ac:spMk id="22" creationId="{0C591005-A978-4017-82AC-F4C5CD330576}"/>
-            </ac:spMkLst>
-          </pc:spChg>
-        </pc:sldLayoutChg>
-      </pc:sldMasterChg>
-    </pc:docChg>
-  </pc:docChgLst>
-  <pc:docChgLst>
-    <pc:chgData name="Wally PILLER" userId="e1c1cba4-6299-482b-91e7-ffd34a654594" providerId="ADAL" clId="{A5289BD9-B288-479C-9C53-1CB8B081C19E}"/>
-    <pc:docChg chg="undo redo custSel modSld modMainMaster modNotesMaster">
-      <pc:chgData name="Wally PILLER" userId="e1c1cba4-6299-482b-91e7-ffd34a654594" providerId="ADAL" clId="{A5289BD9-B288-479C-9C53-1CB8B081C19E}" dt="2022-06-14T12:13:11.757" v="1303" actId="20577"/>
-      <pc:docMkLst>
-        <pc:docMk/>
-      </pc:docMkLst>
-      <pc:sldChg chg="modSp mod">
-        <pc:chgData name="Wally PILLER" userId="e1c1cba4-6299-482b-91e7-ffd34a654594" providerId="ADAL" clId="{A5289BD9-B288-479C-9C53-1CB8B081C19E}" dt="2022-06-02T12:28:25.132" v="1108"/>
-        <pc:sldMkLst>
-          <pc:docMk/>
-          <pc:sldMk cId="279835308" sldId="283"/>
-        </pc:sldMkLst>
-        <pc:spChg chg="mod">
-          <ac:chgData name="Wally PILLER" userId="e1c1cba4-6299-482b-91e7-ffd34a654594" providerId="ADAL" clId="{A5289BD9-B288-479C-9C53-1CB8B081C19E}" dt="2022-05-25T13:15:10.880" v="980"/>
-          <ac:spMkLst>
-            <pc:docMk/>
-            <pc:sldMk cId="279835308" sldId="283"/>
-            <ac:spMk id="12" creationId="{6D78390A-2262-4712-95F9-8DE5399A1291}"/>
-          </ac:spMkLst>
-        </pc:spChg>
-        <pc:spChg chg="mod">
-          <ac:chgData name="Wally PILLER" userId="e1c1cba4-6299-482b-91e7-ffd34a654594" providerId="ADAL" clId="{A5289BD9-B288-479C-9C53-1CB8B081C19E}" dt="2022-06-02T12:28:25.132" v="1108"/>
-          <ac:spMkLst>
-            <pc:docMk/>
-            <pc:sldMk cId="279835308" sldId="283"/>
-            <ac:spMk id="18" creationId="{CFFC8B5E-6E2E-4EB2-BF37-16231C4C9B24}"/>
-          </ac:spMkLst>
-        </pc:spChg>
-        <pc:spChg chg="mod">
-          <ac:chgData name="Wally PILLER" userId="e1c1cba4-6299-482b-91e7-ffd34a654594" providerId="ADAL" clId="{A5289BD9-B288-479C-9C53-1CB8B081C19E}" dt="2022-06-02T12:13:07.477" v="1033" actId="20577"/>
-          <ac:spMkLst>
-            <pc:docMk/>
-            <pc:sldMk cId="279835308" sldId="283"/>
-            <ac:spMk id="19" creationId="{31D75E17-6DBF-43D8-8176-54D6EA820E0A}"/>
-          </ac:spMkLst>
-        </pc:spChg>
-      </pc:sldChg>
-      <pc:sldChg chg="modSp mod">
-        <pc:chgData name="Wally PILLER" userId="e1c1cba4-6299-482b-91e7-ffd34a654594" providerId="ADAL" clId="{A5289BD9-B288-479C-9C53-1CB8B081C19E}" dt="2022-06-14T11:57:24.813" v="1256" actId="20577"/>
-        <pc:sldMkLst>
-          <pc:docMk/>
-          <pc:sldMk cId="4283008219" sldId="284"/>
-        </pc:sldMkLst>
-        <pc:spChg chg="mod">
-          <ac:chgData name="Wally PILLER" userId="e1c1cba4-6299-482b-91e7-ffd34a654594" providerId="ADAL" clId="{A5289BD9-B288-479C-9C53-1CB8B081C19E}" dt="2022-06-14T11:57:24.813" v="1256" actId="20577"/>
-          <ac:spMkLst>
-            <pc:docMk/>
-            <pc:sldMk cId="4283008219" sldId="284"/>
-            <ac:spMk id="16" creationId="{E676ECD3-0DEA-491E-887F-9613472B311F}"/>
-          </ac:spMkLst>
-        </pc:spChg>
-      </pc:sldChg>
-      <pc:sldChg chg="modSp mod">
-        <pc:chgData name="Wally PILLER" userId="e1c1cba4-6299-482b-91e7-ffd34a654594" providerId="ADAL" clId="{A5289BD9-B288-479C-9C53-1CB8B081C19E}" dt="2022-05-25T13:43:53.800" v="1020" actId="20577"/>
-        <pc:sldMkLst>
-          <pc:docMk/>
-          <pc:sldMk cId="1251430996" sldId="285"/>
-        </pc:sldMkLst>
-        <pc:spChg chg="mod">
-          <ac:chgData name="Wally PILLER" userId="e1c1cba4-6299-482b-91e7-ffd34a654594" providerId="ADAL" clId="{A5289BD9-B288-479C-9C53-1CB8B081C19E}" dt="2022-05-25T07:39:40.016" v="627" actId="13926"/>
-          <ac:spMkLst>
-            <pc:docMk/>
-            <pc:sldMk cId="1251430996" sldId="285"/>
-            <ac:spMk id="3" creationId="{CA03B948-52BE-4099-9E3E-FCC2F2CB0E31}"/>
-          </ac:spMkLst>
-        </pc:spChg>
-        <pc:spChg chg="mod">
-          <ac:chgData name="Wally PILLER" userId="e1c1cba4-6299-482b-91e7-ffd34a654594" providerId="ADAL" clId="{A5289BD9-B288-479C-9C53-1CB8B081C19E}" dt="2022-05-24T14:15:21.702" v="537" actId="20577"/>
-          <ac:spMkLst>
-            <pc:docMk/>
-            <pc:sldMk cId="1251430996" sldId="285"/>
-            <ac:spMk id="8" creationId="{45E62237-4DC9-4DD0-9918-340FCAD95D29}"/>
-          </ac:spMkLst>
-        </pc:spChg>
-        <pc:spChg chg="mod">
-          <ac:chgData name="Wally PILLER" userId="e1c1cba4-6299-482b-91e7-ffd34a654594" providerId="ADAL" clId="{A5289BD9-B288-479C-9C53-1CB8B081C19E}" dt="2022-05-25T13:43:53.800" v="1020" actId="20577"/>
-          <ac:spMkLst>
-            <pc:docMk/>
-            <pc:sldMk cId="1251430996" sldId="285"/>
-            <ac:spMk id="9" creationId="{BAD55BEF-E45A-4965-B14D-559B26896481}"/>
-          </ac:spMkLst>
-        </pc:spChg>
-        <pc:spChg chg="mod">
-          <ac:chgData name="Wally PILLER" userId="e1c1cba4-6299-482b-91e7-ffd34a654594" providerId="ADAL" clId="{A5289BD9-B288-479C-9C53-1CB8B081C19E}" dt="2022-05-25T13:33:30.889" v="1019" actId="20577"/>
-          <ac:spMkLst>
-            <pc:docMk/>
-            <pc:sldMk cId="1251430996" sldId="285"/>
-            <ac:spMk id="11" creationId="{6DC45A7B-7BFC-4642-8DD1-B4A6D781A216}"/>
-          </ac:spMkLst>
-        </pc:spChg>
-      </pc:sldChg>
-      <pc:sldChg chg="delSp modSp mod">
-        <pc:chgData name="Wally PILLER" userId="e1c1cba4-6299-482b-91e7-ffd34a654594" providerId="ADAL" clId="{A5289BD9-B288-479C-9C53-1CB8B081C19E}" dt="2022-06-14T12:12:49.709" v="1295" actId="20577"/>
-        <pc:sldMkLst>
-          <pc:docMk/>
-          <pc:sldMk cId="2335663946" sldId="286"/>
-        </pc:sldMkLst>
-        <pc:spChg chg="del">
-          <ac:chgData name="Wally PILLER" userId="e1c1cba4-6299-482b-91e7-ffd34a654594" providerId="ADAL" clId="{A5289BD9-B288-479C-9C53-1CB8B081C19E}" dt="2022-06-02T12:23:29.937" v="1107" actId="478"/>
-          <ac:spMkLst>
-            <pc:docMk/>
-            <pc:sldMk cId="2335663946" sldId="286"/>
-            <ac:spMk id="8" creationId="{C768572F-300B-4C49-A926-4F8F54816CFD}"/>
-          </ac:spMkLst>
-        </pc:spChg>
-        <pc:spChg chg="del mod">
-          <ac:chgData name="Wally PILLER" userId="e1c1cba4-6299-482b-91e7-ffd34a654594" providerId="ADAL" clId="{A5289BD9-B288-479C-9C53-1CB8B081C19E}" dt="2022-06-02T12:23:27.851" v="1106" actId="478"/>
-          <ac:spMkLst>
-            <pc:docMk/>
-            <pc:sldMk cId="2335663946" sldId="286"/>
-            <ac:spMk id="9" creationId="{A55E763B-8611-4526-B7E2-84EB19435569}"/>
-          </ac:spMkLst>
-        </pc:spChg>
-        <pc:spChg chg="mod">
-          <ac:chgData name="Wally PILLER" userId="e1c1cba4-6299-482b-91e7-ffd34a654594" providerId="ADAL" clId="{A5289BD9-B288-479C-9C53-1CB8B081C19E}" dt="2022-06-14T12:12:49.709" v="1295" actId="20577"/>
-          <ac:spMkLst>
-            <pc:docMk/>
-            <pc:sldMk cId="2335663946" sldId="286"/>
-            <ac:spMk id="11" creationId="{FED2574D-6984-4E56-B512-D9093DAE028A}"/>
-          </ac:spMkLst>
-        </pc:spChg>
-      </pc:sldChg>
-      <pc:sldChg chg="modSp mod">
-        <pc:chgData name="Wally PILLER" userId="e1c1cba4-6299-482b-91e7-ffd34a654594" providerId="ADAL" clId="{A5289BD9-B288-479C-9C53-1CB8B081C19E}" dt="2022-06-02T12:32:39.860" v="1112" actId="13926"/>
-        <pc:sldMkLst>
-          <pc:docMk/>
-          <pc:sldMk cId="131778213" sldId="287"/>
-        </pc:sldMkLst>
-        <pc:spChg chg="mod">
-          <ac:chgData name="Wally PILLER" userId="e1c1cba4-6299-482b-91e7-ffd34a654594" providerId="ADAL" clId="{A5289BD9-B288-479C-9C53-1CB8B081C19E}" dt="2022-06-02T12:32:39.860" v="1112" actId="13926"/>
-          <ac:spMkLst>
-            <pc:docMk/>
-            <pc:sldMk cId="131778213" sldId="287"/>
-            <ac:spMk id="5" creationId="{D0ED12C2-7003-44D9-A2FB-4B2BA1F366F5}"/>
-          </ac:spMkLst>
-        </pc:spChg>
-        <pc:spChg chg="mod">
-          <ac:chgData name="Wally PILLER" userId="e1c1cba4-6299-482b-91e7-ffd34a654594" providerId="ADAL" clId="{A5289BD9-B288-479C-9C53-1CB8B081C19E}" dt="2022-05-24T14:18:54.370" v="540" actId="20577"/>
-          <ac:spMkLst>
-            <pc:docMk/>
-            <pc:sldMk cId="131778213" sldId="287"/>
-            <ac:spMk id="67" creationId="{54856FA3-20DE-4C1E-8670-977050ABC5CF}"/>
-          </ac:spMkLst>
-        </pc:spChg>
-      </pc:sldChg>
-      <pc:sldChg chg="addSp modSp mod">
-        <pc:chgData name="Wally PILLER" userId="e1c1cba4-6299-482b-91e7-ffd34a654594" providerId="ADAL" clId="{A5289BD9-B288-479C-9C53-1CB8B081C19E}" dt="2022-06-02T13:02:37.273" v="1251" actId="255"/>
-        <pc:sldMkLst>
-          <pc:docMk/>
-          <pc:sldMk cId="3725312375" sldId="288"/>
-        </pc:sldMkLst>
-        <pc:spChg chg="mod">
-          <ac:chgData name="Wally PILLER" userId="e1c1cba4-6299-482b-91e7-ffd34a654594" providerId="ADAL" clId="{A5289BD9-B288-479C-9C53-1CB8B081C19E}" dt="2022-06-02T13:01:52.767" v="1230" actId="1036"/>
-          <ac:spMkLst>
-            <pc:docMk/>
-            <pc:sldMk cId="3725312375" sldId="288"/>
-            <ac:spMk id="8" creationId="{25F57E63-7609-49F5-AFF2-CE65182404AF}"/>
-          </ac:spMkLst>
-        </pc:spChg>
-        <pc:spChg chg="mod">
-          <ac:chgData name="Wally PILLER" userId="e1c1cba4-6299-482b-91e7-ffd34a654594" providerId="ADAL" clId="{A5289BD9-B288-479C-9C53-1CB8B081C19E}" dt="2022-06-02T13:01:56.685" v="1241" actId="1036"/>
-          <ac:spMkLst>
-            <pc:docMk/>
-            <pc:sldMk cId="3725312375" sldId="288"/>
-            <ac:spMk id="9" creationId="{C0011B95-1A07-422F-8211-F672BFDFBA44}"/>
-          </ac:spMkLst>
-        </pc:spChg>
-        <pc:spChg chg="mod">
-          <ac:chgData name="Wally PILLER" userId="e1c1cba4-6299-482b-91e7-ffd34a654594" providerId="ADAL" clId="{A5289BD9-B288-479C-9C53-1CB8B081C19E}" dt="2022-06-02T13:02:05.163" v="1242" actId="20577"/>
-          <ac:spMkLst>
-            <pc:docMk/>
-            <pc:sldMk cId="3725312375" sldId="288"/>
-            <ac:spMk id="14" creationId="{BCDE6401-7CA2-46E0-A131-0DD4A83894B1}"/>
-          </ac:spMkLst>
-        </pc:spChg>
-        <pc:spChg chg="add mod">
-          <ac:chgData name="Wally PILLER" userId="e1c1cba4-6299-482b-91e7-ffd34a654594" providerId="ADAL" clId="{A5289BD9-B288-479C-9C53-1CB8B081C19E}" dt="2022-06-02T13:02:37.273" v="1251" actId="255"/>
-          <ac:spMkLst>
-            <pc:docMk/>
-            <pc:sldMk cId="3725312375" sldId="288"/>
-            <ac:spMk id="20" creationId="{2F598E05-39CA-7388-F3B7-8C0904D50D74}"/>
-          </ac:spMkLst>
-        </pc:spChg>
-      </pc:sldChg>
-      <pc:sldChg chg="modSp mod">
-        <pc:chgData name="Wally PILLER" userId="e1c1cba4-6299-482b-91e7-ffd34a654594" providerId="ADAL" clId="{A5289BD9-B288-479C-9C53-1CB8B081C19E}" dt="2022-06-02T12:55:27.366" v="1139" actId="20577"/>
-        <pc:sldMkLst>
-          <pc:docMk/>
-          <pc:sldMk cId="713649784" sldId="289"/>
-        </pc:sldMkLst>
-        <pc:spChg chg="mod">
-          <ac:chgData name="Wally PILLER" userId="e1c1cba4-6299-482b-91e7-ffd34a654594" providerId="ADAL" clId="{A5289BD9-B288-479C-9C53-1CB8B081C19E}" dt="2022-06-02T12:55:27.366" v="1139" actId="20577"/>
-          <ac:spMkLst>
-            <pc:docMk/>
-            <pc:sldMk cId="713649784" sldId="289"/>
-            <ac:spMk id="5" creationId="{45E1DCC2-11CD-41F7-969A-E4566F5B1573}"/>
-          </ac:spMkLst>
-        </pc:spChg>
-        <pc:graphicFrameChg chg="mod modGraphic">
-          <ac:chgData name="Wally PILLER" userId="e1c1cba4-6299-482b-91e7-ffd34a654594" providerId="ADAL" clId="{A5289BD9-B288-479C-9C53-1CB8B081C19E}" dt="2022-05-25T13:49:51.416" v="1026"/>
-          <ac:graphicFrameMkLst>
-            <pc:docMk/>
-            <pc:sldMk cId="713649784" sldId="289"/>
-            <ac:graphicFrameMk id="4" creationId="{D75964C9-9893-4B10-B127-424F0758DE3D}"/>
-          </ac:graphicFrameMkLst>
-        </pc:graphicFrameChg>
-      </pc:sldChg>
-      <pc:sldChg chg="modSp mod">
-        <pc:chgData name="Wally PILLER" userId="e1c1cba4-6299-482b-91e7-ffd34a654594" providerId="ADAL" clId="{A5289BD9-B288-479C-9C53-1CB8B081C19E}" dt="2022-06-14T12:00:07.425" v="1267" actId="1036"/>
-        <pc:sldMkLst>
-          <pc:docMk/>
-          <pc:sldMk cId="1502825947" sldId="291"/>
-        </pc:sldMkLst>
-        <pc:spChg chg="mod">
-          <ac:chgData name="Wally PILLER" userId="e1c1cba4-6299-482b-91e7-ffd34a654594" providerId="ADAL" clId="{A5289BD9-B288-479C-9C53-1CB8B081C19E}" dt="2022-06-02T12:39:54.902" v="1121" actId="1076"/>
-          <ac:spMkLst>
-            <pc:docMk/>
-            <pc:sldMk cId="1502825947" sldId="291"/>
-            <ac:spMk id="8" creationId="{38611E08-F7D1-4B39-8F74-B0ABAC8875AC}"/>
-          </ac:spMkLst>
-        </pc:spChg>
-        <pc:spChg chg="mod">
-          <ac:chgData name="Wally PILLER" userId="e1c1cba4-6299-482b-91e7-ffd34a654594" providerId="ADAL" clId="{A5289BD9-B288-479C-9C53-1CB8B081C19E}" dt="2022-06-14T12:00:06.385" v="1264" actId="1036"/>
-          <ac:spMkLst>
-            <pc:docMk/>
-            <pc:sldMk cId="1502825947" sldId="291"/>
-            <ac:spMk id="9" creationId="{BABA6F2C-8A6E-407C-B54F-E6563E0166F3}"/>
-          </ac:spMkLst>
-        </pc:spChg>
-        <pc:spChg chg="mod">
-          <ac:chgData name="Wally PILLER" userId="e1c1cba4-6299-482b-91e7-ffd34a654594" providerId="ADAL" clId="{A5289BD9-B288-479C-9C53-1CB8B081C19E}" dt="2022-06-14T12:00:07.425" v="1267" actId="1036"/>
-          <ac:spMkLst>
-            <pc:docMk/>
-            <pc:sldMk cId="1502825947" sldId="291"/>
-            <ac:spMk id="11" creationId="{53E1E26E-6DAD-4328-A3B2-AD4C9876CED8}"/>
-          </ac:spMkLst>
-        </pc:spChg>
-        <pc:spChg chg="mod">
-          <ac:chgData name="Wally PILLER" userId="e1c1cba4-6299-482b-91e7-ffd34a654594" providerId="ADAL" clId="{A5289BD9-B288-479C-9C53-1CB8B081C19E}" dt="2022-06-14T12:00:04.385" v="1260" actId="1036"/>
-          <ac:spMkLst>
-            <pc:docMk/>
-            <pc:sldMk cId="1502825947" sldId="291"/>
-            <ac:spMk id="16" creationId="{E676ECD3-0DEA-491E-887F-9613472B311F}"/>
-          </ac:spMkLst>
-        </pc:spChg>
-      </pc:sldChg>
-      <pc:sldChg chg="modSp mod">
-        <pc:chgData name="Wally PILLER" userId="e1c1cba4-6299-482b-91e7-ffd34a654594" providerId="ADAL" clId="{A5289BD9-B288-479C-9C53-1CB8B081C19E}" dt="2022-05-24T09:39:58.219" v="250"/>
-        <pc:sldMkLst>
-          <pc:docMk/>
-          <pc:sldMk cId="3215453978" sldId="292"/>
-        </pc:sldMkLst>
-        <pc:spChg chg="mod">
-          <ac:chgData name="Wally PILLER" userId="e1c1cba4-6299-482b-91e7-ffd34a654594" providerId="ADAL" clId="{A5289BD9-B288-479C-9C53-1CB8B081C19E}" dt="2022-05-24T09:39:58.219" v="250"/>
-          <ac:spMkLst>
-            <pc:docMk/>
-            <pc:sldMk cId="3215453978" sldId="292"/>
-            <ac:spMk id="5" creationId="{E7F9AAE2-20F9-4949-802A-4850732E6C2B}"/>
-          </ac:spMkLst>
-        </pc:spChg>
-        <pc:spChg chg="mod">
-          <ac:chgData name="Wally PILLER" userId="e1c1cba4-6299-482b-91e7-ffd34a654594" providerId="ADAL" clId="{A5289BD9-B288-479C-9C53-1CB8B081C19E}" dt="2022-05-24T09:28:13.803" v="178" actId="20577"/>
-          <ac:spMkLst>
-            <pc:docMk/>
-            <pc:sldMk cId="3215453978" sldId="292"/>
-            <ac:spMk id="11" creationId="{6DC45A7B-7BFC-4642-8DD1-B4A6D781A216}"/>
-          </ac:spMkLst>
-        </pc:spChg>
-        <pc:spChg chg="mod">
-          <ac:chgData name="Wally PILLER" userId="e1c1cba4-6299-482b-91e7-ffd34a654594" providerId="ADAL" clId="{A5289BD9-B288-479C-9C53-1CB8B081C19E}" dt="2022-05-24T09:32:30.527" v="183" actId="20577"/>
-          <ac:spMkLst>
-            <pc:docMk/>
-            <pc:sldMk cId="3215453978" sldId="292"/>
-            <ac:spMk id="22" creationId="{A0759AA1-226B-4F0F-B9DA-DA9B8AA11E05}"/>
-          </ac:spMkLst>
-        </pc:spChg>
-        <pc:spChg chg="mod">
-          <ac:chgData name="Wally PILLER" userId="e1c1cba4-6299-482b-91e7-ffd34a654594" providerId="ADAL" clId="{A5289BD9-B288-479C-9C53-1CB8B081C19E}" dt="2022-05-24T09:34:02.927" v="189" actId="20577"/>
-          <ac:spMkLst>
-            <pc:docMk/>
-            <pc:sldMk cId="3215453978" sldId="292"/>
-            <ac:spMk id="24" creationId="{8B8AE09C-0D6F-4497-B219-E6C39009F89E}"/>
-          </ac:spMkLst>
-        </pc:spChg>
-        <pc:spChg chg="mod">
-          <ac:chgData name="Wally PILLER" userId="e1c1cba4-6299-482b-91e7-ffd34a654594" providerId="ADAL" clId="{A5289BD9-B288-479C-9C53-1CB8B081C19E}" dt="2022-05-24T09:39:01.773" v="249" actId="20577"/>
-          <ac:spMkLst>
-            <pc:docMk/>
-            <pc:sldMk cId="3215453978" sldId="292"/>
-            <ac:spMk id="25" creationId="{A471EC61-E0F7-4167-ADB5-4AEBB8678A51}"/>
-          </ac:spMkLst>
-        </pc:spChg>
-      </pc:sldChg>
-      <pc:sldChg chg="modSp mod">
-        <pc:chgData name="Wally PILLER" userId="e1c1cba4-6299-482b-91e7-ffd34a654594" providerId="ADAL" clId="{A5289BD9-B288-479C-9C53-1CB8B081C19E}" dt="2022-05-24T13:54:23.574" v="419" actId="13926"/>
-        <pc:sldMkLst>
-          <pc:docMk/>
-          <pc:sldMk cId="3692740643" sldId="293"/>
-        </pc:sldMkLst>
-        <pc:spChg chg="mod">
-          <ac:chgData name="Wally PILLER" userId="e1c1cba4-6299-482b-91e7-ffd34a654594" providerId="ADAL" clId="{A5289BD9-B288-479C-9C53-1CB8B081C19E}" dt="2022-05-24T10:08:39.526" v="315" actId="1076"/>
-          <ac:spMkLst>
-            <pc:docMk/>
-            <pc:sldMk cId="3692740643" sldId="293"/>
-            <ac:spMk id="5" creationId="{E7F9AAE2-20F9-4949-802A-4850732E6C2B}"/>
-          </ac:spMkLst>
-        </pc:spChg>
-        <pc:spChg chg="mod">
-          <ac:chgData name="Wally PILLER" userId="e1c1cba4-6299-482b-91e7-ffd34a654594" providerId="ADAL" clId="{A5289BD9-B288-479C-9C53-1CB8B081C19E}" dt="2022-05-24T13:54:23.574" v="419" actId="13926"/>
-          <ac:spMkLst>
-            <pc:docMk/>
-            <pc:sldMk cId="3692740643" sldId="293"/>
-            <ac:spMk id="16" creationId="{BB8A8A7D-F6FF-4F58-AE88-928E127B96F7}"/>
-          </ac:spMkLst>
-        </pc:spChg>
-        <pc:spChg chg="mod">
-          <ac:chgData name="Wally PILLER" userId="e1c1cba4-6299-482b-91e7-ffd34a654594" providerId="ADAL" clId="{A5289BD9-B288-479C-9C53-1CB8B081C19E}" dt="2022-05-24T09:48:44.750" v="286" actId="20577"/>
-          <ac:spMkLst>
-            <pc:docMk/>
-            <pc:sldMk cId="3692740643" sldId="293"/>
-            <ac:spMk id="28" creationId="{9C5364A0-87B1-4E7B-8AC3-C65529C5A56E}"/>
-          </ac:spMkLst>
-        </pc:spChg>
-      </pc:sldChg>
-      <pc:sldChg chg="addSp delSp modSp mod">
-        <pc:chgData name="Wally PILLER" userId="e1c1cba4-6299-482b-91e7-ffd34a654594" providerId="ADAL" clId="{A5289BD9-B288-479C-9C53-1CB8B081C19E}" dt="2022-06-14T12:13:11.757" v="1303" actId="20577"/>
-        <pc:sldMkLst>
-          <pc:docMk/>
-          <pc:sldMk cId="2416999927" sldId="294"/>
-        </pc:sldMkLst>
-        <pc:spChg chg="add del">
-          <ac:chgData name="Wally PILLER" userId="e1c1cba4-6299-482b-91e7-ffd34a654594" providerId="ADAL" clId="{A5289BD9-B288-479C-9C53-1CB8B081C19E}" dt="2022-06-14T12:12:19.410" v="1285" actId="478"/>
-          <ac:spMkLst>
-            <pc:docMk/>
-            <pc:sldMk cId="2416999927" sldId="294"/>
-            <ac:spMk id="9" creationId="{334EA9F6-968D-2523-02F6-177B1F597FA8}"/>
-          </ac:spMkLst>
-        </pc:spChg>
-        <pc:spChg chg="mod">
-          <ac:chgData name="Wally PILLER" userId="e1c1cba4-6299-482b-91e7-ffd34a654594" providerId="ADAL" clId="{A5289BD9-B288-479C-9C53-1CB8B081C19E}" dt="2022-06-14T12:13:11.757" v="1303" actId="20577"/>
-          <ac:spMkLst>
-            <pc:docMk/>
-            <pc:sldMk cId="2416999927" sldId="294"/>
-            <ac:spMk id="11" creationId="{FED2574D-6984-4E56-B512-D9093DAE028A}"/>
-          </ac:spMkLst>
-        </pc:spChg>
-      </pc:sldChg>
-      <pc:sldChg chg="modSp mod">
-        <pc:chgData name="Wally PILLER" userId="e1c1cba4-6299-482b-91e7-ffd34a654594" providerId="ADAL" clId="{A5289BD9-B288-479C-9C53-1CB8B081C19E}" dt="2022-06-02T12:33:08.959" v="1114"/>
-        <pc:sldMkLst>
-          <pc:docMk/>
-          <pc:sldMk cId="1551785400" sldId="295"/>
-        </pc:sldMkLst>
-        <pc:spChg chg="mod">
-          <ac:chgData name="Wally PILLER" userId="e1c1cba4-6299-482b-91e7-ffd34a654594" providerId="ADAL" clId="{A5289BD9-B288-479C-9C53-1CB8B081C19E}" dt="2022-06-02T12:33:08.959" v="1114"/>
-          <ac:spMkLst>
-            <pc:docMk/>
-            <pc:sldMk cId="1551785400" sldId="295"/>
-            <ac:spMk id="5" creationId="{D0ED12C2-7003-44D9-A2FB-4B2BA1F366F5}"/>
-          </ac:spMkLst>
-        </pc:spChg>
-        <pc:spChg chg="mod">
-          <ac:chgData name="Wally PILLER" userId="e1c1cba4-6299-482b-91e7-ffd34a654594" providerId="ADAL" clId="{A5289BD9-B288-479C-9C53-1CB8B081C19E}" dt="2022-05-24T10:31:20.512" v="318"/>
-          <ac:spMkLst>
-            <pc:docMk/>
-            <pc:sldMk cId="1551785400" sldId="295"/>
-            <ac:spMk id="7" creationId="{D9B4A527-A86B-4756-8775-FA28C4786F3E}"/>
-          </ac:spMkLst>
-        </pc:spChg>
-        <pc:spChg chg="mod">
-          <ac:chgData name="Wally PILLER" userId="e1c1cba4-6299-482b-91e7-ffd34a654594" providerId="ADAL" clId="{A5289BD9-B288-479C-9C53-1CB8B081C19E}" dt="2022-05-24T13:48:01.018" v="417" actId="20577"/>
-          <ac:spMkLst>
-            <pc:docMk/>
-            <pc:sldMk cId="1551785400" sldId="295"/>
-            <ac:spMk id="41" creationId="{D9808083-2602-4381-B2C0-93B66238FCB8}"/>
-          </ac:spMkLst>
-        </pc:spChg>
-        <pc:spChg chg="mod">
-          <ac:chgData name="Wally PILLER" userId="e1c1cba4-6299-482b-91e7-ffd34a654594" providerId="ADAL" clId="{A5289BD9-B288-479C-9C53-1CB8B081C19E}" dt="2022-05-24T13:47:02.761" v="411" actId="20577"/>
-          <ac:spMkLst>
-            <pc:docMk/>
-            <pc:sldMk cId="1551785400" sldId="295"/>
-            <ac:spMk id="67" creationId="{54856FA3-20DE-4C1E-8670-977050ABC5CF}"/>
-          </ac:spMkLst>
-        </pc:spChg>
-      </pc:sldChg>
-      <pc:sldChg chg="modSp mod">
-        <pc:chgData name="Wally PILLER" userId="e1c1cba4-6299-482b-91e7-ffd34a654594" providerId="ADAL" clId="{A5289BD9-B288-479C-9C53-1CB8B081C19E}" dt="2022-06-02T12:56:03.327" v="1143" actId="20577"/>
-        <pc:sldMkLst>
-          <pc:docMk/>
-          <pc:sldMk cId="3358940979" sldId="296"/>
-        </pc:sldMkLst>
-        <pc:spChg chg="mod">
-          <ac:chgData name="Wally PILLER" userId="e1c1cba4-6299-482b-91e7-ffd34a654594" providerId="ADAL" clId="{A5289BD9-B288-479C-9C53-1CB8B081C19E}" dt="2022-06-02T12:56:03.327" v="1143" actId="20577"/>
-          <ac:spMkLst>
-            <pc:docMk/>
-            <pc:sldMk cId="3358940979" sldId="296"/>
-            <ac:spMk id="5" creationId="{45E1DCC2-11CD-41F7-969A-E4566F5B1573}"/>
-          </ac:spMkLst>
-        </pc:spChg>
-        <pc:graphicFrameChg chg="mod">
-          <ac:chgData name="Wally PILLER" userId="e1c1cba4-6299-482b-91e7-ffd34a654594" providerId="ADAL" clId="{A5289BD9-B288-479C-9C53-1CB8B081C19E}" dt="2022-06-02T12:42:36.803" v="1129"/>
-          <ac:graphicFrameMkLst>
-            <pc:docMk/>
-            <pc:sldMk cId="3358940979" sldId="296"/>
-            <ac:graphicFrameMk id="9" creationId="{CDF24725-4E16-F687-E839-9CDE396BAF0D}"/>
-          </ac:graphicFrameMkLst>
-        </pc:graphicFrameChg>
-      </pc:sldChg>
-      <pc:sldMasterChg chg="modSp mod modSldLayout">
-        <pc:chgData name="Wally PILLER" userId="e1c1cba4-6299-482b-91e7-ffd34a654594" providerId="ADAL" clId="{A5289BD9-B288-479C-9C53-1CB8B081C19E}" dt="2022-06-02T13:01:41.901" v="1212" actId="1036"/>
-        <pc:sldMasterMkLst>
-          <pc:docMk/>
-          <pc:sldMasterMk cId="3591108463" sldId="2147483660"/>
-        </pc:sldMasterMkLst>
-        <pc:spChg chg="mod">
-          <ac:chgData name="Wally PILLER" userId="e1c1cba4-6299-482b-91e7-ffd34a654594" providerId="ADAL" clId="{A5289BD9-B288-479C-9C53-1CB8B081C19E}" dt="2022-06-02T13:00:55.621" v="1176" actId="1036"/>
-          <ac:spMkLst>
-            <pc:docMk/>
-            <pc:sldMasterMk cId="3591108463" sldId="2147483660"/>
-            <ac:spMk id="4" creationId="{E7F06E1F-D644-4F11-9C6B-F8D54F8A3E78}"/>
-          </ac:spMkLst>
-        </pc:spChg>
-        <pc:picChg chg="mod">
-          <ac:chgData name="Wally PILLER" userId="e1c1cba4-6299-482b-91e7-ffd34a654594" providerId="ADAL" clId="{A5289BD9-B288-479C-9C53-1CB8B081C19E}" dt="2022-06-02T13:00:50.453" v="1157" actId="1037"/>
-          <ac:picMkLst>
-            <pc:docMk/>
-            <pc:sldMasterMk cId="3591108463" sldId="2147483660"/>
-            <ac:picMk id="5" creationId="{A9E3A983-A56E-48BC-B71A-23C20E45D0F9}"/>
-          </ac:picMkLst>
-        </pc:picChg>
-        <pc:sldLayoutChg chg="modSp mod">
-          <pc:chgData name="Wally PILLER" userId="e1c1cba4-6299-482b-91e7-ffd34a654594" providerId="ADAL" clId="{A5289BD9-B288-479C-9C53-1CB8B081C19E}" dt="2022-06-02T13:01:41.901" v="1212" actId="1036"/>
-          <pc:sldLayoutMkLst>
-            <pc:docMk/>
-            <pc:sldMasterMk cId="3591108463" sldId="2147483660"/>
-            <pc:sldLayoutMk cId="1071623652" sldId="2147483677"/>
-          </pc:sldLayoutMkLst>
-          <pc:spChg chg="mod">
-            <ac:chgData name="Wally PILLER" userId="e1c1cba4-6299-482b-91e7-ffd34a654594" providerId="ADAL" clId="{A5289BD9-B288-479C-9C53-1CB8B081C19E}" dt="2022-06-02T13:01:41.901" v="1212" actId="1036"/>
-            <ac:spMkLst>
-              <pc:docMk/>
-              <pc:sldMasterMk cId="3591108463" sldId="2147483660"/>
-              <pc:sldLayoutMk cId="1071623652" sldId="2147483677"/>
-              <ac:spMk id="3" creationId="{1DE10B4D-4606-4171-8C03-DB6DCC94C19B}"/>
-            </ac:spMkLst>
-          </pc:spChg>
-          <pc:picChg chg="mod">
-            <ac:chgData name="Wally PILLER" userId="e1c1cba4-6299-482b-91e7-ffd34a654594" providerId="ADAL" clId="{A5289BD9-B288-479C-9C53-1CB8B081C19E}" dt="2022-06-02T13:01:39.189" v="1197" actId="1035"/>
-            <ac:picMkLst>
-              <pc:docMk/>
-              <pc:sldMasterMk cId="3591108463" sldId="2147483660"/>
-              <pc:sldLayoutMk cId="1071623652" sldId="2147483677"/>
-              <ac:picMk id="4" creationId="{3D3B826A-2979-4099-9821-D7175F57BF98}"/>
-            </ac:picMkLst>
-          </pc:picChg>
-        </pc:sldLayoutChg>
-      </pc:sldMasterChg>
-    </pc:docChg>
-  </pc:docChgLst>
-</pc:chgInfo>
-</file>
-
 <file path=ppt/handoutMasters/handoutMaster1.xml><?xml version="1.0" encoding="utf-8"?>
 <p:handoutMaster xmlns:a="http://schemas.openxmlformats.org/drawingml/2006/main" xmlns:r="http://schemas.openxmlformats.org/officeDocument/2006/relationships" xmlns:p="http://schemas.openxmlformats.org/presentationml/2006/main">
   <p:cSld>
@@ -1115,7 +238,7 @@
           <a:p>
             <a:fld id="{515CCE07-1711-4DC7-A7D8-7ED312C82FB8}" type="datetimeFigureOut">
               <a:rPr lang="fr-FR" smtClean="0"/>
-              <a:t>14/06/2022</a:t>
+              <a:t>15/06/2022</a:t>
             </a:fld>
             <a:endParaRPr lang="fr-FR"/>
           </a:p>
@@ -2655,27 +1778,40 @@
                 </a:solidFill>
                 <a:latin typeface="Futura PT" panose="020B0902020204020203" pitchFamily="34" charset="0"/>
               </a:rPr>
-              <a:t>Durée d’investissement conseillée : </a:t>
-            </a:r>
-            <a:r>
-              <a:rPr lang="fr-FR" sz="800" b="1" dirty="0"/>
+              <a:t>Durée d’investissement conseillée </a:t>
+            </a:r>
+            <a:r>
+              <a:rPr lang="fr-FR" sz="800" b="1">
+                <a:solidFill>
+                  <a:srgbClr val="B9A049"/>
+                </a:solidFill>
+                <a:latin typeface="Futura PT" panose="020B0902020204020203" pitchFamily="34" charset="0"/>
+              </a:rPr>
+              <a:t>: </a:t>
+            </a:r>
+            <a:r>
+              <a:rPr lang="fr-FR" sz="800" b="1">
+                <a:highlight>
+                  <a:srgbClr val="FFFF00"/>
+                </a:highlight>
+              </a:rPr>
               <a:t>&lt;</a:t>
             </a:r>
             <a:r>
-              <a:rPr lang="fr-FR" sz="800" b="1" cap="none" dirty="0" err="1"/>
-              <a:t>dic</a:t>
-            </a:r>
-            <a:r>
-              <a:rPr lang="fr-FR" sz="800" b="1" dirty="0"/>
-              <a:t>&gt;</a:t>
-            </a:r>
-            <a:r>
-              <a:rPr lang="fr-FR" sz="800" b="1" dirty="0">
-                <a:solidFill>
-                  <a:srgbClr val="B9A049"/>
-                </a:solidFill>
-              </a:rPr>
-              <a:t> </a:t>
+              <a:rPr lang="fr-FR" sz="800" b="1" cap="none">
+                <a:highlight>
+                  <a:srgbClr val="FFFF00"/>
+                </a:highlight>
+              </a:rPr>
+              <a:t>DIC&gt; </a:t>
+            </a:r>
+            <a:r>
+              <a:rPr lang="fr-FR" sz="800" cap="none">
+                <a:solidFill>
+                  <a:schemeClr val="tx2"/>
+                </a:solidFill>
+              </a:rPr>
+              <a:t>(</a:t>
             </a:r>
             <a:r>
               <a:rPr lang="fr-FR" sz="800" cap="none" dirty="0">
@@ -2683,7 +1819,7 @@
                   <a:schemeClr val="tx2"/>
                 </a:solidFill>
               </a:rPr>
-              <a:t>(hors remboursement anticipé automatique). </a:t>
+              <a:t>hors remboursement anticipé automatique). </a:t>
             </a:r>
           </a:p>
           <a:p>
@@ -22652,7 +21788,38 @@
                 <a:ea typeface="+mn-ea"/>
                 <a:cs typeface="+mn-cs"/>
               </a:rPr>
-              <a:t>ou égal à &lt;BCPN&gt; &lt;balisedeg1&gt;</a:t>
+              <a:t>ou égal à </a:t>
+            </a:r>
+            <a:r>
+              <a:rPr kumimoji="0" lang="fr-FR" sz="800" b="0" i="0" u="none" strike="noStrike" kern="1200" cap="none" spc="0" normalizeH="0" baseline="0" noProof="0" dirty="0">
+                <a:ln>
+                  <a:noFill/>
+                </a:ln>
+                <a:effectLst/>
+                <a:highlight>
+                  <a:srgbClr val="FFFF00"/>
+                </a:highlight>
+                <a:uLnTx/>
+                <a:uFillTx/>
+                <a:latin typeface="Proxima Nova Rg"/>
+                <a:ea typeface="+mn-ea"/>
+                <a:cs typeface="+mn-cs"/>
+              </a:rPr>
+              <a:t>&lt;BCPN&gt; </a:t>
+            </a:r>
+            <a:r>
+              <a:rPr kumimoji="0" lang="fr-FR" sz="800" b="0" i="0" u="none" strike="noStrike" kern="1200" cap="none" spc="0" normalizeH="0" baseline="0" noProof="0" dirty="0">
+                <a:ln>
+                  <a:noFill/>
+                </a:ln>
+                <a:effectLst/>
+                <a:uLnTx/>
+                <a:uFillTx/>
+                <a:latin typeface="Proxima Nova Rg"/>
+                <a:ea typeface="+mn-ea"/>
+                <a:cs typeface="+mn-cs"/>
+              </a:rPr>
+              <a:t>&lt;balisedeg1&gt;</a:t>
             </a:r>
             <a:r>
               <a:rPr kumimoji="0" lang="fr-FR" sz="800" b="0" i="0" u="none" strike="noStrike" kern="1200" cap="none" spc="0" normalizeH="0" baseline="0" noProof="0" dirty="0">
@@ -22800,15 +21967,7 @@
                 <a:ea typeface="+mn-ea"/>
                 <a:cs typeface="+mn-cs"/>
               </a:rPr>
-              <a:t>: En acceptant de limiter leurs gains à &lt;CPN&gt; par &lt;F0&gt; écoulé (soit un Taux de Rendement Annuel net maximum de &lt;TRA.F.A&gt;%), les investisseurs recevront en contrepartie l’intégralité du capital initial si &lt;SJR1&gt; ne baisse pas de plus de &lt;</a:t>
-            </a:r>
-            <a:r>
-              <a:rPr lang="fr-FR" sz="800" dirty="0">
-                <a:solidFill>
-                  <a:srgbClr val="000000"/>
-                </a:solidFill>
-              </a:rPr>
-              <a:t>PDIPERF&gt;</a:t>
+              <a:t>: En acceptant de limiter leurs gains à &lt;CPN&gt; par &lt;F0&gt; écoulé (soit un Taux de Rendement Annuel net maximum de &lt;TRA.F.A&gt;%), les investisseurs recevront en contrepartie l’intégralité du capital initial si &lt;SJR1&gt; ne baisse pas de plus de </a:t>
             </a:r>
             <a:r>
               <a:rPr kumimoji="0" lang="fr-FR" sz="800" b="0" i="0" u="none" strike="noStrike" kern="1200" cap="none" spc="0" normalizeH="0" baseline="0" noProof="0" dirty="0">
@@ -22819,13 +21978,64 @@
                   <a:schemeClr val="tx1"/>
                 </a:solidFill>
                 <a:effectLst/>
+                <a:highlight>
+                  <a:srgbClr val="FFFF00"/>
+                </a:highlight>
                 <a:uLnTx/>
                 <a:uFillTx/>
                 <a:latin typeface="Proxima Nova Rg"/>
                 <a:ea typeface="+mn-ea"/>
                 <a:cs typeface="+mn-cs"/>
               </a:rPr>
-              <a:t> par rapport à son &lt;NDR&gt; </a:t>
+              <a:t>&lt;</a:t>
+            </a:r>
+            <a:r>
+              <a:rPr lang="fr-FR" sz="800" dirty="0">
+                <a:solidFill>
+                  <a:srgbClr val="000000"/>
+                </a:solidFill>
+                <a:highlight>
+                  <a:srgbClr val="FFFF00"/>
+                </a:highlight>
+              </a:rPr>
+              <a:t>PDIPERF&gt;</a:t>
+            </a:r>
+            <a:r>
+              <a:rPr kumimoji="0" lang="fr-FR" sz="800" b="0" i="0" u="none" strike="noStrike" kern="1200" cap="none" spc="0" normalizeH="0" baseline="0" noProof="0" dirty="0">
+                <a:ln>
+                  <a:noFill/>
+                </a:ln>
+                <a:solidFill>
+                  <a:schemeClr val="tx1"/>
+                </a:solidFill>
+                <a:effectLst/>
+                <a:highlight>
+                  <a:srgbClr val="FFFF00"/>
+                </a:highlight>
+                <a:uLnTx/>
+                <a:uFillTx/>
+                <a:latin typeface="Proxima Nova Rg"/>
+                <a:ea typeface="+mn-ea"/>
+                <a:cs typeface="+mn-cs"/>
+              </a:rPr>
+              <a:t> </a:t>
+            </a:r>
+            <a:r>
+              <a:rPr kumimoji="0" lang="fr-FR" sz="800" b="0" i="0" u="none" strike="noStrike" kern="1200" cap="none" spc="0" normalizeH="0" baseline="0" noProof="0" dirty="0">
+                <a:ln>
+                  <a:noFill/>
+                </a:ln>
+                <a:solidFill>
+                  <a:schemeClr val="tx1"/>
+                </a:solidFill>
+                <a:effectLst/>
+                <a:uLnTx/>
+                <a:uFillTx/>
+                <a:latin typeface="Proxima Nova Rg"/>
+                <a:ea typeface="+mn-ea"/>
+                <a:cs typeface="+mn-cs"/>
+              </a:rPr>
+              <a:t>par rapport à son &lt;NDR&gt; </a:t>
             </a:r>
           </a:p>
           <a:p>
@@ -36999,27 +36209,6 @@
 </file>
 
 <file path=customXml/item1.xml><?xml version="1.0" encoding="utf-8"?>
-<p:properties xmlns:p="http://schemas.microsoft.com/office/2006/metadata/properties" xmlns:xsi="http://www.w3.org/2001/XMLSchema-instance" xmlns:pc="http://schemas.microsoft.com/office/infopath/2007/PartnerControls">
-  <documentManagement>
-    <_Flow_SignoffStatus xmlns="ef624bc2-1644-4d69-8362-5c28ca496374" xsi:nil="true"/>
-    <TaxCatchAll xmlns="514a554b-82b0-4359-b247-fc84018a95f0" xsi:nil="true"/>
-    <lcf76f155ced4ddcb4097134ff3c332f xmlns="ef624bc2-1644-4d69-8362-5c28ca496374">
-      <Terms xmlns="http://schemas.microsoft.com/office/infopath/2007/PartnerControls"/>
-    </lcf76f155ced4ddcb4097134ff3c332f>
-  </documentManagement>
-</p:properties>
-</file>
-
-<file path=customXml/item2.xml><?xml version="1.0" encoding="utf-8"?>
-<?mso-contentType ?>
-<FormTemplates xmlns="http://schemas.microsoft.com/sharepoint/v3/contenttype/forms">
-  <Display>DocumentLibraryForm</Display>
-  <Edit>DocumentLibraryForm</Edit>
-  <New>DocumentLibraryForm</New>
-</FormTemplates>
-</file>
-
-<file path=customXml/item3.xml><?xml version="1.0" encoding="utf-8"?>
 <ct:contentTypeSchema xmlns:ct="http://schemas.microsoft.com/office/2006/metadata/contentType" xmlns:ma="http://schemas.microsoft.com/office/2006/metadata/properties/metaAttributes" ct:_="" ma:_="" ma:contentTypeName="Document" ma:contentTypeID="0x0101005DDE610BC516E448BB8152259F39635A" ma:contentTypeVersion="17" ma:contentTypeDescription="Crée un document." ma:contentTypeScope="" ma:versionID="bfb75e103009df80b8e5001438c41194">
   <xsd:schema xmlns:xsd="http://www.w3.org/2001/XMLSchema" xmlns:xs="http://www.w3.org/2001/XMLSchema" xmlns:p="http://schemas.microsoft.com/office/2006/metadata/properties" xmlns:ns2="ef624bc2-1644-4d69-8362-5c28ca496374" xmlns:ns3="514a554b-82b0-4359-b247-fc84018a95f0" targetNamespace="http://schemas.microsoft.com/office/2006/metadata/properties" ma:root="true" ma:fieldsID="2ae3df86d13efbb4a35042af2564d386" ns2:_="" ns3:_="">
     <xsd:import namespace="ef624bc2-1644-4d69-8362-5c28ca496374"/>
@@ -37268,32 +36457,28 @@
 </ct:contentTypeSchema>
 </file>
 
-<file path=customXml/itemProps1.xml><?xml version="1.0" encoding="utf-8"?>
-<ds:datastoreItem xmlns:ds="http://schemas.openxmlformats.org/officeDocument/2006/customXml" ds:itemID="{25DE574B-2CD2-4078-9BEA-2A14717D9698}">
-  <ds:schemaRefs>
-    <ds:schemaRef ds:uri="514a554b-82b0-4359-b247-fc84018a95f0"/>
-    <ds:schemaRef ds:uri="ef624bc2-1644-4d69-8362-5c28ca496374"/>
-    <ds:schemaRef ds:uri="http://purl.org/dc/dcmitype/"/>
-    <ds:schemaRef ds:uri="http://purl.org/dc/elements/1.1/"/>
-    <ds:schemaRef ds:uri="http://purl.org/dc/terms/"/>
-    <ds:schemaRef ds:uri="http://schemas.microsoft.com/office/2006/documentManagement/types"/>
-    <ds:schemaRef ds:uri="http://schemas.microsoft.com/office/2006/metadata/properties"/>
-    <ds:schemaRef ds:uri="http://schemas.microsoft.com/office/infopath/2007/PartnerControls"/>
-    <ds:schemaRef ds:uri="http://schemas.openxmlformats.org/package/2006/metadata/core-properties"/>
-    <ds:schemaRef ds:uri="http://www.w3.org/XML/1998/namespace"/>
-  </ds:schemaRefs>
-</ds:datastoreItem>
+<file path=customXml/item2.xml><?xml version="1.0" encoding="utf-8"?>
+<?mso-contentType ?>
+<FormTemplates xmlns="http://schemas.microsoft.com/sharepoint/v3/contenttype/forms">
+  <Display>DocumentLibraryForm</Display>
+  <Edit>DocumentLibraryForm</Edit>
+  <New>DocumentLibraryForm</New>
+</FormTemplates>
 </file>
 
-<file path=customXml/itemProps2.xml><?xml version="1.0" encoding="utf-8"?>
-<ds:datastoreItem xmlns:ds="http://schemas.openxmlformats.org/officeDocument/2006/customXml" ds:itemID="{B00FC41E-FBDE-42E2-B58A-20EBD240A376}">
-  <ds:schemaRefs>
-    <ds:schemaRef ds:uri="http://schemas.microsoft.com/sharepoint/v3/contenttype/forms"/>
-  </ds:schemaRefs>
-</ds:datastoreItem>
+<file path=customXml/item3.xml><?xml version="1.0" encoding="utf-8"?>
+<p:properties xmlns:p="http://schemas.microsoft.com/office/2006/metadata/properties" xmlns:xsi="http://www.w3.org/2001/XMLSchema-instance" xmlns:pc="http://schemas.microsoft.com/office/infopath/2007/PartnerControls">
+  <documentManagement>
+    <_Flow_SignoffStatus xmlns="ef624bc2-1644-4d69-8362-5c28ca496374" xsi:nil="true"/>
+    <TaxCatchAll xmlns="514a554b-82b0-4359-b247-fc84018a95f0" xsi:nil="true"/>
+    <lcf76f155ced4ddcb4097134ff3c332f xmlns="ef624bc2-1644-4d69-8362-5c28ca496374">
+      <Terms xmlns="http://schemas.microsoft.com/office/infopath/2007/PartnerControls"/>
+    </lcf76f155ced4ddcb4097134ff3c332f>
+  </documentManagement>
+</p:properties>
 </file>
 
-<file path=customXml/itemProps3.xml><?xml version="1.0" encoding="utf-8"?>
+<file path=customXml/itemProps1.xml><?xml version="1.0" encoding="utf-8"?>
 <ds:datastoreItem xmlns:ds="http://schemas.openxmlformats.org/officeDocument/2006/customXml" ds:itemID="{DE898DE2-83E7-42CE-B7CD-9C9DF4B16BA4}">
   <ds:schemaRefs>
     <ds:schemaRef ds:uri="http://schemas.microsoft.com/office/2006/metadata/contentType"/>
@@ -37310,4 +36495,29 @@
     <ds:schemaRef ds:uri="http://schemas.microsoft.com/internal/obd"/>
   </ds:schemaRefs>
 </ds:datastoreItem>
+</file>
+
+<file path=customXml/itemProps2.xml><?xml version="1.0" encoding="utf-8"?>
+<ds:datastoreItem xmlns:ds="http://schemas.openxmlformats.org/officeDocument/2006/customXml" ds:itemID="{B00FC41E-FBDE-42E2-B58A-20EBD240A376}">
+  <ds:schemaRefs>
+    <ds:schemaRef ds:uri="http://schemas.microsoft.com/sharepoint/v3/contenttype/forms"/>
+  </ds:schemaRefs>
+</ds:datastoreItem>
+</file>
+
+<file path=customXml/itemProps3.xml><?xml version="1.0" encoding="utf-8"?>
+<ds:datastoreItem xmlns:ds="http://schemas.openxmlformats.org/officeDocument/2006/customXml" ds:itemID="{25DE574B-2CD2-4078-9BEA-2A14717D9698}">
+  <ds:schemaRefs>
+    <ds:schemaRef ds:uri="514a554b-82b0-4359-b247-fc84018a95f0"/>
+    <ds:schemaRef ds:uri="ef624bc2-1644-4d69-8362-5c28ca496374"/>
+    <ds:schemaRef ds:uri="http://purl.org/dc/dcmitype/"/>
+    <ds:schemaRef ds:uri="http://purl.org/dc/elements/1.1/"/>
+    <ds:schemaRef ds:uri="http://purl.org/dc/terms/"/>
+    <ds:schemaRef ds:uri="http://schemas.microsoft.com/office/2006/documentManagement/types"/>
+    <ds:schemaRef ds:uri="http://schemas.microsoft.com/office/2006/metadata/properties"/>
+    <ds:schemaRef ds:uri="http://schemas.microsoft.com/office/infopath/2007/PartnerControls"/>
+    <ds:schemaRef ds:uri="http://schemas.openxmlformats.org/package/2006/metadata/core-properties"/>
+    <ds:schemaRef ds:uri="http://www.w3.org/XML/1998/namespace"/>
+  </ds:schemaRefs>
+</ds:datastoreItem>
 </file>